--- a/4-Presentation/P-dorcapelli-gestion-des membres-d'un-club-echec.pptx
+++ b/4-Presentation/P-dorcapelli-gestion-des membres-d'un-club-echec.pptx
@@ -6709,10 +6709,10 @@
             <a:defRPr cap="all"/>
           </a:pPr>
           <a:r>
-            <a:rPr lang="fr-CH"/>
-            <a:t>Temps raccourcis </a:t>
+            <a:rPr lang="fr-CH" dirty="0"/>
+            <a:t>Temps raccourci</a:t>
           </a:r>
-          <a:endParaRPr lang="en-US"/>
+          <a:endParaRPr lang="en-US" dirty="0"/>
         </a:p>
       </dgm:t>
     </dgm:pt>
@@ -9965,10 +9965,10 @@
             <a:defRPr cap="all"/>
           </a:pPr>
           <a:r>
-            <a:rPr lang="fr-CH" sz="2000" kern="1200"/>
-            <a:t>Temps raccourcis </a:t>
+            <a:rPr lang="fr-CH" sz="2000" kern="1200" dirty="0"/>
+            <a:t>Temps raccourci</a:t>
           </a:r>
-          <a:endParaRPr lang="en-US" sz="2000" kern="1200"/>
+          <a:endParaRPr lang="en-US" sz="2000" kern="1200" dirty="0"/>
         </a:p>
       </dsp:txBody>
       <dsp:txXfrm>
@@ -17957,7 +17957,7 @@
           <a:p>
             <a:fld id="{5ACB88F0-5BE8-4208-A793-7EF7E3D40CDF}" type="datetimeFigureOut">
               <a:rPr lang="fr-CH" smtClean="0"/>
-              <a:t>13.03.2023</a:t>
+              <a:t>15.03.2023</a:t>
             </a:fld>
             <a:endParaRPr lang="fr-CH"/>
           </a:p>
@@ -18908,6 +18908,15 @@
             <a:r>
               <a:rPr lang="fr-CH" dirty="0"/>
               <a:t>Premièrement  Agile puis 6 pas après discutions avec M. Charmier</a:t>
+            </a:r>
+          </a:p>
+          <a:p>
+            <a:endParaRPr lang="fr-CH" dirty="0"/>
+          </a:p>
+          <a:p>
+            <a:r>
+              <a:rPr lang="fr-CH" dirty="0"/>
+              <a:t>Expliquer le méthode des 6 pas avec comme exemple la base de données</a:t>
             </a:r>
           </a:p>
           <a:p>
@@ -20306,7 +20315,7 @@
           <a:p>
             <a:fld id="{1969978D-0A5A-4497-A958-FCCC5A73DDC6}" type="datetime1">
               <a:rPr lang="fr-CH" smtClean="0"/>
-              <a:t>13.03.2023</a:t>
+              <a:t>15.03.2023</a:t>
             </a:fld>
             <a:endParaRPr lang="fr-CH"/>
           </a:p>
@@ -20560,7 +20569,7 @@
           <a:p>
             <a:fld id="{D8B74FC1-25D1-4394-8829-EB089C831439}" type="datetime1">
               <a:rPr lang="fr-CH" smtClean="0"/>
-              <a:t>13.03.2023</a:t>
+              <a:t>15.03.2023</a:t>
             </a:fld>
             <a:endParaRPr lang="fr-CH"/>
           </a:p>
@@ -20877,7 +20886,7 @@
           <a:p>
             <a:fld id="{16016BB9-F1A4-4EB1-94AC-7D9D4EE36C61}" type="datetime1">
               <a:rPr lang="fr-CH" smtClean="0"/>
-              <a:t>13.03.2023</a:t>
+              <a:t>15.03.2023</a:t>
             </a:fld>
             <a:endParaRPr lang="fr-CH"/>
           </a:p>
@@ -21221,7 +21230,7 @@
           <a:p>
             <a:fld id="{DBED677C-E5A1-45DD-9CF6-A9476208AC74}" type="datetime1">
               <a:rPr lang="fr-CH" smtClean="0"/>
-              <a:t>13.03.2023</a:t>
+              <a:t>15.03.2023</a:t>
             </a:fld>
             <a:endParaRPr lang="fr-CH"/>
           </a:p>
@@ -21538,7 +21547,7 @@
           <a:p>
             <a:fld id="{F4AE0B25-41EC-4166-A90C-E05156CB8811}" type="datetime1">
               <a:rPr lang="fr-CH" smtClean="0"/>
-              <a:t>13.03.2023</a:t>
+              <a:t>15.03.2023</a:t>
             </a:fld>
             <a:endParaRPr lang="fr-CH"/>
           </a:p>
@@ -21934,7 +21943,7 @@
           <a:p>
             <a:fld id="{B4B0E103-7191-4930-AB27-60E693A32BCD}" type="datetime1">
               <a:rPr lang="fr-CH" smtClean="0"/>
-              <a:t>13.03.2023</a:t>
+              <a:t>15.03.2023</a:t>
             </a:fld>
             <a:endParaRPr lang="fr-CH"/>
           </a:p>
@@ -22107,7 +22116,7 @@
           <a:p>
             <a:fld id="{EB0E4D81-17C0-4C6E-A9C3-83ED0C7EA8B3}" type="datetime1">
               <a:rPr lang="fr-CH" smtClean="0"/>
-              <a:t>13.03.2023</a:t>
+              <a:t>15.03.2023</a:t>
             </a:fld>
             <a:endParaRPr lang="fr-CH"/>
           </a:p>
@@ -22290,7 +22299,7 @@
           <a:p>
             <a:fld id="{649BE27A-6712-45B3-AE6E-0766B5B3B8AB}" type="datetime1">
               <a:rPr lang="fr-CH" smtClean="0"/>
-              <a:t>13.03.2023</a:t>
+              <a:t>15.03.2023</a:t>
             </a:fld>
             <a:endParaRPr lang="fr-CH"/>
           </a:p>
@@ -22469,7 +22478,7 @@
           <a:p>
             <a:fld id="{17413E6C-07A2-4A0C-B63F-544F1AD2E7E7}" type="datetime1">
               <a:rPr lang="fr-CH" smtClean="0"/>
-              <a:t>13.03.2023</a:t>
+              <a:t>15.03.2023</a:t>
             </a:fld>
             <a:endParaRPr lang="fr-CH"/>
           </a:p>
@@ -22719,7 +22728,7 @@
           <a:p>
             <a:fld id="{39286500-4F9F-4985-8608-30F5AA398785}" type="datetime1">
               <a:rPr lang="fr-CH" smtClean="0"/>
-              <a:t>13.03.2023</a:t>
+              <a:t>15.03.2023</a:t>
             </a:fld>
             <a:endParaRPr lang="fr-CH"/>
           </a:p>
@@ -22954,7 +22963,7 @@
           <a:p>
             <a:fld id="{112F32FD-7794-417B-A897-B6529C1B6F9B}" type="datetime1">
               <a:rPr lang="fr-CH" smtClean="0"/>
-              <a:t>13.03.2023</a:t>
+              <a:t>15.03.2023</a:t>
             </a:fld>
             <a:endParaRPr lang="fr-CH"/>
           </a:p>
@@ -23331,7 +23340,7 @@
           <a:p>
             <a:fld id="{D2640BB2-7E0E-487B-9819-62CBFD72BAFD}" type="datetime1">
               <a:rPr lang="fr-CH" smtClean="0"/>
-              <a:t>13.03.2023</a:t>
+              <a:t>15.03.2023</a:t>
             </a:fld>
             <a:endParaRPr lang="fr-CH"/>
           </a:p>
@@ -23457,7 +23466,7 @@
           <a:p>
             <a:fld id="{5245D507-71B3-403B-98EA-FAC7B9CD0C6C}" type="datetime1">
               <a:rPr lang="fr-CH" smtClean="0"/>
-              <a:t>13.03.2023</a:t>
+              <a:t>15.03.2023</a:t>
             </a:fld>
             <a:endParaRPr lang="fr-CH"/>
           </a:p>
@@ -23555,7 +23564,7 @@
           <a:p>
             <a:fld id="{14790B78-5F46-4E99-87FE-2CAD22A88011}" type="datetime1">
               <a:rPr lang="fr-CH" smtClean="0"/>
-              <a:t>13.03.2023</a:t>
+              <a:t>15.03.2023</a:t>
             </a:fld>
             <a:endParaRPr lang="fr-CH"/>
           </a:p>
@@ -23813,7 +23822,7 @@
           <a:p>
             <a:fld id="{4B30269C-13E9-410B-95D5-F15E5BA981E9}" type="datetime1">
               <a:rPr lang="fr-CH" smtClean="0"/>
-              <a:t>13.03.2023</a:t>
+              <a:t>15.03.2023</a:t>
             </a:fld>
             <a:endParaRPr lang="fr-CH"/>
           </a:p>
@@ -24079,7 +24088,7 @@
           <a:p>
             <a:fld id="{A7776D2E-73F9-410E-A265-F3E0A7944292}" type="datetime1">
               <a:rPr lang="fr-CH" smtClean="0"/>
-              <a:t>13.03.2023</a:t>
+              <a:t>15.03.2023</a:t>
             </a:fld>
             <a:endParaRPr lang="fr-CH"/>
           </a:p>
@@ -24825,7 +24834,7 @@
           <a:p>
             <a:fld id="{50897415-FB9C-484E-9DD8-342443F26EA2}" type="datetime1">
               <a:rPr lang="fr-CH" smtClean="0"/>
-              <a:t>13.03.2023</a:t>
+              <a:t>15.03.2023</a:t>
             </a:fld>
             <a:endParaRPr lang="fr-CH"/>
           </a:p>
@@ -25344,6 +25353,14 @@
 <file path=ppt/slides/slide1.xml><?xml version="1.0" encoding="utf-8"?>
 <p:sld xmlns:a="http://schemas.openxmlformats.org/drawingml/2006/main" xmlns:r="http://schemas.openxmlformats.org/officeDocument/2006/relationships" xmlns:p="http://schemas.openxmlformats.org/presentationml/2006/main">
   <p:cSld>
+    <p:bg>
+      <p:bgPr>
+        <a:solidFill>
+          <a:schemeClr val="bg1"/>
+        </a:solidFill>
+        <a:effectLst/>
+      </p:bgPr>
+    </p:bg>
     <p:spTree>
       <p:nvGrpSpPr>
         <p:cNvPr id="1" name=""/>
@@ -25374,13 +25391,20 @@
             <p:ph type="ctrTitle"/>
           </p:nvPr>
         </p:nvSpPr>
-        <p:spPr/>
+        <p:spPr>
+          <a:xfrm>
+            <a:off x="1507067" y="1578133"/>
+            <a:ext cx="4335468" cy="2875534"/>
+          </a:xfrm>
+        </p:spPr>
         <p:txBody>
-          <a:bodyPr/>
+          <a:bodyPr>
+            <a:normAutofit/>
+          </a:bodyPr>
           <a:lstStyle/>
           <a:p>
             <a:r>
-              <a:rPr lang="fr-CH" dirty="0"/>
+              <a:rPr lang="fr-CH" sz="5000"/>
               <a:t>Gestion des membres d’un club d’échecs</a:t>
             </a:r>
           </a:p>
@@ -25402,18 +25426,65 @@
             <p:ph type="subTitle" idx="1"/>
           </p:nvPr>
         </p:nvSpPr>
-        <p:spPr/>
+        <p:spPr>
+          <a:xfrm>
+            <a:off x="1507067" y="4453667"/>
+            <a:ext cx="4335468" cy="1096899"/>
+          </a:xfrm>
+        </p:spPr>
         <p:txBody>
-          <a:bodyPr/>
+          <a:bodyPr>
+            <a:normAutofit/>
+          </a:bodyPr>
           <a:lstStyle/>
           <a:p>
             <a:r>
-              <a:rPr lang="fr-CH" dirty="0"/>
+              <a:rPr lang="fr-CH"/>
               <a:t>Dorian Capelli</a:t>
             </a:r>
+            <a:endParaRPr lang="fr-CH" dirty="0"/>
           </a:p>
         </p:txBody>
       </p:sp>
+      <p:pic>
+        <p:nvPicPr>
+          <p:cNvPr id="7" name="Graphique 6" descr="Pièces d’échecs">
+            <a:extLst>
+              <a:ext uri="{FF2B5EF4-FFF2-40B4-BE49-F238E27FC236}">
+                <a16:creationId xmlns:a16="http://schemas.microsoft.com/office/drawing/2014/main" id="{A2BA8E6F-B6AD-43B6-AA2F-373F40C2F0BF}"/>
+              </a:ext>
+            </a:extLst>
+          </p:cNvPr>
+          <p:cNvPicPr>
+            <a:picLocks noChangeAspect="1"/>
+          </p:cNvPicPr>
+          <p:nvPr/>
+        </p:nvPicPr>
+        <p:blipFill>
+          <a:blip r:embed="rId3">
+            <a:extLst>
+              <a:ext uri="{28A0092B-C50C-407E-A947-70E740481C1C}">
+                <a14:useLocalDpi xmlns:a14="http://schemas.microsoft.com/office/drawing/2010/main" val="0"/>
+              </a:ext>
+              <a:ext uri="{96DAC541-7B7A-43D3-8B79-37D633B846F1}">
+                <asvg:svgBlip xmlns:asvg="http://schemas.microsoft.com/office/drawing/2016/SVG/main" r:embed="rId4"/>
+              </a:ext>
+            </a:extLst>
+          </a:blip>
+          <a:stretch>
+            <a:fillRect/>
+          </a:stretch>
+        </p:blipFill>
+        <p:spPr>
+          <a:xfrm>
+            <a:off x="6095998" y="1924043"/>
+            <a:ext cx="3280613" cy="3280613"/>
+          </a:xfrm>
+          <a:prstGeom prst="rect">
+            <a:avLst/>
+          </a:prstGeom>
+        </p:spPr>
+      </p:pic>
       <p:sp>
         <p:nvSpPr>
           <p:cNvPr id="4" name="Espace réservé du pied de page 3">
@@ -25430,13 +25501,25 @@
             <p:ph type="ftr" sz="quarter" idx="11"/>
           </p:nvPr>
         </p:nvSpPr>
-        <p:spPr/>
+        <p:spPr>
+          <a:xfrm>
+            <a:off x="677334" y="6041362"/>
+            <a:ext cx="6297612" cy="365125"/>
+          </a:xfrm>
+        </p:spPr>
         <p:txBody>
-          <a:bodyPr/>
+          <a:bodyPr>
+            <a:normAutofit/>
+          </a:bodyPr>
           <a:lstStyle/>
           <a:p>
+            <a:pPr>
+              <a:spcAft>
+                <a:spcPts val="600"/>
+              </a:spcAft>
+            </a:pPr>
             <a:r>
-              <a:rPr lang="fr-CH" dirty="0"/>
+              <a:rPr lang="fr-CH"/>
               <a:t>Gestion des membres d'un club d'échecs par Dorian Capelli</a:t>
             </a:r>
           </a:p>
@@ -25461,22 +25544,33 @@
         <p:spPr>
           <a:xfrm>
             <a:off x="8590663" y="6041362"/>
-            <a:ext cx="820037" cy="365125"/>
+            <a:ext cx="785948" cy="365125"/>
           </a:xfrm>
         </p:spPr>
         <p:txBody>
-          <a:bodyPr/>
+          <a:bodyPr>
+            <a:noAutofit/>
+          </a:bodyPr>
           <a:lstStyle/>
           <a:p>
+            <a:pPr>
+              <a:spcAft>
+                <a:spcPts val="600"/>
+              </a:spcAft>
+            </a:pPr>
             <a:fld id="{D47A9B08-0F95-4E4C-ABCD-BDD69CBFE042}" type="slidenum">
               <a:rPr lang="fr-CH" sz="2000" smtClean="0"/>
+              <a:pPr>
+                <a:spcAft>
+                  <a:spcPts val="600"/>
+                </a:spcAft>
+              </a:pPr>
               <a:t>1</a:t>
             </a:fld>
             <a:r>
               <a:rPr lang="fr-CH" sz="2000" dirty="0"/>
               <a:t>/10</a:t>
             </a:r>
-            <a:endParaRPr lang="fr-CH" dirty="0"/>
           </a:p>
         </p:txBody>
       </p:sp>
@@ -25560,7 +25654,7 @@
           <a:bodyPr/>
           <a:lstStyle/>
           <a:p>
-            <a:endParaRPr lang="fr-CH"/>
+            <a:endParaRPr lang="fr-CH" dirty="0"/>
           </a:p>
         </p:txBody>
       </p:sp>
@@ -25827,551 +25921,79 @@
           <a:chExt cx="0" cy="0"/>
         </a:xfrm>
       </p:grpSpPr>
-      <p:sp useBgFill="1">
-        <p:nvSpPr>
-          <p:cNvPr id="37" name="Rectangle 24">
+      <p:pic>
+        <p:nvPicPr>
+          <p:cNvPr id="9" name="Image 8" descr="Une image contenant diagramme&#10;&#10;Description générée automatiquement">
             <a:extLst>
               <a:ext uri="{FF2B5EF4-FFF2-40B4-BE49-F238E27FC236}">
-                <a16:creationId xmlns:a16="http://schemas.microsoft.com/office/drawing/2014/main" id="{0ADFFC45-3DC9-4433-926F-043E879D9DFC}"/>
-              </a:ext>
-              <a:ext uri="{C183D7F6-B498-43B3-948B-1728B52AA6E4}">
-                <adec:decorative xmlns:adec="http://schemas.microsoft.com/office/drawing/2017/decorative" val="1"/>
+                <a16:creationId xmlns:a16="http://schemas.microsoft.com/office/drawing/2014/main" id="{9B192120-1B23-4A2A-A560-30E5FDC6584D}"/>
               </a:ext>
             </a:extLst>
           </p:cNvPr>
-          <p:cNvSpPr>
-            <a:spLocks noGrp="1" noRot="1" noChangeAspect="1" noMove="1" noResize="1" noEditPoints="1" noAdjustHandles="1" noChangeArrowheads="1" noChangeShapeType="1" noTextEdit="1"/>
-          </p:cNvSpPr>
-          <p:nvPr>
-            <p:extLst>
-              <p:ext uri="{386F3935-93C4-4BCD-93E2-E3B085C9AB24}">
-                <p16:designElem xmlns:p16="http://schemas.microsoft.com/office/powerpoint/2015/main" val="1"/>
-              </p:ext>
-            </p:extLst>
-          </p:nvPr>
-        </p:nvSpPr>
+          <p:cNvPicPr>
+            <a:picLocks noChangeAspect="1"/>
+          </p:cNvPicPr>
+          <p:nvPr/>
+        </p:nvPicPr>
+        <p:blipFill rotWithShape="1">
+          <a:blip r:embed="rId3">
+            <a:duotone>
+              <a:prstClr val="black"/>
+              <a:prstClr val="white"/>
+            </a:duotone>
+            <a:extLst>
+              <a:ext uri="{28A0092B-C50C-407E-A947-70E740481C1C}">
+                <a14:useLocalDpi xmlns:a14="http://schemas.microsoft.com/office/drawing/2010/main" val="0"/>
+              </a:ext>
+            </a:extLst>
+          </a:blip>
+          <a:srcRect l="9091" t="9161" r="2" b="2599"/>
+          <a:stretch/>
+        </p:blipFill>
         <p:spPr>
           <a:xfrm>
-            <a:off x="0" y="0"/>
-            <a:ext cx="12192000" cy="6858000"/>
+            <a:off x="5123543" y="-1"/>
+            <a:ext cx="7065281" cy="6858001"/>
           </a:xfrm>
-          <a:prstGeom prst="rect">
+          <a:custGeom>
             <a:avLst/>
-          </a:prstGeom>
-          <a:ln>
-            <a:noFill/>
-          </a:ln>
+            <a:gdLst/>
+            <a:ahLst/>
+            <a:cxnLst/>
+            <a:rect l="l" t="t" r="r" b="b"/>
+            <a:pathLst>
+              <a:path w="7065281" h="6858001">
+                <a:moveTo>
+                  <a:pt x="379987" y="0"/>
+                </a:moveTo>
+                <a:lnTo>
+                  <a:pt x="7065281" y="0"/>
+                </a:lnTo>
+                <a:lnTo>
+                  <a:pt x="7065281" y="6858001"/>
+                </a:lnTo>
+                <a:lnTo>
+                  <a:pt x="27809" y="6858001"/>
+                </a:lnTo>
+                <a:lnTo>
+                  <a:pt x="1803228" y="4521201"/>
+                </a:lnTo>
+                <a:close/>
+                <a:moveTo>
+                  <a:pt x="0" y="0"/>
+                </a:moveTo>
+                <a:lnTo>
+                  <a:pt x="379987" y="0"/>
+                </a:lnTo>
+                <a:lnTo>
+                  <a:pt x="0" y="407"/>
+                </a:lnTo>
+                <a:close/>
+              </a:path>
+            </a:pathLst>
+          </a:custGeom>
         </p:spPr>
-        <p:style>
-          <a:lnRef idx="2">
-            <a:schemeClr val="accent1">
-              <a:shade val="50000"/>
-            </a:schemeClr>
-          </a:lnRef>
-          <a:fillRef idx="1">
-            <a:schemeClr val="accent1"/>
-          </a:fillRef>
-          <a:effectRef idx="0">
-            <a:schemeClr val="accent1"/>
-          </a:effectRef>
-          <a:fontRef idx="minor">
-            <a:schemeClr val="lt1"/>
-          </a:fontRef>
-        </p:style>
-        <p:txBody>
-          <a:bodyPr rtlCol="0" anchor="ctr"/>
-          <a:lstStyle/>
-          <a:p>
-            <a:pPr algn="ctr"/>
-            <a:endParaRPr lang="en-US"/>
-          </a:p>
-        </p:txBody>
-      </p:sp>
-      <p:grpSp>
-        <p:nvGrpSpPr>
-          <p:cNvPr id="38" name="Group 26">
-            <a:extLst>
-              <a:ext uri="{FF2B5EF4-FFF2-40B4-BE49-F238E27FC236}">
-                <a16:creationId xmlns:a16="http://schemas.microsoft.com/office/drawing/2014/main" id="{B5F26A87-0610-435F-AA13-BD658385C9D9}"/>
-              </a:ext>
-              <a:ext uri="{C183D7F6-B498-43B3-948B-1728B52AA6E4}">
-                <adec:decorative xmlns:adec="http://schemas.microsoft.com/office/drawing/2017/decorative" val="1"/>
-              </a:ext>
-            </a:extLst>
-          </p:cNvPr>
-          <p:cNvGrpSpPr>
-            <a:grpSpLocks noGrp="1" noUngrp="1" noRot="1" noChangeAspect="1" noMove="1" noResize="1"/>
-          </p:cNvGrpSpPr>
-          <p:nvPr>
-            <p:extLst>
-              <p:ext uri="{386F3935-93C4-4BCD-93E2-E3B085C9AB24}">
-                <p16:designElem xmlns:p16="http://schemas.microsoft.com/office/powerpoint/2015/main" val="1"/>
-              </p:ext>
-            </p:extLst>
-          </p:nvPr>
-        </p:nvGrpSpPr>
-        <p:grpSpPr>
-          <a:xfrm>
-            <a:off x="4267230" y="-8468"/>
-            <a:ext cx="4763558" cy="6866467"/>
-            <a:chOff x="67175" y="-8467"/>
-            <a:chExt cx="4763558" cy="6866467"/>
-          </a:xfrm>
-        </p:grpSpPr>
-        <p:cxnSp>
-          <p:nvCxnSpPr>
-            <p:cNvPr id="28" name="Straight Connector 27">
-              <a:extLst>
-                <a:ext uri="{FF2B5EF4-FFF2-40B4-BE49-F238E27FC236}">
-                  <a16:creationId xmlns:a16="http://schemas.microsoft.com/office/drawing/2014/main" id="{E6321436-5AAD-4FB6-BB0D-316D4540E82A}"/>
-                </a:ext>
-                <a:ext uri="{C183D7F6-B498-43B3-948B-1728B52AA6E4}">
-                  <adec:decorative xmlns:adec="http://schemas.microsoft.com/office/drawing/2017/decorative" val="1"/>
-                </a:ext>
-              </a:extLst>
-            </p:cNvPr>
-            <p:cNvCxnSpPr/>
-            <p:nvPr>
-              <p:extLst>
-                <p:ext uri="{386F3935-93C4-4BCD-93E2-E3B085C9AB24}">
-                  <p16:designElem xmlns:p16="http://schemas.microsoft.com/office/powerpoint/2015/main" val="1"/>
-                </p:ext>
-              </p:extLst>
-            </p:nvPr>
-          </p:nvCxnSpPr>
-          <p:spPr>
-            <a:xfrm>
-              <a:off x="1448300" y="0"/>
-              <a:ext cx="1219200" cy="6858000"/>
-            </a:xfrm>
-            <a:prstGeom prst="line">
-              <a:avLst/>
-            </a:prstGeom>
-            <a:ln w="9525">
-              <a:solidFill>
-                <a:schemeClr val="accent1">
-                  <a:lumMod val="75000"/>
-                </a:schemeClr>
-              </a:solidFill>
-            </a:ln>
-          </p:spPr>
-          <p:style>
-            <a:lnRef idx="2">
-              <a:schemeClr val="accent1"/>
-            </a:lnRef>
-            <a:fillRef idx="0">
-              <a:schemeClr val="accent1"/>
-            </a:fillRef>
-            <a:effectRef idx="1">
-              <a:schemeClr val="accent1"/>
-            </a:effectRef>
-            <a:fontRef idx="minor">
-              <a:schemeClr val="tx1"/>
-            </a:fontRef>
-          </p:style>
-        </p:cxnSp>
-        <p:cxnSp>
-          <p:nvCxnSpPr>
-            <p:cNvPr id="39" name="Straight Connector 28">
-              <a:extLst>
-                <a:ext uri="{FF2B5EF4-FFF2-40B4-BE49-F238E27FC236}">
-                  <a16:creationId xmlns:a16="http://schemas.microsoft.com/office/drawing/2014/main" id="{94B0BD33-3D46-4F43-947A-825DFEF6106A}"/>
-                </a:ext>
-                <a:ext uri="{C183D7F6-B498-43B3-948B-1728B52AA6E4}">
-                  <adec:decorative xmlns:adec="http://schemas.microsoft.com/office/drawing/2017/decorative" val="1"/>
-                </a:ext>
-              </a:extLst>
-            </p:cNvPr>
-            <p:cNvCxnSpPr/>
-            <p:nvPr>
-              <p:extLst>
-                <p:ext uri="{386F3935-93C4-4BCD-93E2-E3B085C9AB24}">
-                  <p16:designElem xmlns:p16="http://schemas.microsoft.com/office/powerpoint/2015/main" val="1"/>
-                </p:ext>
-              </p:extLst>
-            </p:nvPr>
-          </p:nvCxnSpPr>
-          <p:spPr>
-            <a:xfrm flipH="1">
-              <a:off x="67175" y="3681413"/>
-              <a:ext cx="4763558" cy="3176587"/>
-            </a:xfrm>
-            <a:prstGeom prst="line">
-              <a:avLst/>
-            </a:prstGeom>
-            <a:ln w="9525">
-              <a:solidFill>
-                <a:schemeClr val="tx1">
-                  <a:lumMod val="50000"/>
-                  <a:lumOff val="50000"/>
-                  <a:alpha val="80000"/>
-                </a:schemeClr>
-              </a:solidFill>
-            </a:ln>
-          </p:spPr>
-          <p:style>
-            <a:lnRef idx="2">
-              <a:schemeClr val="accent1"/>
-            </a:lnRef>
-            <a:fillRef idx="0">
-              <a:schemeClr val="accent1"/>
-            </a:fillRef>
-            <a:effectRef idx="1">
-              <a:schemeClr val="accent1"/>
-            </a:effectRef>
-            <a:fontRef idx="minor">
-              <a:schemeClr val="tx1"/>
-            </a:fontRef>
-          </p:style>
-        </p:cxnSp>
-        <p:sp>
-          <p:nvSpPr>
-            <p:cNvPr id="30" name="Rectangle 23">
-              <a:extLst>
-                <a:ext uri="{FF2B5EF4-FFF2-40B4-BE49-F238E27FC236}">
-                  <a16:creationId xmlns:a16="http://schemas.microsoft.com/office/drawing/2014/main" id="{92E26C27-E1F5-47DC-9F83-469D196C55D0}"/>
-                </a:ext>
-                <a:ext uri="{C183D7F6-B498-43B3-948B-1728B52AA6E4}">
-                  <adec:decorative xmlns:adec="http://schemas.microsoft.com/office/drawing/2017/decorative" val="1"/>
-                </a:ext>
-              </a:extLst>
-            </p:cNvPr>
-            <p:cNvSpPr/>
-            <p:nvPr>
-              <p:extLst>
-                <p:ext uri="{386F3935-93C4-4BCD-93E2-E3B085C9AB24}">
-                  <p16:designElem xmlns:p16="http://schemas.microsoft.com/office/powerpoint/2015/main" val="1"/>
-                </p:ext>
-              </p:extLst>
-            </p:nvPr>
-          </p:nvSpPr>
-          <p:spPr>
-            <a:xfrm>
-              <a:off x="1258764" y="-8467"/>
-              <a:ext cx="3007349" cy="6866467"/>
-            </a:xfrm>
-            <a:custGeom>
-              <a:avLst/>
-              <a:gdLst/>
-              <a:ahLst/>
-              <a:cxnLst/>
-              <a:rect l="l" t="t" r="r" b="b"/>
-              <a:pathLst>
-                <a:path w="3007349" h="6866467">
-                  <a:moveTo>
-                    <a:pt x="2045532" y="0"/>
-                  </a:moveTo>
-                  <a:lnTo>
-                    <a:pt x="3007349" y="0"/>
-                  </a:lnTo>
-                  <a:lnTo>
-                    <a:pt x="3007349" y="6866467"/>
-                  </a:lnTo>
-                  <a:lnTo>
-                    <a:pt x="0" y="6866467"/>
-                  </a:lnTo>
-                  <a:lnTo>
-                    <a:pt x="2045532" y="0"/>
-                  </a:lnTo>
-                  <a:close/>
-                </a:path>
-              </a:pathLst>
-            </a:custGeom>
-            <a:solidFill>
-              <a:schemeClr val="accent1">
-                <a:alpha val="30000"/>
-              </a:schemeClr>
-            </a:solidFill>
-            <a:ln>
-              <a:noFill/>
-            </a:ln>
-            <a:effectLst/>
-          </p:spPr>
-          <p:style>
-            <a:lnRef idx="1">
-              <a:schemeClr val="accent1"/>
-            </a:lnRef>
-            <a:fillRef idx="3">
-              <a:schemeClr val="accent1"/>
-            </a:fillRef>
-            <a:effectRef idx="2">
-              <a:schemeClr val="accent1"/>
-            </a:effectRef>
-            <a:fontRef idx="minor">
-              <a:schemeClr val="lt1"/>
-            </a:fontRef>
-          </p:style>
-        </p:sp>
-        <p:sp>
-          <p:nvSpPr>
-            <p:cNvPr id="40" name="Rectangle 25">
-              <a:extLst>
-                <a:ext uri="{FF2B5EF4-FFF2-40B4-BE49-F238E27FC236}">
-                  <a16:creationId xmlns:a16="http://schemas.microsoft.com/office/drawing/2014/main" id="{95F944E7-2B4E-4AE2-B4DB-846FF8AE0B7A}"/>
-                </a:ext>
-                <a:ext uri="{C183D7F6-B498-43B3-948B-1728B52AA6E4}">
-                  <adec:decorative xmlns:adec="http://schemas.microsoft.com/office/drawing/2017/decorative" val="1"/>
-                </a:ext>
-              </a:extLst>
-            </p:cNvPr>
-            <p:cNvSpPr/>
-            <p:nvPr>
-              <p:extLst>
-                <p:ext uri="{386F3935-93C4-4BCD-93E2-E3B085C9AB24}">
-                  <p16:designElem xmlns:p16="http://schemas.microsoft.com/office/powerpoint/2015/main" val="1"/>
-                </p:ext>
-              </p:extLst>
-            </p:nvPr>
-          </p:nvSpPr>
-          <p:spPr>
-            <a:xfrm>
-              <a:off x="1680730" y="-8467"/>
-              <a:ext cx="2588558" cy="6866467"/>
-            </a:xfrm>
-            <a:custGeom>
-              <a:avLst/>
-              <a:gdLst/>
-              <a:ahLst/>
-              <a:cxnLst/>
-              <a:rect l="l" t="t" r="r" b="b"/>
-              <a:pathLst>
-                <a:path w="2573311" h="6866467">
-                  <a:moveTo>
-                    <a:pt x="0" y="0"/>
-                  </a:moveTo>
-                  <a:lnTo>
-                    <a:pt x="2573311" y="0"/>
-                  </a:lnTo>
-                  <a:lnTo>
-                    <a:pt x="2573311" y="6866467"/>
-                  </a:lnTo>
-                  <a:lnTo>
-                    <a:pt x="1202336" y="6866467"/>
-                  </a:lnTo>
-                  <a:lnTo>
-                    <a:pt x="0" y="0"/>
-                  </a:lnTo>
-                  <a:close/>
-                </a:path>
-              </a:pathLst>
-            </a:custGeom>
-            <a:solidFill>
-              <a:schemeClr val="accent1">
-                <a:alpha val="20000"/>
-              </a:schemeClr>
-            </a:solidFill>
-            <a:ln>
-              <a:noFill/>
-            </a:ln>
-            <a:effectLst/>
-          </p:spPr>
-          <p:style>
-            <a:lnRef idx="1">
-              <a:schemeClr val="accent1"/>
-            </a:lnRef>
-            <a:fillRef idx="3">
-              <a:schemeClr val="accent1"/>
-            </a:fillRef>
-            <a:effectRef idx="2">
-              <a:schemeClr val="accent1"/>
-            </a:effectRef>
-            <a:fontRef idx="minor">
-              <a:schemeClr val="lt1"/>
-            </a:fontRef>
-          </p:style>
-        </p:sp>
-        <p:sp>
-          <p:nvSpPr>
-            <p:cNvPr id="32" name="Isosceles Triangle 31">
-              <a:extLst>
-                <a:ext uri="{FF2B5EF4-FFF2-40B4-BE49-F238E27FC236}">
-                  <a16:creationId xmlns:a16="http://schemas.microsoft.com/office/drawing/2014/main" id="{FF14952D-390F-46CC-B302-73DDD9C4160F}"/>
-                </a:ext>
-                <a:ext uri="{C183D7F6-B498-43B3-948B-1728B52AA6E4}">
-                  <adec:decorative xmlns:adec="http://schemas.microsoft.com/office/drawing/2017/decorative" val="1"/>
-                </a:ext>
-              </a:extLst>
-            </p:cNvPr>
-            <p:cNvSpPr/>
-            <p:nvPr>
-              <p:extLst>
-                <p:ext uri="{386F3935-93C4-4BCD-93E2-E3B085C9AB24}">
-                  <p16:designElem xmlns:p16="http://schemas.microsoft.com/office/powerpoint/2015/main" val="1"/>
-                </p:ext>
-              </p:extLst>
-            </p:nvPr>
-          </p:nvSpPr>
-          <p:spPr>
-            <a:xfrm>
-              <a:off x="1009621" y="3048000"/>
-              <a:ext cx="3259667" cy="3810000"/>
-            </a:xfrm>
-            <a:prstGeom prst="triangle">
-              <a:avLst>
-                <a:gd name="adj" fmla="val 100000"/>
-              </a:avLst>
-            </a:prstGeom>
-            <a:solidFill>
-              <a:schemeClr val="accent2">
-                <a:alpha val="72000"/>
-              </a:schemeClr>
-            </a:solidFill>
-            <a:ln>
-              <a:noFill/>
-            </a:ln>
-            <a:effectLst/>
-          </p:spPr>
-          <p:style>
-            <a:lnRef idx="1">
-              <a:schemeClr val="accent1"/>
-            </a:lnRef>
-            <a:fillRef idx="3">
-              <a:schemeClr val="accent1"/>
-            </a:fillRef>
-            <a:effectRef idx="2">
-              <a:schemeClr val="accent1"/>
-            </a:effectRef>
-            <a:fontRef idx="minor">
-              <a:schemeClr val="lt1"/>
-            </a:fontRef>
-          </p:style>
-        </p:sp>
-        <p:sp>
-          <p:nvSpPr>
-            <p:cNvPr id="41" name="Rectangle 27">
-              <a:extLst>
-                <a:ext uri="{FF2B5EF4-FFF2-40B4-BE49-F238E27FC236}">
-                  <a16:creationId xmlns:a16="http://schemas.microsoft.com/office/drawing/2014/main" id="{867CDE55-B22A-40D0-882A-9452919EEC28}"/>
-                </a:ext>
-                <a:ext uri="{C183D7F6-B498-43B3-948B-1728B52AA6E4}">
-                  <adec:decorative xmlns:adec="http://schemas.microsoft.com/office/drawing/2017/decorative" val="1"/>
-                </a:ext>
-              </a:extLst>
-            </p:cNvPr>
-            <p:cNvSpPr/>
-            <p:nvPr>
-              <p:extLst>
-                <p:ext uri="{386F3935-93C4-4BCD-93E2-E3B085C9AB24}">
-                  <p16:designElem xmlns:p16="http://schemas.microsoft.com/office/powerpoint/2015/main" val="1"/>
-                </p:ext>
-              </p:extLst>
-            </p:nvPr>
-          </p:nvSpPr>
-          <p:spPr>
-            <a:xfrm>
-              <a:off x="1411788" y="-8467"/>
-              <a:ext cx="2854326" cy="6866467"/>
-            </a:xfrm>
-            <a:custGeom>
-              <a:avLst/>
-              <a:gdLst/>
-              <a:ahLst/>
-              <a:cxnLst/>
-              <a:rect l="l" t="t" r="r" b="b"/>
-              <a:pathLst>
-                <a:path w="2858013" h="6866467">
-                  <a:moveTo>
-                    <a:pt x="0" y="0"/>
-                  </a:moveTo>
-                  <a:lnTo>
-                    <a:pt x="2858013" y="0"/>
-                  </a:lnTo>
-                  <a:lnTo>
-                    <a:pt x="2858013" y="6866467"/>
-                  </a:lnTo>
-                  <a:lnTo>
-                    <a:pt x="2473942" y="6866467"/>
-                  </a:lnTo>
-                  <a:lnTo>
-                    <a:pt x="0" y="0"/>
-                  </a:lnTo>
-                  <a:close/>
-                </a:path>
-              </a:pathLst>
-            </a:custGeom>
-            <a:solidFill>
-              <a:schemeClr val="accent2">
-                <a:lumMod val="75000"/>
-                <a:alpha val="70000"/>
-              </a:schemeClr>
-            </a:solidFill>
-            <a:ln>
-              <a:noFill/>
-            </a:ln>
-            <a:effectLst/>
-          </p:spPr>
-          <p:style>
-            <a:lnRef idx="1">
-              <a:schemeClr val="accent1"/>
-            </a:lnRef>
-            <a:fillRef idx="3">
-              <a:schemeClr val="accent1"/>
-            </a:fillRef>
-            <a:effectRef idx="2">
-              <a:schemeClr val="accent1"/>
-            </a:effectRef>
-            <a:fontRef idx="minor">
-              <a:schemeClr val="lt1"/>
-            </a:fontRef>
-          </p:style>
-        </p:sp>
-        <p:sp>
-          <p:nvSpPr>
-            <p:cNvPr id="34" name="Isosceles Triangle 33">
-              <a:extLst>
-                <a:ext uri="{FF2B5EF4-FFF2-40B4-BE49-F238E27FC236}">
-                  <a16:creationId xmlns:a16="http://schemas.microsoft.com/office/drawing/2014/main" id="{8C409231-C942-4808-B529-DAC32A7DB002}"/>
-                </a:ext>
-                <a:ext uri="{C183D7F6-B498-43B3-948B-1728B52AA6E4}">
-                  <adec:decorative xmlns:adec="http://schemas.microsoft.com/office/drawing/2017/decorative" val="1"/>
-                </a:ext>
-              </a:extLst>
-            </p:cNvPr>
-            <p:cNvSpPr/>
-            <p:nvPr>
-              <p:extLst>
-                <p:ext uri="{386F3935-93C4-4BCD-93E2-E3B085C9AB24}">
-                  <p16:designElem xmlns:p16="http://schemas.microsoft.com/office/powerpoint/2015/main" val="1"/>
-                </p:ext>
-              </p:extLst>
-            </p:nvPr>
-          </p:nvSpPr>
-          <p:spPr>
-            <a:xfrm>
-              <a:off x="2448954" y="3589867"/>
-              <a:ext cx="1817159" cy="3268133"/>
-            </a:xfrm>
-            <a:prstGeom prst="triangle">
-              <a:avLst>
-                <a:gd name="adj" fmla="val 100000"/>
-              </a:avLst>
-            </a:prstGeom>
-            <a:solidFill>
-              <a:schemeClr val="accent1">
-                <a:alpha val="80000"/>
-              </a:schemeClr>
-            </a:solidFill>
-            <a:ln>
-              <a:noFill/>
-            </a:ln>
-            <a:effectLst/>
-          </p:spPr>
-          <p:style>
-            <a:lnRef idx="1">
-              <a:schemeClr val="accent1"/>
-            </a:lnRef>
-            <a:fillRef idx="3">
-              <a:schemeClr val="accent1"/>
-            </a:fillRef>
-            <a:effectRef idx="2">
-              <a:schemeClr val="accent1"/>
-            </a:effectRef>
-            <a:fontRef idx="minor">
-              <a:schemeClr val="lt1"/>
-            </a:fontRef>
-          </p:style>
-        </p:sp>
-      </p:grpSp>
+      </p:pic>
       <p:sp>
         <p:nvSpPr>
           <p:cNvPr id="2" name="Titre 1">
@@ -26390,20 +26012,52 @@
         </p:nvSpPr>
         <p:spPr>
           <a:xfrm>
-            <a:off x="677335" y="1282701"/>
-            <a:ext cx="5096060" cy="4307148"/>
+            <a:off x="668866" y="1678666"/>
+            <a:ext cx="5123515" cy="2369093"/>
           </a:xfrm>
         </p:spPr>
         <p:txBody>
-          <a:bodyPr anchor="ctr">
+          <a:bodyPr>
             <a:normAutofit/>
           </a:bodyPr>
           <a:lstStyle/>
           <a:p>
             <a:r>
-              <a:rPr lang="fr-CH"/>
+              <a:rPr lang="fr-CH" sz="4800"/>
               <a:t>Introduction</a:t>
             </a:r>
+          </a:p>
+        </p:txBody>
+      </p:sp>
+      <p:sp>
+        <p:nvSpPr>
+          <p:cNvPr id="3" name="Sous-titre 2">
+            <a:extLst>
+              <a:ext uri="{FF2B5EF4-FFF2-40B4-BE49-F238E27FC236}">
+                <a16:creationId xmlns:a16="http://schemas.microsoft.com/office/drawing/2014/main" id="{39DA5534-5754-4548-AE55-402C6B299E11}"/>
+              </a:ext>
+            </a:extLst>
+          </p:cNvPr>
+          <p:cNvSpPr>
+            <a:spLocks noGrp="1"/>
+          </p:cNvSpPr>
+          <p:nvPr>
+            <p:ph type="subTitle" idx="1"/>
+          </p:nvPr>
+        </p:nvSpPr>
+        <p:spPr>
+          <a:xfrm>
+            <a:off x="677335" y="4050831"/>
+            <a:ext cx="5113217" cy="1096901"/>
+          </a:xfrm>
+        </p:spPr>
+        <p:txBody>
+          <a:bodyPr>
+            <a:normAutofit/>
+          </a:bodyPr>
+          <a:lstStyle/>
+          <a:p>
+            <a:endParaRPr lang="fr-CH" sz="1600"/>
           </a:p>
         </p:txBody>
       </p:sp>
@@ -26425,8 +26079,8 @@
         </p:nvSpPr>
         <p:spPr>
           <a:xfrm>
-            <a:off x="677334" y="6041362"/>
-            <a:ext cx="6297612" cy="365125"/>
+            <a:off x="677335" y="6041362"/>
+            <a:ext cx="4841344" cy="365125"/>
           </a:xfrm>
         </p:spPr>
         <p:txBody>
@@ -26441,18 +26095,133 @@
               </a:spcAft>
             </a:pPr>
             <a:r>
-              <a:rPr lang="fr-CH"/>
+              <a:rPr lang="fr-CH">
+                <a:solidFill>
+                  <a:schemeClr val="tx1">
+                    <a:lumMod val="50000"/>
+                    <a:lumOff val="50000"/>
+                  </a:schemeClr>
+                </a:solidFill>
+              </a:rPr>
               <a:t>Gestion des membres d'un club d'échecs par Dorian Capelli</a:t>
             </a:r>
           </a:p>
         </p:txBody>
       </p:sp>
+      <p:cxnSp>
+        <p:nvCxnSpPr>
+          <p:cNvPr id="46" name="Straight Connector 45">
+            <a:extLst>
+              <a:ext uri="{FF2B5EF4-FFF2-40B4-BE49-F238E27FC236}">
+                <a16:creationId xmlns:a16="http://schemas.microsoft.com/office/drawing/2014/main" id="{A57C1A16-B8AB-4D99-A195-A38F556A6486}"/>
+              </a:ext>
+              <a:ext uri="{C183D7F6-B498-43B3-948B-1728B52AA6E4}">
+                <adec:decorative xmlns:adec="http://schemas.microsoft.com/office/drawing/2017/decorative" val="1"/>
+              </a:ext>
+            </a:extLst>
+          </p:cNvPr>
+          <p:cNvCxnSpPr>
+            <a:cxnSpLocks noGrp="1" noRot="1" noChangeAspect="1" noMove="1" noResize="1" noEditPoints="1" noAdjustHandles="1" noChangeArrowheads="1" noChangeShapeType="1"/>
+          </p:cNvCxnSpPr>
+          <p:nvPr>
+            <p:extLst>
+              <p:ext uri="{386F3935-93C4-4BCD-93E2-E3B085C9AB24}">
+                <p16:designElem xmlns:p16="http://schemas.microsoft.com/office/powerpoint/2015/main" val="1"/>
+              </p:ext>
+            </p:extLst>
+          </p:nvPr>
+        </p:nvCxnSpPr>
+        <p:spPr>
+          <a:xfrm>
+            <a:off x="9371012" y="0"/>
+            <a:ext cx="1219200" cy="6858000"/>
+          </a:xfrm>
+          <a:prstGeom prst="line">
+            <a:avLst/>
+          </a:prstGeom>
+          <a:ln w="9525">
+            <a:solidFill>
+              <a:schemeClr val="bg1">
+                <a:lumMod val="75000"/>
+              </a:schemeClr>
+            </a:solidFill>
+          </a:ln>
+        </p:spPr>
+        <p:style>
+          <a:lnRef idx="2">
+            <a:schemeClr val="accent1"/>
+          </a:lnRef>
+          <a:fillRef idx="0">
+            <a:schemeClr val="accent1"/>
+          </a:fillRef>
+          <a:effectRef idx="1">
+            <a:schemeClr val="accent1"/>
+          </a:effectRef>
+          <a:fontRef idx="minor">
+            <a:schemeClr val="tx1"/>
+          </a:fontRef>
+        </p:style>
+      </p:cxnSp>
+      <p:cxnSp>
+        <p:nvCxnSpPr>
+          <p:cNvPr id="48" name="Straight Connector 47">
+            <a:extLst>
+              <a:ext uri="{FF2B5EF4-FFF2-40B4-BE49-F238E27FC236}">
+                <a16:creationId xmlns:a16="http://schemas.microsoft.com/office/drawing/2014/main" id="{F8A9B20B-D1DD-4573-B5EC-558029519236}"/>
+              </a:ext>
+              <a:ext uri="{C183D7F6-B498-43B3-948B-1728B52AA6E4}">
+                <adec:decorative xmlns:adec="http://schemas.microsoft.com/office/drawing/2017/decorative" val="1"/>
+              </a:ext>
+            </a:extLst>
+          </p:cNvPr>
+          <p:cNvCxnSpPr>
+            <a:cxnSpLocks noGrp="1" noRot="1" noChangeAspect="1" noMove="1" noResize="1" noEditPoints="1" noAdjustHandles="1" noChangeArrowheads="1" noChangeShapeType="1"/>
+          </p:cNvCxnSpPr>
+          <p:nvPr>
+            <p:extLst>
+              <p:ext uri="{386F3935-93C4-4BCD-93E2-E3B085C9AB24}">
+                <p16:designElem xmlns:p16="http://schemas.microsoft.com/office/powerpoint/2015/main" val="1"/>
+              </p:ext>
+            </p:extLst>
+          </p:nvPr>
+        </p:nvCxnSpPr>
+        <p:spPr>
+          <a:xfrm flipH="1">
+            <a:off x="7425267" y="3681413"/>
+            <a:ext cx="4763558" cy="3176587"/>
+          </a:xfrm>
+          <a:prstGeom prst="line">
+            <a:avLst/>
+          </a:prstGeom>
+          <a:ln w="9525">
+            <a:solidFill>
+              <a:schemeClr val="bg1">
+                <a:lumMod val="85000"/>
+              </a:schemeClr>
+            </a:solidFill>
+          </a:ln>
+        </p:spPr>
+        <p:style>
+          <a:lnRef idx="2">
+            <a:schemeClr val="accent1"/>
+          </a:lnRef>
+          <a:fillRef idx="0">
+            <a:schemeClr val="accent1"/>
+          </a:fillRef>
+          <a:effectRef idx="1">
+            <a:schemeClr val="accent1"/>
+          </a:effectRef>
+          <a:fontRef idx="minor">
+            <a:schemeClr val="tx1"/>
+          </a:fontRef>
+        </p:style>
+      </p:cxnSp>
       <p:sp>
         <p:nvSpPr>
-          <p:cNvPr id="36" name="Freeform: Shape 35">
+          <p:cNvPr id="50" name="Rectangle 23">
             <a:extLst>
               <a:ext uri="{FF2B5EF4-FFF2-40B4-BE49-F238E27FC236}">
-                <a16:creationId xmlns:a16="http://schemas.microsoft.com/office/drawing/2014/main" id="{69370F01-B8C9-4CE4-824C-92B2792E6ED0}"/>
+                <a16:creationId xmlns:a16="http://schemas.microsoft.com/office/drawing/2014/main" id="{66D61E08-70C3-48D8-BEA0-787111DC30DA}"/>
               </a:ext>
               <a:ext uri="{C183D7F6-B498-43B3-948B-1728B52AA6E4}">
                 <adec:decorative xmlns:adec="http://schemas.microsoft.com/office/drawing/2017/decorative" val="1"/>
@@ -26472,54 +26241,398 @@
         </p:nvSpPr>
         <p:spPr>
           <a:xfrm>
-            <a:off x="7136497" y="-8468"/>
-            <a:ext cx="5074930" cy="6866468"/>
+            <a:off x="9181476" y="-8467"/>
+            <a:ext cx="3007349" cy="6866467"/>
           </a:xfrm>
           <a:custGeom>
             <a:avLst/>
-            <a:gdLst>
-              <a:gd name="connsiteX0" fmla="*/ 0 w 5074930"/>
-              <a:gd name="connsiteY0" fmla="*/ 0 h 6858000"/>
-              <a:gd name="connsiteX1" fmla="*/ 1249825 w 5074930"/>
-              <a:gd name="connsiteY1" fmla="*/ 0 h 6858000"/>
-              <a:gd name="connsiteX2" fmla="*/ 1249825 w 5074930"/>
-              <a:gd name="connsiteY2" fmla="*/ 8457 h 6858000"/>
-              <a:gd name="connsiteX3" fmla="*/ 5074930 w 5074930"/>
-              <a:gd name="connsiteY3" fmla="*/ 8457 h 6858000"/>
-              <a:gd name="connsiteX4" fmla="*/ 5074930 w 5074930"/>
-              <a:gd name="connsiteY4" fmla="*/ 6858000 h 6858000"/>
-              <a:gd name="connsiteX5" fmla="*/ 1249825 w 5074930"/>
-              <a:gd name="connsiteY5" fmla="*/ 6858000 h 6858000"/>
-              <a:gd name="connsiteX6" fmla="*/ 1109383 w 5074930"/>
-              <a:gd name="connsiteY6" fmla="*/ 6858000 h 6858000"/>
-            </a:gdLst>
+            <a:gdLst/>
             <a:ahLst/>
-            <a:cxnLst>
-              <a:cxn ang="0">
-                <a:pos x="connsiteX0" y="connsiteY0"/>
-              </a:cxn>
-              <a:cxn ang="0">
-                <a:pos x="connsiteX1" y="connsiteY1"/>
-              </a:cxn>
-              <a:cxn ang="0">
-                <a:pos x="connsiteX2" y="connsiteY2"/>
-              </a:cxn>
-              <a:cxn ang="0">
-                <a:pos x="connsiteX3" y="connsiteY3"/>
-              </a:cxn>
-              <a:cxn ang="0">
-                <a:pos x="connsiteX4" y="connsiteY4"/>
-              </a:cxn>
-              <a:cxn ang="0">
-                <a:pos x="connsiteX5" y="connsiteY5"/>
-              </a:cxn>
-              <a:cxn ang="0">
-                <a:pos x="connsiteX6" y="connsiteY6"/>
-              </a:cxn>
-            </a:cxnLst>
+            <a:cxnLst/>
             <a:rect l="l" t="t" r="r" b="b"/>
             <a:pathLst>
-              <a:path w="5074930" h="6858000">
+              <a:path w="3007349" h="6866467">
+                <a:moveTo>
+                  <a:pt x="2045532" y="0"/>
+                </a:moveTo>
+                <a:lnTo>
+                  <a:pt x="3007349" y="0"/>
+                </a:lnTo>
+                <a:lnTo>
+                  <a:pt x="3007349" y="6866467"/>
+                </a:lnTo>
+                <a:lnTo>
+                  <a:pt x="0" y="6866467"/>
+                </a:lnTo>
+                <a:lnTo>
+                  <a:pt x="2045532" y="0"/>
+                </a:lnTo>
+                <a:close/>
+              </a:path>
+            </a:pathLst>
+          </a:custGeom>
+          <a:solidFill>
+            <a:schemeClr val="accent1">
+              <a:alpha val="30000"/>
+            </a:schemeClr>
+          </a:solidFill>
+          <a:ln>
+            <a:noFill/>
+          </a:ln>
+          <a:effectLst/>
+        </p:spPr>
+        <p:style>
+          <a:lnRef idx="1">
+            <a:schemeClr val="accent1"/>
+          </a:lnRef>
+          <a:fillRef idx="3">
+            <a:schemeClr val="accent1"/>
+          </a:fillRef>
+          <a:effectRef idx="2">
+            <a:schemeClr val="accent1"/>
+          </a:effectRef>
+          <a:fontRef idx="minor">
+            <a:schemeClr val="lt1"/>
+          </a:fontRef>
+        </p:style>
+      </p:sp>
+      <p:sp>
+        <p:nvSpPr>
+          <p:cNvPr id="52" name="Rectangle 25">
+            <a:extLst>
+              <a:ext uri="{FF2B5EF4-FFF2-40B4-BE49-F238E27FC236}">
+                <a16:creationId xmlns:a16="http://schemas.microsoft.com/office/drawing/2014/main" id="{FC55298F-0AE5-478E-AD2B-03C2614C5833}"/>
+              </a:ext>
+              <a:ext uri="{C183D7F6-B498-43B3-948B-1728B52AA6E4}">
+                <adec:decorative xmlns:adec="http://schemas.microsoft.com/office/drawing/2017/decorative" val="1"/>
+              </a:ext>
+            </a:extLst>
+          </p:cNvPr>
+          <p:cNvSpPr>
+            <a:spLocks noGrp="1" noRot="1" noChangeAspect="1" noMove="1" noResize="1" noEditPoints="1" noAdjustHandles="1" noChangeArrowheads="1" noChangeShapeType="1" noTextEdit="1"/>
+          </p:cNvSpPr>
+          <p:nvPr>
+            <p:extLst>
+              <p:ext uri="{386F3935-93C4-4BCD-93E2-E3B085C9AB24}">
+                <p16:designElem xmlns:p16="http://schemas.microsoft.com/office/powerpoint/2015/main" val="1"/>
+              </p:ext>
+            </p:extLst>
+          </p:nvPr>
+        </p:nvSpPr>
+        <p:spPr>
+          <a:xfrm>
+            <a:off x="9603442" y="-8467"/>
+            <a:ext cx="2588558" cy="6866467"/>
+          </a:xfrm>
+          <a:custGeom>
+            <a:avLst/>
+            <a:gdLst/>
+            <a:ahLst/>
+            <a:cxnLst/>
+            <a:rect l="l" t="t" r="r" b="b"/>
+            <a:pathLst>
+              <a:path w="2573311" h="6866467">
+                <a:moveTo>
+                  <a:pt x="0" y="0"/>
+                </a:moveTo>
+                <a:lnTo>
+                  <a:pt x="2573311" y="0"/>
+                </a:lnTo>
+                <a:lnTo>
+                  <a:pt x="2573311" y="6866467"/>
+                </a:lnTo>
+                <a:lnTo>
+                  <a:pt x="1202336" y="6866467"/>
+                </a:lnTo>
+                <a:lnTo>
+                  <a:pt x="0" y="0"/>
+                </a:lnTo>
+                <a:close/>
+              </a:path>
+            </a:pathLst>
+          </a:custGeom>
+          <a:solidFill>
+            <a:schemeClr val="accent1">
+              <a:alpha val="20000"/>
+            </a:schemeClr>
+          </a:solidFill>
+          <a:ln>
+            <a:noFill/>
+          </a:ln>
+          <a:effectLst/>
+        </p:spPr>
+        <p:style>
+          <a:lnRef idx="1">
+            <a:schemeClr val="accent1"/>
+          </a:lnRef>
+          <a:fillRef idx="3">
+            <a:schemeClr val="accent1"/>
+          </a:fillRef>
+          <a:effectRef idx="2">
+            <a:schemeClr val="accent1"/>
+          </a:effectRef>
+          <a:fontRef idx="minor">
+            <a:schemeClr val="lt1"/>
+          </a:fontRef>
+        </p:style>
+      </p:sp>
+      <p:sp>
+        <p:nvSpPr>
+          <p:cNvPr id="54" name="Isosceles Triangle 24">
+            <a:extLst>
+              <a:ext uri="{FF2B5EF4-FFF2-40B4-BE49-F238E27FC236}">
+                <a16:creationId xmlns:a16="http://schemas.microsoft.com/office/drawing/2014/main" id="{C180E4EA-0B63-4779-A895-7E90E71088F3}"/>
+              </a:ext>
+              <a:ext uri="{C183D7F6-B498-43B3-948B-1728B52AA6E4}">
+                <adec:decorative xmlns:adec="http://schemas.microsoft.com/office/drawing/2017/decorative" val="1"/>
+              </a:ext>
+            </a:extLst>
+          </p:cNvPr>
+          <p:cNvSpPr>
+            <a:spLocks noGrp="1" noRot="1" noChangeAspect="1" noMove="1" noResize="1" noEditPoints="1" noAdjustHandles="1" noChangeArrowheads="1" noChangeShapeType="1" noTextEdit="1"/>
+          </p:cNvSpPr>
+          <p:nvPr>
+            <p:extLst>
+              <p:ext uri="{386F3935-93C4-4BCD-93E2-E3B085C9AB24}">
+                <p16:designElem xmlns:p16="http://schemas.microsoft.com/office/powerpoint/2015/main" val="1"/>
+              </p:ext>
+            </p:extLst>
+          </p:nvPr>
+        </p:nvSpPr>
+        <p:spPr>
+          <a:xfrm>
+            <a:off x="8932333" y="3048000"/>
+            <a:ext cx="3259667" cy="3810000"/>
+          </a:xfrm>
+          <a:prstGeom prst="triangle">
+            <a:avLst>
+              <a:gd name="adj" fmla="val 100000"/>
+            </a:avLst>
+          </a:prstGeom>
+          <a:solidFill>
+            <a:schemeClr val="accent2">
+              <a:alpha val="72000"/>
+            </a:schemeClr>
+          </a:solidFill>
+          <a:ln>
+            <a:noFill/>
+          </a:ln>
+          <a:effectLst/>
+        </p:spPr>
+        <p:style>
+          <a:lnRef idx="1">
+            <a:schemeClr val="accent1"/>
+          </a:lnRef>
+          <a:fillRef idx="3">
+            <a:schemeClr val="accent1"/>
+          </a:fillRef>
+          <a:effectRef idx="2">
+            <a:schemeClr val="accent1"/>
+          </a:effectRef>
+          <a:fontRef idx="minor">
+            <a:schemeClr val="lt1"/>
+          </a:fontRef>
+        </p:style>
+      </p:sp>
+      <p:sp>
+        <p:nvSpPr>
+          <p:cNvPr id="56" name="Rectangle 27">
+            <a:extLst>
+              <a:ext uri="{FF2B5EF4-FFF2-40B4-BE49-F238E27FC236}">
+                <a16:creationId xmlns:a16="http://schemas.microsoft.com/office/drawing/2014/main" id="{CEE01D9D-3DE8-4EED-B0D3-8F3C79CC7673}"/>
+              </a:ext>
+              <a:ext uri="{C183D7F6-B498-43B3-948B-1728B52AA6E4}">
+                <adec:decorative xmlns:adec="http://schemas.microsoft.com/office/drawing/2017/decorative" val="1"/>
+              </a:ext>
+            </a:extLst>
+          </p:cNvPr>
+          <p:cNvSpPr>
+            <a:spLocks noGrp="1" noRot="1" noChangeAspect="1" noMove="1" noResize="1" noEditPoints="1" noAdjustHandles="1" noChangeArrowheads="1" noChangeShapeType="1" noTextEdit="1"/>
+          </p:cNvSpPr>
+          <p:nvPr>
+            <p:extLst>
+              <p:ext uri="{386F3935-93C4-4BCD-93E2-E3B085C9AB24}">
+                <p16:designElem xmlns:p16="http://schemas.microsoft.com/office/powerpoint/2015/main" val="1"/>
+              </p:ext>
+            </p:extLst>
+          </p:nvPr>
+        </p:nvSpPr>
+        <p:spPr>
+          <a:xfrm>
+            <a:off x="9334500" y="-8467"/>
+            <a:ext cx="2854326" cy="6866467"/>
+          </a:xfrm>
+          <a:custGeom>
+            <a:avLst/>
+            <a:gdLst/>
+            <a:ahLst/>
+            <a:cxnLst/>
+            <a:rect l="l" t="t" r="r" b="b"/>
+            <a:pathLst>
+              <a:path w="2858013" h="6866467">
+                <a:moveTo>
+                  <a:pt x="0" y="0"/>
+                </a:moveTo>
+                <a:lnTo>
+                  <a:pt x="2858013" y="0"/>
+                </a:lnTo>
+                <a:lnTo>
+                  <a:pt x="2858013" y="6866467"/>
+                </a:lnTo>
+                <a:lnTo>
+                  <a:pt x="2473942" y="6866467"/>
+                </a:lnTo>
+                <a:lnTo>
+                  <a:pt x="0" y="0"/>
+                </a:lnTo>
+                <a:close/>
+              </a:path>
+            </a:pathLst>
+          </a:custGeom>
+          <a:solidFill>
+            <a:schemeClr val="accent2">
+              <a:lumMod val="75000"/>
+              <a:alpha val="47000"/>
+            </a:schemeClr>
+          </a:solidFill>
+          <a:ln>
+            <a:noFill/>
+          </a:ln>
+          <a:effectLst/>
+        </p:spPr>
+        <p:style>
+          <a:lnRef idx="1">
+            <a:schemeClr val="accent1"/>
+          </a:lnRef>
+          <a:fillRef idx="3">
+            <a:schemeClr val="accent1"/>
+          </a:fillRef>
+          <a:effectRef idx="2">
+            <a:schemeClr val="accent1"/>
+          </a:effectRef>
+          <a:fontRef idx="minor">
+            <a:schemeClr val="lt1"/>
+          </a:fontRef>
+        </p:style>
+      </p:sp>
+      <p:sp>
+        <p:nvSpPr>
+          <p:cNvPr id="58" name="Rectangle 28">
+            <a:extLst>
+              <a:ext uri="{FF2B5EF4-FFF2-40B4-BE49-F238E27FC236}">
+                <a16:creationId xmlns:a16="http://schemas.microsoft.com/office/drawing/2014/main" id="{89AF5CE9-607F-43F4-8983-DCD6DA4051FD}"/>
+              </a:ext>
+              <a:ext uri="{C183D7F6-B498-43B3-948B-1728B52AA6E4}">
+                <adec:decorative xmlns:adec="http://schemas.microsoft.com/office/drawing/2017/decorative" val="1"/>
+              </a:ext>
+            </a:extLst>
+          </p:cNvPr>
+          <p:cNvSpPr>
+            <a:spLocks noGrp="1" noRot="1" noChangeAspect="1" noMove="1" noResize="1" noEditPoints="1" noAdjustHandles="1" noChangeArrowheads="1" noChangeShapeType="1" noTextEdit="1"/>
+          </p:cNvSpPr>
+          <p:nvPr>
+            <p:extLst>
+              <p:ext uri="{386F3935-93C4-4BCD-93E2-E3B085C9AB24}">
+                <p16:designElem xmlns:p16="http://schemas.microsoft.com/office/powerpoint/2015/main" val="1"/>
+              </p:ext>
+            </p:extLst>
+          </p:nvPr>
+        </p:nvSpPr>
+        <p:spPr>
+          <a:xfrm>
+            <a:off x="10898730" y="-8467"/>
+            <a:ext cx="1290094" cy="6866467"/>
+          </a:xfrm>
+          <a:custGeom>
+            <a:avLst/>
+            <a:gdLst/>
+            <a:ahLst/>
+            <a:cxnLst/>
+            <a:rect l="l" t="t" r="r" b="b"/>
+            <a:pathLst>
+              <a:path w="1290094" h="6858000">
+                <a:moveTo>
+                  <a:pt x="1019735" y="0"/>
+                </a:moveTo>
+                <a:lnTo>
+                  <a:pt x="1290094" y="0"/>
+                </a:lnTo>
+                <a:lnTo>
+                  <a:pt x="1290094" y="6858000"/>
+                </a:lnTo>
+                <a:lnTo>
+                  <a:pt x="0" y="6858000"/>
+                </a:lnTo>
+                <a:lnTo>
+                  <a:pt x="1019735" y="0"/>
+                </a:lnTo>
+                <a:close/>
+              </a:path>
+            </a:pathLst>
+          </a:custGeom>
+          <a:solidFill>
+            <a:schemeClr val="accent1">
+              <a:lumMod val="60000"/>
+              <a:lumOff val="40000"/>
+              <a:alpha val="70000"/>
+            </a:schemeClr>
+          </a:solidFill>
+          <a:ln>
+            <a:noFill/>
+          </a:ln>
+          <a:effectLst/>
+        </p:spPr>
+        <p:style>
+          <a:lnRef idx="1">
+            <a:schemeClr val="accent1"/>
+          </a:lnRef>
+          <a:fillRef idx="3">
+            <a:schemeClr val="accent1"/>
+          </a:fillRef>
+          <a:effectRef idx="2">
+            <a:schemeClr val="accent1"/>
+          </a:effectRef>
+          <a:fontRef idx="minor">
+            <a:schemeClr val="lt1"/>
+          </a:fontRef>
+        </p:style>
+      </p:sp>
+      <p:sp>
+        <p:nvSpPr>
+          <p:cNvPr id="60" name="Rectangle 29">
+            <a:extLst>
+              <a:ext uri="{FF2B5EF4-FFF2-40B4-BE49-F238E27FC236}">
+                <a16:creationId xmlns:a16="http://schemas.microsoft.com/office/drawing/2014/main" id="{6EEA2DBD-9E1E-4521-8C01-F32AD18A89E3}"/>
+              </a:ext>
+              <a:ext uri="{C183D7F6-B498-43B3-948B-1728B52AA6E4}">
+                <adec:decorative xmlns:adec="http://schemas.microsoft.com/office/drawing/2017/decorative" val="1"/>
+              </a:ext>
+            </a:extLst>
+          </p:cNvPr>
+          <p:cNvSpPr>
+            <a:spLocks noGrp="1" noRot="1" noChangeAspect="1" noMove="1" noResize="1" noEditPoints="1" noAdjustHandles="1" noChangeArrowheads="1" noChangeShapeType="1" noTextEdit="1"/>
+          </p:cNvSpPr>
+          <p:nvPr>
+            <p:extLst>
+              <p:ext uri="{386F3935-93C4-4BCD-93E2-E3B085C9AB24}">
+                <p16:designElem xmlns:p16="http://schemas.microsoft.com/office/powerpoint/2015/main" val="1"/>
+              </p:ext>
+            </p:extLst>
+          </p:nvPr>
+        </p:nvSpPr>
+        <p:spPr>
+          <a:xfrm>
+            <a:off x="10938999" y="-8467"/>
+            <a:ext cx="1249825" cy="6866467"/>
+          </a:xfrm>
+          <a:custGeom>
+            <a:avLst/>
+            <a:gdLst/>
+            <a:ahLst/>
+            <a:cxnLst/>
+            <a:rect l="l" t="t" r="r" b="b"/>
+            <a:pathLst>
+              <a:path w="1249825" h="6858000">
                 <a:moveTo>
                   <a:pt x="0" y="0"/>
                 </a:moveTo>
@@ -26527,94 +26640,100 @@
                   <a:pt x="1249825" y="0"/>
                 </a:lnTo>
                 <a:lnTo>
-                  <a:pt x="1249825" y="8457"/>
-                </a:lnTo>
-                <a:lnTo>
-                  <a:pt x="5074930" y="8457"/>
-                </a:lnTo>
-                <a:lnTo>
-                  <a:pt x="5074930" y="6858000"/>
-                </a:lnTo>
-                <a:lnTo>
                   <a:pt x="1249825" y="6858000"/>
                 </a:lnTo>
                 <a:lnTo>
-                  <a:pt x="1109383" y="6858000"/>
+                  <a:pt x="1109382" y="6858000"/>
+                </a:lnTo>
+                <a:lnTo>
+                  <a:pt x="0" y="0"/>
                 </a:lnTo>
                 <a:close/>
               </a:path>
             </a:pathLst>
           </a:custGeom>
           <a:solidFill>
-            <a:schemeClr val="accent1"/>
+            <a:schemeClr val="accent1">
+              <a:alpha val="65000"/>
+            </a:schemeClr>
           </a:solidFill>
           <a:ln>
             <a:noFill/>
           </a:ln>
+          <a:effectLst/>
         </p:spPr>
         <p:style>
-          <a:lnRef idx="2">
-            <a:schemeClr val="accent1">
-              <a:shade val="50000"/>
-            </a:schemeClr>
+          <a:lnRef idx="1">
+            <a:schemeClr val="accent1"/>
           </a:lnRef>
-          <a:fillRef idx="1">
+          <a:fillRef idx="3">
             <a:schemeClr val="accent1"/>
           </a:fillRef>
-          <a:effectRef idx="0">
+          <a:effectRef idx="2">
             <a:schemeClr val="accent1"/>
           </a:effectRef>
           <a:fontRef idx="minor">
             <a:schemeClr val="lt1"/>
           </a:fontRef>
         </p:style>
-        <p:txBody>
-          <a:bodyPr wrap="square" rtlCol="0" anchor="ctr">
-            <a:noAutofit/>
-          </a:bodyPr>
-          <a:lstStyle/>
-          <a:p>
-            <a:pPr algn="ctr"/>
-            <a:endParaRPr lang="en-US"/>
-          </a:p>
-        </p:txBody>
       </p:sp>
       <p:sp>
         <p:nvSpPr>
-          <p:cNvPr id="3" name="Sous-titre 2">
+          <p:cNvPr id="62" name="Isosceles Triangle 29">
             <a:extLst>
               <a:ext uri="{FF2B5EF4-FFF2-40B4-BE49-F238E27FC236}">
-                <a16:creationId xmlns:a16="http://schemas.microsoft.com/office/drawing/2014/main" id="{39DA5534-5754-4548-AE55-402C6B299E11}"/>
+                <a16:creationId xmlns:a16="http://schemas.microsoft.com/office/drawing/2014/main" id="{15BBD2C1-BA9B-46A9-A27A-33498B169272}"/>
+              </a:ext>
+              <a:ext uri="{C183D7F6-B498-43B3-948B-1728B52AA6E4}">
+                <adec:decorative xmlns:adec="http://schemas.microsoft.com/office/drawing/2017/decorative" val="1"/>
               </a:ext>
             </a:extLst>
           </p:cNvPr>
           <p:cNvSpPr>
-            <a:spLocks noGrp="1"/>
+            <a:spLocks noGrp="1" noRot="1" noChangeAspect="1" noMove="1" noResize="1" noEditPoints="1" noAdjustHandles="1" noChangeArrowheads="1" noChangeShapeType="1" noTextEdit="1"/>
           </p:cNvSpPr>
           <p:nvPr>
-            <p:ph type="subTitle" idx="1"/>
+            <p:extLst>
+              <p:ext uri="{386F3935-93C4-4BCD-93E2-E3B085C9AB24}">
+                <p16:designElem xmlns:p16="http://schemas.microsoft.com/office/powerpoint/2015/main" val="1"/>
+              </p:ext>
+            </p:extLst>
           </p:nvPr>
         </p:nvSpPr>
         <p:spPr>
           <a:xfrm>
-            <a:off x="7821120" y="2510119"/>
-            <a:ext cx="3602567" cy="1829292"/>
+            <a:off x="10371666" y="3589867"/>
+            <a:ext cx="1817159" cy="3268133"/>
           </a:xfrm>
+          <a:prstGeom prst="triangle">
+            <a:avLst>
+              <a:gd name="adj" fmla="val 100000"/>
+            </a:avLst>
+          </a:prstGeom>
+          <a:solidFill>
+            <a:schemeClr val="accent1">
+              <a:alpha val="80000"/>
+            </a:schemeClr>
+          </a:solidFill>
+          <a:ln>
+            <a:noFill/>
+          </a:ln>
+          <a:effectLst/>
         </p:spPr>
-        <p:txBody>
-          <a:bodyPr anchor="ctr">
-            <a:normAutofit/>
-          </a:bodyPr>
-          <a:lstStyle/>
-          <a:p>
-            <a:pPr algn="l"/>
-            <a:endParaRPr lang="fr-CH">
-              <a:solidFill>
-                <a:srgbClr val="FFFFFF"/>
-              </a:solidFill>
-            </a:endParaRPr>
-          </a:p>
-        </p:txBody>
+        <p:style>
+          <a:lnRef idx="1">
+            <a:schemeClr val="accent1"/>
+          </a:lnRef>
+          <a:fillRef idx="3">
+            <a:schemeClr val="accent1"/>
+          </a:fillRef>
+          <a:effectRef idx="2">
+            <a:schemeClr val="accent1"/>
+          </a:effectRef>
+          <a:fontRef idx="minor">
+            <a:schemeClr val="lt1"/>
+          </a:fontRef>
+        </p:style>
       </p:sp>
       <p:sp>
         <p:nvSpPr>
@@ -26634,8 +26753,8 @@
         </p:nvSpPr>
         <p:spPr>
           <a:xfrm>
-            <a:off x="8590663" y="6041362"/>
-            <a:ext cx="821126" cy="365125"/>
+            <a:off x="11151553" y="6223924"/>
+            <a:ext cx="733947" cy="418176"/>
           </a:xfrm>
         </p:spPr>
         <p:txBody>
@@ -26650,9 +26769,9 @@
               </a:spcAft>
             </a:pPr>
             <a:fld id="{D47A9B08-0F95-4E4C-ABCD-BDD69CBFE042}" type="slidenum">
-              <a:rPr lang="fr-CH" sz="2000" smtClean="0">
+              <a:rPr lang="fr-CH" sz="2000">
                 <a:solidFill>
-                  <a:schemeClr val="bg1"/>
+                  <a:srgbClr val="FFFFFF"/>
                 </a:solidFill>
               </a:rPr>
               <a:pPr>
@@ -26665,7 +26784,7 @@
             <a:r>
               <a:rPr lang="fr-CH" sz="2000" dirty="0">
                 <a:solidFill>
-                  <a:schemeClr val="bg1"/>
+                  <a:srgbClr val="FFFFFF"/>
                 </a:solidFill>
               </a:rPr>
               <a:t>/10</a:t>
@@ -28500,7 +28619,7 @@
             <p:ph idx="1"/>
             <p:extLst>
               <p:ext uri="{D42A27DB-BD31-4B8C-83A1-F6EECF244321}">
-                <p14:modId xmlns:p14="http://schemas.microsoft.com/office/powerpoint/2010/main" val="3538269680"/>
+                <p14:modId xmlns:p14="http://schemas.microsoft.com/office/powerpoint/2010/main" val="1561380715"/>
               </p:ext>
             </p:extLst>
           </p:nvPr>

--- a/4-Presentation/P-dorcapelli-gestion-des membres-d'un-club-echec.pptx
+++ b/4-Presentation/P-dorcapelli-gestion-des membres-d'un-club-echec.pptx
@@ -5,7 +5,7 @@
     <p:sldMasterId id="2147483702" r:id="rId1"/>
   </p:sldMasterIdLst>
   <p:notesMasterIdLst>
-    <p:notesMasterId r:id="rId12"/>
+    <p:notesMasterId r:id="rId13"/>
   </p:notesMasterIdLst>
   <p:sldIdLst>
     <p:sldId id="256" r:id="rId2"/>
@@ -16,8 +16,9 @@
     <p:sldId id="261" r:id="rId7"/>
     <p:sldId id="262" r:id="rId8"/>
     <p:sldId id="264" r:id="rId9"/>
-    <p:sldId id="259" r:id="rId10"/>
-    <p:sldId id="260" r:id="rId11"/>
+    <p:sldId id="266" r:id="rId10"/>
+    <p:sldId id="259" r:id="rId11"/>
+    <p:sldId id="260" r:id="rId12"/>
   </p:sldIdLst>
   <p:sldSz cx="12192000" cy="6858000"/>
   <p:notesSz cx="6858000" cy="9144000"/>
@@ -5403,10 +5404,10 @@
         <a:lstStyle/>
         <a:p>
           <a:r>
-            <a:rPr lang="fr-CH"/>
-            <a:t>Conclusion</a:t>
+            <a:rPr lang="fr-CH" dirty="0"/>
+            <a:t>Bilan de planification Graphique</a:t>
           </a:r>
-          <a:endParaRPr lang="en-US"/>
+          <a:endParaRPr lang="en-US" dirty="0"/>
         </a:p>
       </dgm:t>
     </dgm:pt>
@@ -5432,6 +5433,43 @@
         </a:p>
       </dgm:t>
     </dgm:pt>
+    <dgm:pt modelId="{902EB508-A157-4CA0-9B13-8CF702F00785}">
+      <dgm:prSet/>
+      <dgm:spPr/>
+      <dgm:t>
+        <a:bodyPr/>
+        <a:lstStyle/>
+        <a:p>
+          <a:r>
+            <a:rPr lang="fr-CH" dirty="0"/>
+            <a:t>Conclusion</a:t>
+          </a:r>
+          <a:endParaRPr lang="en-US" dirty="0"/>
+        </a:p>
+      </dgm:t>
+    </dgm:pt>
+    <dgm:pt modelId="{C0257C11-7524-49EE-9D54-942FCED92704}" type="parTrans" cxnId="{3A314708-D7BA-4276-A3BB-56533EF2DDF4}">
+      <dgm:prSet/>
+      <dgm:spPr/>
+      <dgm:t>
+        <a:bodyPr/>
+        <a:lstStyle/>
+        <a:p>
+          <a:endParaRPr lang="fr-CH"/>
+        </a:p>
+      </dgm:t>
+    </dgm:pt>
+    <dgm:pt modelId="{A6387329-9DBD-4900-B88F-63A6D79AEF74}" type="sibTrans" cxnId="{3A314708-D7BA-4276-A3BB-56533EF2DDF4}">
+      <dgm:prSet/>
+      <dgm:spPr/>
+      <dgm:t>
+        <a:bodyPr/>
+        <a:lstStyle/>
+        <a:p>
+          <a:endParaRPr lang="fr-CH"/>
+        </a:p>
+      </dgm:t>
+    </dgm:pt>
     <dgm:pt modelId="{744A3964-17E0-43ED-B17B-7A52BFC56780}" type="pres">
       <dgm:prSet presAssocID="{3CD4B766-7741-43BF-AA71-503B0CE07974}" presName="linear" presStyleCnt="0">
         <dgm:presLayoutVars>
@@ -5442,7 +5480,7 @@
       <dgm:spPr/>
     </dgm:pt>
     <dgm:pt modelId="{53BF809B-A992-431A-AD91-92645605C0A2}" type="pres">
-      <dgm:prSet presAssocID="{D5367DF2-9A2C-444F-940A-66226417C223}" presName="parentText" presStyleLbl="node1" presStyleIdx="0" presStyleCnt="7">
+      <dgm:prSet presAssocID="{D5367DF2-9A2C-444F-940A-66226417C223}" presName="parentText" presStyleLbl="node1" presStyleIdx="0" presStyleCnt="8">
         <dgm:presLayoutVars>
           <dgm:chMax val="0"/>
           <dgm:bulletEnabled val="1"/>
@@ -5455,7 +5493,7 @@
       <dgm:spPr/>
     </dgm:pt>
     <dgm:pt modelId="{F3C1E72C-EE3B-46D0-95E1-7ABF6C54E2B2}" type="pres">
-      <dgm:prSet presAssocID="{5534BA73-5698-4378-A516-6CAF5B052F06}" presName="parentText" presStyleLbl="node1" presStyleIdx="1" presStyleCnt="7">
+      <dgm:prSet presAssocID="{5534BA73-5698-4378-A516-6CAF5B052F06}" presName="parentText" presStyleLbl="node1" presStyleIdx="1" presStyleCnt="8">
         <dgm:presLayoutVars>
           <dgm:chMax val="0"/>
           <dgm:bulletEnabled val="1"/>
@@ -5468,7 +5506,7 @@
       <dgm:spPr/>
     </dgm:pt>
     <dgm:pt modelId="{AB1AA894-1645-4007-955B-1824175B28DD}" type="pres">
-      <dgm:prSet presAssocID="{CDC51E53-88B9-476D-A2DC-4E76CEE41C20}" presName="parentText" presStyleLbl="node1" presStyleIdx="2" presStyleCnt="7">
+      <dgm:prSet presAssocID="{CDC51E53-88B9-476D-A2DC-4E76CEE41C20}" presName="parentText" presStyleLbl="node1" presStyleIdx="2" presStyleCnt="8">
         <dgm:presLayoutVars>
           <dgm:chMax val="0"/>
           <dgm:bulletEnabled val="1"/>
@@ -5481,7 +5519,7 @@
       <dgm:spPr/>
     </dgm:pt>
     <dgm:pt modelId="{4649140D-F2CB-4F06-8CAB-A452CC1127B9}" type="pres">
-      <dgm:prSet presAssocID="{3F65AC70-4426-4888-A5B5-424C599A0DAE}" presName="parentText" presStyleLbl="node1" presStyleIdx="3" presStyleCnt="7">
+      <dgm:prSet presAssocID="{3F65AC70-4426-4888-A5B5-424C599A0DAE}" presName="parentText" presStyleLbl="node1" presStyleIdx="3" presStyleCnt="8">
         <dgm:presLayoutVars>
           <dgm:chMax val="0"/>
           <dgm:bulletEnabled val="1"/>
@@ -5494,7 +5532,7 @@
       <dgm:spPr/>
     </dgm:pt>
     <dgm:pt modelId="{0B6D962D-DB7A-410C-BB33-CE618B4A2C2B}" type="pres">
-      <dgm:prSet presAssocID="{042DAF02-5344-4B80-B4BF-450F531D5C5E}" presName="parentText" presStyleLbl="node1" presStyleIdx="4" presStyleCnt="7">
+      <dgm:prSet presAssocID="{042DAF02-5344-4B80-B4BF-450F531D5C5E}" presName="parentText" presStyleLbl="node1" presStyleIdx="4" presStyleCnt="8">
         <dgm:presLayoutVars>
           <dgm:chMax val="0"/>
           <dgm:bulletEnabled val="1"/>
@@ -5507,7 +5545,7 @@
       <dgm:spPr/>
     </dgm:pt>
     <dgm:pt modelId="{45BA50EB-A425-4B28-8A17-F1C911578BBA}" type="pres">
-      <dgm:prSet presAssocID="{AD79E63C-9793-43B3-B38E-88D69800558A}" presName="parentText" presStyleLbl="node1" presStyleIdx="5" presStyleCnt="7">
+      <dgm:prSet presAssocID="{AD79E63C-9793-43B3-B38E-88D69800558A}" presName="parentText" presStyleLbl="node1" presStyleIdx="5" presStyleCnt="8">
         <dgm:presLayoutVars>
           <dgm:chMax val="0"/>
           <dgm:bulletEnabled val="1"/>
@@ -5520,7 +5558,20 @@
       <dgm:spPr/>
     </dgm:pt>
     <dgm:pt modelId="{69122FD9-0315-46F2-B5C8-C8912AFA0E22}" type="pres">
-      <dgm:prSet presAssocID="{2D7ACCE7-60DD-4EB9-898A-D384956E0B44}" presName="parentText" presStyleLbl="node1" presStyleIdx="6" presStyleCnt="7">
+      <dgm:prSet presAssocID="{2D7ACCE7-60DD-4EB9-898A-D384956E0B44}" presName="parentText" presStyleLbl="node1" presStyleIdx="6" presStyleCnt="8">
+        <dgm:presLayoutVars>
+          <dgm:chMax val="0"/>
+          <dgm:bulletEnabled val="1"/>
+        </dgm:presLayoutVars>
+      </dgm:prSet>
+      <dgm:spPr/>
+    </dgm:pt>
+    <dgm:pt modelId="{DE869D8A-23FA-4EDA-BA8D-1441FB443784}" type="pres">
+      <dgm:prSet presAssocID="{060BE0A8-3849-44C3-93C8-2D310F51AB2D}" presName="spacer" presStyleCnt="0"/>
+      <dgm:spPr/>
+    </dgm:pt>
+    <dgm:pt modelId="{C010A472-AAED-44A5-9567-3BD1E1A0B711}" type="pres">
+      <dgm:prSet presAssocID="{902EB508-A157-4CA0-9B13-8CF702F00785}" presName="parentText" presStyleLbl="node1" presStyleIdx="7" presStyleCnt="8">
         <dgm:presLayoutVars>
           <dgm:chMax val="0"/>
           <dgm:bulletEnabled val="1"/>
@@ -5530,6 +5581,7 @@
     </dgm:pt>
   </dgm:ptLst>
   <dgm:cxnLst>
+    <dgm:cxn modelId="{3A314708-D7BA-4276-A3BB-56533EF2DDF4}" srcId="{3CD4B766-7741-43BF-AA71-503B0CE07974}" destId="{902EB508-A157-4CA0-9B13-8CF702F00785}" srcOrd="7" destOrd="0" parTransId="{C0257C11-7524-49EE-9D54-942FCED92704}" sibTransId="{A6387329-9DBD-4900-B88F-63A6D79AEF74}"/>
     <dgm:cxn modelId="{A2AF790B-746E-4F48-A16D-ABD087502F96}" srcId="{3CD4B766-7741-43BF-AA71-503B0CE07974}" destId="{2D7ACCE7-60DD-4EB9-898A-D384956E0B44}" srcOrd="6" destOrd="0" parTransId="{641C477F-4EBB-41C9-B1B4-220CC8A7A6EC}" sibTransId="{060BE0A8-3849-44C3-93C8-2D310F51AB2D}"/>
     <dgm:cxn modelId="{7F4AC731-BD6B-469F-851A-65AF51FE7C66}" srcId="{3CD4B766-7741-43BF-AA71-503B0CE07974}" destId="{D5367DF2-9A2C-444F-940A-66226417C223}" srcOrd="0" destOrd="0" parTransId="{F86890E6-5344-4A8C-9B20-B27CA08400CB}" sibTransId="{D56E2603-0D09-45D3-8112-7B0203A26B48}"/>
     <dgm:cxn modelId="{2FC23739-90B4-4315-BF75-BB743A19C364}" type="presOf" srcId="{AD79E63C-9793-43B3-B38E-88D69800558A}" destId="{45BA50EB-A425-4B28-8A17-F1C911578BBA}" srcOrd="0" destOrd="0" presId="urn:microsoft.com/office/officeart/2005/8/layout/vList2"/>
@@ -5541,6 +5593,7 @@
     <dgm:cxn modelId="{C22D1E91-8148-410E-AE7F-07B7BEEBEBD6}" type="presOf" srcId="{5534BA73-5698-4378-A516-6CAF5B052F06}" destId="{F3C1E72C-EE3B-46D0-95E1-7ABF6C54E2B2}" srcOrd="0" destOrd="0" presId="urn:microsoft.com/office/officeart/2005/8/layout/vList2"/>
     <dgm:cxn modelId="{CEEFC39B-B236-4125-BAD0-D857B67E88A4}" type="presOf" srcId="{3CD4B766-7741-43BF-AA71-503B0CE07974}" destId="{744A3964-17E0-43ED-B17B-7A52BFC56780}" srcOrd="0" destOrd="0" presId="urn:microsoft.com/office/officeart/2005/8/layout/vList2"/>
     <dgm:cxn modelId="{423145A2-7518-4C8B-8F23-B7A430B6FAD7}" type="presOf" srcId="{042DAF02-5344-4B80-B4BF-450F531D5C5E}" destId="{0B6D962D-DB7A-410C-BB33-CE618B4A2C2B}" srcOrd="0" destOrd="0" presId="urn:microsoft.com/office/officeart/2005/8/layout/vList2"/>
+    <dgm:cxn modelId="{6C3085B2-B645-49C1-90D1-415B8EC41E78}" type="presOf" srcId="{902EB508-A157-4CA0-9B13-8CF702F00785}" destId="{C010A472-AAED-44A5-9567-3BD1E1A0B711}" srcOrd="0" destOrd="0" presId="urn:microsoft.com/office/officeart/2005/8/layout/vList2"/>
     <dgm:cxn modelId="{2E24AAB4-9F61-48D9-AB6D-48032B9D9FB1}" type="presOf" srcId="{3F65AC70-4426-4888-A5B5-424C599A0DAE}" destId="{4649140D-F2CB-4F06-8CAB-A452CC1127B9}" srcOrd="0" destOrd="0" presId="urn:microsoft.com/office/officeart/2005/8/layout/vList2"/>
     <dgm:cxn modelId="{39470BBB-453C-4C87-95D1-0A002FE61EA4}" type="presOf" srcId="{D5367DF2-9A2C-444F-940A-66226417C223}" destId="{53BF809B-A992-431A-AD91-92645605C0A2}" srcOrd="0" destOrd="0" presId="urn:microsoft.com/office/officeart/2005/8/layout/vList2"/>
     <dgm:cxn modelId="{5C595CC4-37E8-48ED-B0D4-6813D443803E}" srcId="{3CD4B766-7741-43BF-AA71-503B0CE07974}" destId="{042DAF02-5344-4B80-B4BF-450F531D5C5E}" srcOrd="4" destOrd="0" parTransId="{A857B8AE-2161-4F2C-B7C4-715FAD2C1C9A}" sibTransId="{358BB9AB-A6BF-42B9-A512-E4A0C05A70F4}"/>
@@ -5558,6 +5611,8 @@
     <dgm:cxn modelId="{47E4FFAC-88F3-47DB-A6FB-4C1DD92DD173}" type="presParOf" srcId="{744A3964-17E0-43ED-B17B-7A52BFC56780}" destId="{45BA50EB-A425-4B28-8A17-F1C911578BBA}" srcOrd="10" destOrd="0" presId="urn:microsoft.com/office/officeart/2005/8/layout/vList2"/>
     <dgm:cxn modelId="{E40CC0B3-8C3D-4E87-A3C3-215A59F9AF19}" type="presParOf" srcId="{744A3964-17E0-43ED-B17B-7A52BFC56780}" destId="{7D9C82FB-F1AD-4741-899E-6DB88B278E84}" srcOrd="11" destOrd="0" presId="urn:microsoft.com/office/officeart/2005/8/layout/vList2"/>
     <dgm:cxn modelId="{C1AC3722-681D-4902-9C77-32C0425EE916}" type="presParOf" srcId="{744A3964-17E0-43ED-B17B-7A52BFC56780}" destId="{69122FD9-0315-46F2-B5C8-C8912AFA0E22}" srcOrd="12" destOrd="0" presId="urn:microsoft.com/office/officeart/2005/8/layout/vList2"/>
+    <dgm:cxn modelId="{5B29854C-CEAF-4FC1-9053-8D8D2D9A9C9B}" type="presParOf" srcId="{744A3964-17E0-43ED-B17B-7A52BFC56780}" destId="{DE869D8A-23FA-4EDA-BA8D-1441FB443784}" srcOrd="13" destOrd="0" presId="urn:microsoft.com/office/officeart/2005/8/layout/vList2"/>
+    <dgm:cxn modelId="{206BC01B-E1E7-44CE-BD03-A421BD36AB3E}" type="presParOf" srcId="{744A3964-17E0-43ED-B17B-7A52BFC56780}" destId="{C010A472-AAED-44A5-9567-3BD1E1A0B711}" srcOrd="14" destOrd="0" presId="urn:microsoft.com/office/officeart/2005/8/layout/vList2"/>
   </dgm:cxnLst>
   <dgm:bg/>
   <dgm:whole/>
@@ -7023,10 +7078,10 @@
         <a:lstStyle/>
         <a:p>
           <a:r>
-            <a:rPr lang="fr-CH"/>
+            <a:rPr lang="fr-CH" dirty="0"/>
             <a:t>Bilan de planification</a:t>
           </a:r>
-          <a:endParaRPr lang="en-US"/>
+          <a:endParaRPr lang="en-US" dirty="0"/>
         </a:p>
       </dgm:t>
     </dgm:pt>
@@ -7313,8 +7368,8 @@
       </dsp:nvSpPr>
       <dsp:spPr>
         <a:xfrm>
-          <a:off x="0" y="39046"/>
-          <a:ext cx="8596668" cy="491399"/>
+          <a:off x="0" y="29108"/>
+          <a:ext cx="8596668" cy="468000"/>
         </a:xfrm>
         <a:prstGeom prst="roundRect">
           <a:avLst/>
@@ -7355,12 +7410,12 @@
         </a:fontRef>
       </dsp:style>
       <dsp:txBody>
-        <a:bodyPr spcFirstLastPara="0" vert="horz" wrap="square" lIns="80010" tIns="80010" rIns="80010" bIns="80010" numCol="1" spcCol="1270" anchor="ctr" anchorCtr="0">
+        <a:bodyPr spcFirstLastPara="0" vert="horz" wrap="square" lIns="76200" tIns="76200" rIns="76200" bIns="76200" numCol="1" spcCol="1270" anchor="ctr" anchorCtr="0">
           <a:noAutofit/>
         </a:bodyPr>
         <a:lstStyle/>
         <a:p>
-          <a:pPr marL="0" lvl="0" indent="0" algn="l" defTabSz="933450">
+          <a:pPr marL="0" lvl="0" indent="0" algn="l" defTabSz="889000">
             <a:lnSpc>
               <a:spcPct val="90000"/>
             </a:lnSpc>
@@ -7373,15 +7428,15 @@
             <a:buNone/>
           </a:pPr>
           <a:r>
-            <a:rPr lang="fr-CH" sz="2100" kern="1200"/>
+            <a:rPr lang="fr-CH" sz="2000" kern="1200"/>
             <a:t>Introduction</a:t>
           </a:r>
-          <a:endParaRPr lang="en-US" sz="2100" kern="1200"/>
+          <a:endParaRPr lang="en-US" sz="2000" kern="1200"/>
         </a:p>
       </dsp:txBody>
       <dsp:txXfrm>
-        <a:off x="23988" y="63034"/>
-        <a:ext cx="8548692" cy="443423"/>
+        <a:off x="22846" y="51954"/>
+        <a:ext cx="8550976" cy="422308"/>
       </dsp:txXfrm>
     </dsp:sp>
     <dsp:sp modelId="{F3C1E72C-EE3B-46D0-95E1-7ABF6C54E2B2}">
@@ -7391,8 +7446,8 @@
       </dsp:nvSpPr>
       <dsp:spPr>
         <a:xfrm>
-          <a:off x="0" y="590926"/>
-          <a:ext cx="8596668" cy="491399"/>
+          <a:off x="0" y="554708"/>
+          <a:ext cx="8596668" cy="468000"/>
         </a:xfrm>
         <a:prstGeom prst="roundRect">
           <a:avLst/>
@@ -7433,12 +7488,12 @@
         </a:fontRef>
       </dsp:style>
       <dsp:txBody>
-        <a:bodyPr spcFirstLastPara="0" vert="horz" wrap="square" lIns="80010" tIns="80010" rIns="80010" bIns="80010" numCol="1" spcCol="1270" anchor="ctr" anchorCtr="0">
+        <a:bodyPr spcFirstLastPara="0" vert="horz" wrap="square" lIns="76200" tIns="76200" rIns="76200" bIns="76200" numCol="1" spcCol="1270" anchor="ctr" anchorCtr="0">
           <a:noAutofit/>
         </a:bodyPr>
         <a:lstStyle/>
         <a:p>
-          <a:pPr marL="0" lvl="0" indent="0" algn="l" defTabSz="933450">
+          <a:pPr marL="0" lvl="0" indent="0" algn="l" defTabSz="889000">
             <a:lnSpc>
               <a:spcPct val="90000"/>
             </a:lnSpc>
@@ -7451,15 +7506,15 @@
             <a:buNone/>
           </a:pPr>
           <a:r>
-            <a:rPr lang="fr-CH" sz="2100" kern="1200" dirty="0"/>
+            <a:rPr lang="fr-CH" sz="2000" kern="1200" dirty="0"/>
             <a:t>Fonctionnalités demandées</a:t>
           </a:r>
-          <a:endParaRPr lang="en-US" sz="2100" kern="1200" dirty="0"/>
+          <a:endParaRPr lang="en-US" sz="2000" kern="1200" dirty="0"/>
         </a:p>
       </dsp:txBody>
       <dsp:txXfrm>
-        <a:off x="23988" y="614914"/>
-        <a:ext cx="8548692" cy="443423"/>
+        <a:off x="22846" y="577554"/>
+        <a:ext cx="8550976" cy="422308"/>
       </dsp:txXfrm>
     </dsp:sp>
     <dsp:sp modelId="{AB1AA894-1645-4007-955B-1824175B28DD}">
@@ -7469,8 +7524,8 @@
       </dsp:nvSpPr>
       <dsp:spPr>
         <a:xfrm>
-          <a:off x="0" y="1142806"/>
-          <a:ext cx="8596668" cy="491399"/>
+          <a:off x="0" y="1080308"/>
+          <a:ext cx="8596668" cy="468000"/>
         </a:xfrm>
         <a:prstGeom prst="roundRect">
           <a:avLst/>
@@ -7511,12 +7566,12 @@
         </a:fontRef>
       </dsp:style>
       <dsp:txBody>
-        <a:bodyPr spcFirstLastPara="0" vert="horz" wrap="square" lIns="80010" tIns="80010" rIns="80010" bIns="80010" numCol="1" spcCol="1270" anchor="ctr" anchorCtr="0">
+        <a:bodyPr spcFirstLastPara="0" vert="horz" wrap="square" lIns="76200" tIns="76200" rIns="76200" bIns="76200" numCol="1" spcCol="1270" anchor="ctr" anchorCtr="0">
           <a:noAutofit/>
         </a:bodyPr>
         <a:lstStyle/>
         <a:p>
-          <a:pPr marL="0" lvl="0" indent="0" algn="l" defTabSz="933450">
+          <a:pPr marL="0" lvl="0" indent="0" algn="l" defTabSz="889000">
             <a:lnSpc>
               <a:spcPct val="90000"/>
             </a:lnSpc>
@@ -7529,15 +7584,15 @@
             <a:buNone/>
           </a:pPr>
           <a:r>
-            <a:rPr lang="fr-CH" sz="2100" kern="1200"/>
+            <a:rPr lang="fr-CH" sz="2000" kern="1200"/>
             <a:t>Planification</a:t>
           </a:r>
-          <a:endParaRPr lang="en-US" sz="2100" kern="1200"/>
+          <a:endParaRPr lang="en-US" sz="2000" kern="1200"/>
         </a:p>
       </dsp:txBody>
       <dsp:txXfrm>
-        <a:off x="23988" y="1166794"/>
-        <a:ext cx="8548692" cy="443423"/>
+        <a:off x="22846" y="1103154"/>
+        <a:ext cx="8550976" cy="422308"/>
       </dsp:txXfrm>
     </dsp:sp>
     <dsp:sp modelId="{4649140D-F2CB-4F06-8CAB-A452CC1127B9}">
@@ -7547,8 +7602,8 @@
       </dsp:nvSpPr>
       <dsp:spPr>
         <a:xfrm>
-          <a:off x="0" y="1694686"/>
-          <a:ext cx="8596668" cy="491399"/>
+          <a:off x="0" y="1605908"/>
+          <a:ext cx="8596668" cy="468000"/>
         </a:xfrm>
         <a:prstGeom prst="roundRect">
           <a:avLst/>
@@ -7589,12 +7644,12 @@
         </a:fontRef>
       </dsp:style>
       <dsp:txBody>
-        <a:bodyPr spcFirstLastPara="0" vert="horz" wrap="square" lIns="80010" tIns="80010" rIns="80010" bIns="80010" numCol="1" spcCol="1270" anchor="ctr" anchorCtr="0">
+        <a:bodyPr spcFirstLastPara="0" vert="horz" wrap="square" lIns="76200" tIns="76200" rIns="76200" bIns="76200" numCol="1" spcCol="1270" anchor="ctr" anchorCtr="0">
           <a:noAutofit/>
         </a:bodyPr>
         <a:lstStyle/>
         <a:p>
-          <a:pPr marL="0" lvl="0" indent="0" algn="l" defTabSz="933450">
+          <a:pPr marL="0" lvl="0" indent="0" algn="l" defTabSz="889000">
             <a:lnSpc>
               <a:spcPct val="90000"/>
             </a:lnSpc>
@@ -7607,15 +7662,15 @@
             <a:buNone/>
           </a:pPr>
           <a:r>
-            <a:rPr lang="fr-CH" sz="2100" kern="1200" dirty="0"/>
+            <a:rPr lang="fr-CH" sz="2000" kern="1200" dirty="0"/>
             <a:t>Fonctionnalité réalisées</a:t>
           </a:r>
-          <a:endParaRPr lang="en-US" sz="2100" kern="1200" dirty="0"/>
+          <a:endParaRPr lang="en-US" sz="2000" kern="1200" dirty="0"/>
         </a:p>
       </dsp:txBody>
       <dsp:txXfrm>
-        <a:off x="23988" y="1718674"/>
-        <a:ext cx="8548692" cy="443423"/>
+        <a:off x="22846" y="1628754"/>
+        <a:ext cx="8550976" cy="422308"/>
       </dsp:txXfrm>
     </dsp:sp>
     <dsp:sp modelId="{0B6D962D-DB7A-410C-BB33-CE618B4A2C2B}">
@@ -7625,8 +7680,8 @@
       </dsp:nvSpPr>
       <dsp:spPr>
         <a:xfrm>
-          <a:off x="0" y="2246566"/>
-          <a:ext cx="8596668" cy="491399"/>
+          <a:off x="0" y="2131508"/>
+          <a:ext cx="8596668" cy="468000"/>
         </a:xfrm>
         <a:prstGeom prst="roundRect">
           <a:avLst/>
@@ -7667,12 +7722,12 @@
         </a:fontRef>
       </dsp:style>
       <dsp:txBody>
-        <a:bodyPr spcFirstLastPara="0" vert="horz" wrap="square" lIns="80010" tIns="80010" rIns="80010" bIns="80010" numCol="1" spcCol="1270" anchor="ctr" anchorCtr="0">
+        <a:bodyPr spcFirstLastPara="0" vert="horz" wrap="square" lIns="76200" tIns="76200" rIns="76200" bIns="76200" numCol="1" spcCol="1270" anchor="ctr" anchorCtr="0">
           <a:noAutofit/>
         </a:bodyPr>
         <a:lstStyle/>
         <a:p>
-          <a:pPr marL="0" lvl="0" indent="0" algn="l" defTabSz="933450">
+          <a:pPr marL="0" lvl="0" indent="0" algn="l" defTabSz="889000">
             <a:lnSpc>
               <a:spcPct val="90000"/>
             </a:lnSpc>
@@ -7685,15 +7740,15 @@
             <a:buNone/>
           </a:pPr>
           <a:r>
-            <a:rPr lang="fr-CH" sz="2100" kern="1200"/>
+            <a:rPr lang="fr-CH" sz="2000" kern="1200"/>
             <a:t>Problèmes rencontrer</a:t>
           </a:r>
-          <a:endParaRPr lang="en-US" sz="2100" kern="1200"/>
+          <a:endParaRPr lang="en-US" sz="2000" kern="1200"/>
         </a:p>
       </dsp:txBody>
       <dsp:txXfrm>
-        <a:off x="23988" y="2270554"/>
-        <a:ext cx="8548692" cy="443423"/>
+        <a:off x="22846" y="2154354"/>
+        <a:ext cx="8550976" cy="422308"/>
       </dsp:txXfrm>
     </dsp:sp>
     <dsp:sp modelId="{45BA50EB-A425-4B28-8A17-F1C911578BBA}">
@@ -7703,8 +7758,8 @@
       </dsp:nvSpPr>
       <dsp:spPr>
         <a:xfrm>
-          <a:off x="0" y="2798446"/>
-          <a:ext cx="8596668" cy="491399"/>
+          <a:off x="0" y="2657108"/>
+          <a:ext cx="8596668" cy="468000"/>
         </a:xfrm>
         <a:prstGeom prst="roundRect">
           <a:avLst/>
@@ -7745,12 +7800,12 @@
         </a:fontRef>
       </dsp:style>
       <dsp:txBody>
-        <a:bodyPr spcFirstLastPara="0" vert="horz" wrap="square" lIns="80010" tIns="80010" rIns="80010" bIns="80010" numCol="1" spcCol="1270" anchor="ctr" anchorCtr="0">
+        <a:bodyPr spcFirstLastPara="0" vert="horz" wrap="square" lIns="76200" tIns="76200" rIns="76200" bIns="76200" numCol="1" spcCol="1270" anchor="ctr" anchorCtr="0">
           <a:noAutofit/>
         </a:bodyPr>
         <a:lstStyle/>
         <a:p>
-          <a:pPr marL="0" lvl="0" indent="0" algn="l" defTabSz="933450">
+          <a:pPr marL="0" lvl="0" indent="0" algn="l" defTabSz="889000">
             <a:lnSpc>
               <a:spcPct val="90000"/>
             </a:lnSpc>
@@ -7763,15 +7818,15 @@
             <a:buNone/>
           </a:pPr>
           <a:r>
-            <a:rPr lang="fr-CH" sz="2100" kern="1200"/>
+            <a:rPr lang="fr-CH" sz="2000" kern="1200"/>
             <a:t>Journal de travail</a:t>
           </a:r>
-          <a:endParaRPr lang="en-US" sz="2100" kern="1200"/>
+          <a:endParaRPr lang="en-US" sz="2000" kern="1200"/>
         </a:p>
       </dsp:txBody>
       <dsp:txXfrm>
-        <a:off x="23988" y="2822434"/>
-        <a:ext cx="8548692" cy="443423"/>
+        <a:off x="22846" y="2679954"/>
+        <a:ext cx="8550976" cy="422308"/>
       </dsp:txXfrm>
     </dsp:sp>
     <dsp:sp modelId="{69122FD9-0315-46F2-B5C8-C8912AFA0E22}">
@@ -7781,8 +7836,8 @@
       </dsp:nvSpPr>
       <dsp:spPr>
         <a:xfrm>
-          <a:off x="0" y="3350326"/>
-          <a:ext cx="8596668" cy="491399"/>
+          <a:off x="0" y="3182708"/>
+          <a:ext cx="8596668" cy="468000"/>
         </a:xfrm>
         <a:prstGeom prst="roundRect">
           <a:avLst/>
@@ -7823,12 +7878,12 @@
         </a:fontRef>
       </dsp:style>
       <dsp:txBody>
-        <a:bodyPr spcFirstLastPara="0" vert="horz" wrap="square" lIns="80010" tIns="80010" rIns="80010" bIns="80010" numCol="1" spcCol="1270" anchor="ctr" anchorCtr="0">
+        <a:bodyPr spcFirstLastPara="0" vert="horz" wrap="square" lIns="76200" tIns="76200" rIns="76200" bIns="76200" numCol="1" spcCol="1270" anchor="ctr" anchorCtr="0">
           <a:noAutofit/>
         </a:bodyPr>
         <a:lstStyle/>
         <a:p>
-          <a:pPr marL="0" lvl="0" indent="0" algn="l" defTabSz="933450">
+          <a:pPr marL="0" lvl="0" indent="0" algn="l" defTabSz="889000">
             <a:lnSpc>
               <a:spcPct val="90000"/>
             </a:lnSpc>
@@ -7841,15 +7896,93 @@
             <a:buNone/>
           </a:pPr>
           <a:r>
-            <a:rPr lang="fr-CH" sz="2100" kern="1200"/>
-            <a:t>Conclusion</a:t>
+            <a:rPr lang="fr-CH" sz="2000" kern="1200" dirty="0"/>
+            <a:t>Bilan de planification Graphique</a:t>
           </a:r>
-          <a:endParaRPr lang="en-US" sz="2100" kern="1200"/>
+          <a:endParaRPr lang="en-US" sz="2000" kern="1200" dirty="0"/>
         </a:p>
       </dsp:txBody>
       <dsp:txXfrm>
-        <a:off x="23988" y="3374314"/>
-        <a:ext cx="8548692" cy="443423"/>
+        <a:off x="22846" y="3205554"/>
+        <a:ext cx="8550976" cy="422308"/>
+      </dsp:txXfrm>
+    </dsp:sp>
+    <dsp:sp modelId="{C010A472-AAED-44A5-9567-3BD1E1A0B711}">
+      <dsp:nvSpPr>
+        <dsp:cNvPr id="0" name=""/>
+        <dsp:cNvSpPr/>
+      </dsp:nvSpPr>
+      <dsp:spPr>
+        <a:xfrm>
+          <a:off x="0" y="3708308"/>
+          <a:ext cx="8596668" cy="468000"/>
+        </a:xfrm>
+        <a:prstGeom prst="roundRect">
+          <a:avLst/>
+        </a:prstGeom>
+        <a:solidFill>
+          <a:schemeClr val="accent1">
+            <a:hueOff val="0"/>
+            <a:satOff val="0"/>
+            <a:lumOff val="0"/>
+            <a:alphaOff val="0"/>
+          </a:schemeClr>
+        </a:solidFill>
+        <a:ln w="19050" cap="rnd" cmpd="sng" algn="ctr">
+          <a:solidFill>
+            <a:schemeClr val="lt1">
+              <a:hueOff val="0"/>
+              <a:satOff val="0"/>
+              <a:lumOff val="0"/>
+              <a:alphaOff val="0"/>
+            </a:schemeClr>
+          </a:solidFill>
+          <a:prstDash val="solid"/>
+        </a:ln>
+        <a:effectLst/>
+      </dsp:spPr>
+      <dsp:style>
+        <a:lnRef idx="2">
+          <a:scrgbClr r="0" g="0" b="0"/>
+        </a:lnRef>
+        <a:fillRef idx="1">
+          <a:scrgbClr r="0" g="0" b="0"/>
+        </a:fillRef>
+        <a:effectRef idx="0">
+          <a:scrgbClr r="0" g="0" b="0"/>
+        </a:effectRef>
+        <a:fontRef idx="minor">
+          <a:schemeClr val="lt1"/>
+        </a:fontRef>
+      </dsp:style>
+      <dsp:txBody>
+        <a:bodyPr spcFirstLastPara="0" vert="horz" wrap="square" lIns="76200" tIns="76200" rIns="76200" bIns="76200" numCol="1" spcCol="1270" anchor="ctr" anchorCtr="0">
+          <a:noAutofit/>
+        </a:bodyPr>
+        <a:lstStyle/>
+        <a:p>
+          <a:pPr marL="0" lvl="0" indent="0" algn="l" defTabSz="889000">
+            <a:lnSpc>
+              <a:spcPct val="90000"/>
+            </a:lnSpc>
+            <a:spcBef>
+              <a:spcPct val="0"/>
+            </a:spcBef>
+            <a:spcAft>
+              <a:spcPct val="35000"/>
+            </a:spcAft>
+            <a:buNone/>
+          </a:pPr>
+          <a:r>
+            <a:rPr lang="fr-CH" sz="2000" kern="1200" dirty="0"/>
+            <a:t>Conclusion</a:t>
+          </a:r>
+          <a:endParaRPr lang="en-US" sz="2000" kern="1200" dirty="0"/>
+        </a:p>
+      </dsp:txBody>
+      <dsp:txXfrm>
+        <a:off x="22846" y="3731154"/>
+        <a:ext cx="8550976" cy="422308"/>
       </dsp:txXfrm>
     </dsp:sp>
   </dsp:spTree>
@@ -10055,10 +10188,10 @@
             <a:buNone/>
           </a:pPr>
           <a:r>
-            <a:rPr lang="fr-CH" sz="3200" kern="1200"/>
+            <a:rPr lang="fr-CH" sz="3200" kern="1200" dirty="0"/>
             <a:t>Bilan de planification</a:t>
           </a:r>
-          <a:endParaRPr lang="en-US" sz="3200" kern="1200"/>
+          <a:endParaRPr lang="en-US" sz="3200" kern="1200" dirty="0"/>
         </a:p>
       </dsp:txBody>
       <dsp:txXfrm>
@@ -17957,7 +18090,7 @@
           <a:p>
             <a:fld id="{5ACB88F0-5BE8-4208-A793-7EF7E3D40CDF}" type="datetimeFigureOut">
               <a:rPr lang="fr-CH" smtClean="0"/>
-              <a:t>15.03.2023</a:t>
+              <a:t>16.03.2023</a:t>
             </a:fld>
             <a:endParaRPr lang="fr-CH"/>
           </a:p>
@@ -18385,7 +18518,149 @@
           <a:p>
             <a:r>
               <a:rPr lang="fr-CH" dirty="0"/>
-              <a:t>Au revoir</a:t>
+              <a:t>Bilan </a:t>
+            </a:r>
+            <a:r>
+              <a:rPr lang="fr-CH" dirty="0" err="1"/>
+              <a:t>fonct</a:t>
+            </a:r>
+            <a:r>
+              <a:rPr lang="fr-CH" dirty="0"/>
+              <a:t>.</a:t>
+            </a:r>
+          </a:p>
+          <a:p>
+            <a:r>
+              <a:rPr lang="fr-CH" dirty="0"/>
+              <a:t>	Tout a était réaliser </a:t>
+            </a:r>
+          </a:p>
+          <a:p>
+            <a:r>
+              <a:rPr lang="fr-CH" dirty="0"/>
+              <a:t>	Pas forcément optimisé </a:t>
+            </a:r>
+          </a:p>
+          <a:p>
+            <a:r>
+              <a:rPr lang="fr-CH" dirty="0"/>
+              <a:t>Bilan </a:t>
+            </a:r>
+            <a:r>
+              <a:rPr lang="fr-CH" dirty="0" err="1"/>
+              <a:t>planif</a:t>
+            </a:r>
+            <a:r>
+              <a:rPr lang="fr-CH" dirty="0"/>
+              <a:t>. </a:t>
+            </a:r>
+          </a:p>
+          <a:p>
+            <a:r>
+              <a:rPr lang="fr-CH" dirty="0"/>
+              <a:t>	en tout perdu 3 semaines </a:t>
+            </a:r>
+          </a:p>
+          <a:p>
+            <a:r>
+              <a:rPr lang="fr-CH" dirty="0"/>
+              <a:t>	la documentation toujours négliger niveau temps</a:t>
+            </a:r>
+          </a:p>
+          <a:p>
+            <a:r>
+              <a:rPr lang="fr-CH" dirty="0"/>
+              <a:t>Si c’était à refaire</a:t>
+            </a:r>
+          </a:p>
+          <a:p>
+            <a:r>
+              <a:rPr lang="fr-CH" dirty="0"/>
+              <a:t>	Mettre en place la base de donnée améliorer </a:t>
+            </a:r>
+          </a:p>
+          <a:p>
+            <a:r>
+              <a:rPr lang="fr-CH" dirty="0"/>
+              <a:t>	prévoir plus de temps pour la documentation</a:t>
+            </a:r>
+          </a:p>
+          <a:p>
+            <a:r>
+              <a:rPr lang="fr-CH" dirty="0"/>
+              <a:t>	optimisé le code plus naturellement </a:t>
+            </a:r>
+          </a:p>
+          <a:p>
+            <a:r>
+              <a:rPr lang="fr-CH" dirty="0"/>
+              <a:t>Suite du projet </a:t>
+            </a:r>
+          </a:p>
+          <a:p>
+            <a:r>
+              <a:rPr lang="fr-CH" dirty="0"/>
+              <a:t>	Optimisé le code </a:t>
+            </a:r>
+          </a:p>
+          <a:p>
+            <a:r>
+              <a:rPr lang="fr-CH" dirty="0"/>
+              <a:t>	Rajout de fonctionnalité pour qu’un utilisateur puisse mieux gérer un club</a:t>
+            </a:r>
+          </a:p>
+          <a:p>
+            <a:r>
+              <a:rPr lang="fr-CH" dirty="0"/>
+              <a:t>	Améliorer le design</a:t>
+            </a:r>
+          </a:p>
+          <a:p>
+            <a:r>
+              <a:rPr lang="fr-CH" dirty="0"/>
+              <a:t>Mon impression </a:t>
+            </a:r>
+          </a:p>
+          <a:p>
+            <a:r>
+              <a:rPr lang="fr-CH" dirty="0"/>
+              <a:t>	projet sympathique </a:t>
+            </a:r>
+          </a:p>
+          <a:p>
+            <a:r>
+              <a:rPr lang="fr-CH" dirty="0"/>
+              <a:t>	Comment ça s’est déroulé</a:t>
+            </a:r>
+          </a:p>
+          <a:p>
+            <a:r>
+              <a:rPr lang="fr-CH" dirty="0"/>
+              <a:t>	projet écologie sympa</a:t>
+            </a:r>
+          </a:p>
+          <a:p>
+            <a:r>
+              <a:rPr lang="fr-CH" dirty="0"/>
+              <a:t>	auto-critique sur ce qui a été réaliser</a:t>
+            </a:r>
+          </a:p>
+          <a:p>
+            <a:r>
+              <a:rPr lang="fr-CH" dirty="0"/>
+              <a:t>	etc.</a:t>
+            </a:r>
+          </a:p>
+          <a:p>
+            <a:r>
+              <a:rPr lang="fr-CH" dirty="0"/>
+              <a:t>	</a:t>
+            </a:r>
+          </a:p>
+          <a:p>
+            <a:r>
+              <a:rPr lang="fr-CH" dirty="0"/>
+              <a:t>	</a:t>
             </a:r>
           </a:p>
         </p:txBody>
@@ -18408,6 +18683,93 @@
             <a:fld id="{1A6F2713-1F58-4F32-A2D4-EB21AE377377}" type="slidenum">
               <a:rPr lang="fr-CH" smtClean="0"/>
               <a:t>10</a:t>
+            </a:fld>
+            <a:endParaRPr lang="fr-CH"/>
+          </a:p>
+        </p:txBody>
+      </p:sp>
+    </p:spTree>
+    <p:extLst>
+      <p:ext uri="{BB962C8B-B14F-4D97-AF65-F5344CB8AC3E}">
+        <p14:creationId xmlns:p14="http://schemas.microsoft.com/office/powerpoint/2010/main" val="1636588035"/>
+      </p:ext>
+    </p:extLst>
+  </p:cSld>
+  <p:clrMapOvr>
+    <a:masterClrMapping/>
+  </p:clrMapOvr>
+</p:notes>
+</file>
+
+<file path=ppt/notesSlides/notesSlide11.xml><?xml version="1.0" encoding="utf-8"?>
+<p:notes xmlns:a="http://schemas.openxmlformats.org/drawingml/2006/main" xmlns:r="http://schemas.openxmlformats.org/officeDocument/2006/relationships" xmlns:p="http://schemas.openxmlformats.org/presentationml/2006/main">
+  <p:cSld>
+    <p:spTree>
+      <p:nvGrpSpPr>
+        <p:cNvPr id="1" name=""/>
+        <p:cNvGrpSpPr/>
+        <p:nvPr/>
+      </p:nvGrpSpPr>
+      <p:grpSpPr>
+        <a:xfrm>
+          <a:off x="0" y="0"/>
+          <a:ext cx="0" cy="0"/>
+          <a:chOff x="0" y="0"/>
+          <a:chExt cx="0" cy="0"/>
+        </a:xfrm>
+      </p:grpSpPr>
+      <p:sp>
+        <p:nvSpPr>
+          <p:cNvPr id="2" name="Espace réservé de l'image des diapositives 1"/>
+          <p:cNvSpPr>
+            <a:spLocks noGrp="1" noRot="1" noChangeAspect="1"/>
+          </p:cNvSpPr>
+          <p:nvPr>
+            <p:ph type="sldImg"/>
+          </p:nvPr>
+        </p:nvSpPr>
+        <p:spPr/>
+      </p:sp>
+      <p:sp>
+        <p:nvSpPr>
+          <p:cNvPr id="3" name="Espace réservé des notes 2"/>
+          <p:cNvSpPr>
+            <a:spLocks noGrp="1"/>
+          </p:cNvSpPr>
+          <p:nvPr>
+            <p:ph type="body" idx="1"/>
+          </p:nvPr>
+        </p:nvSpPr>
+        <p:spPr/>
+        <p:txBody>
+          <a:bodyPr/>
+          <a:lstStyle/>
+          <a:p>
+            <a:r>
+              <a:rPr lang="fr-CH" dirty="0"/>
+              <a:t>Au revoir</a:t>
+            </a:r>
+          </a:p>
+        </p:txBody>
+      </p:sp>
+      <p:sp>
+        <p:nvSpPr>
+          <p:cNvPr id="4" name="Espace réservé du numéro de diapositive 3"/>
+          <p:cNvSpPr>
+            <a:spLocks noGrp="1"/>
+          </p:cNvSpPr>
+          <p:nvPr>
+            <p:ph type="sldNum" sz="quarter" idx="5"/>
+          </p:nvPr>
+        </p:nvSpPr>
+        <p:spPr/>
+        <p:txBody>
+          <a:bodyPr/>
+          <a:lstStyle/>
+          <a:p>
+            <a:fld id="{1A6F2713-1F58-4F32-A2D4-EB21AE377377}" type="slidenum">
+              <a:rPr lang="fr-CH" smtClean="0"/>
+              <a:t>11</a:t>
             </a:fld>
             <a:endParaRPr lang="fr-CH"/>
           </a:p>
@@ -18739,6 +19101,25 @@
           <a:p>
             <a:r>
               <a:rPr lang="fr-CH" dirty="0"/>
+              <a:t>	</a:t>
+            </a:r>
+            <a:r>
+              <a:rPr lang="fr-CH" sz="1200" b="0" i="0" kern="1200" dirty="0">
+                <a:solidFill>
+                  <a:schemeClr val="tx1"/>
+                </a:solidFill>
+                <a:effectLst/>
+                <a:latin typeface="+mn-lt"/>
+                <a:ea typeface="+mn-ea"/>
+                <a:cs typeface="+mn-cs"/>
+              </a:rPr>
+              <a:t>pour Create, Read, Update, Delete</a:t>
+            </a:r>
+            <a:endParaRPr lang="fr-CH" dirty="0"/>
+          </a:p>
+          <a:p>
+            <a:r>
+              <a:rPr lang="fr-CH" dirty="0"/>
               <a:t>	Ajout modification suppression et afficher les détail d’un membre</a:t>
             </a:r>
           </a:p>
@@ -18920,6 +19301,25 @@
             </a:r>
           </a:p>
           <a:p>
+            <a:r>
+              <a:rPr lang="fr-CH" dirty="0"/>
+              <a:t>Informer-&gt;</a:t>
+            </a:r>
+            <a:r>
+              <a:rPr lang="fr-FR" sz="1200" kern="1200">
+                <a:solidFill>
+                  <a:schemeClr val="tx1"/>
+                </a:solidFill>
+                <a:effectLst/>
+                <a:latin typeface="+mn-lt"/>
+                <a:ea typeface="+mn-ea"/>
+                <a:cs typeface="+mn-cs"/>
+              </a:rPr>
+              <a:t>Planifier -&gt;Décider -&gt;Réaliser -&gt;Tester -&gt;Evaluer </a:t>
+            </a:r>
+            <a:endParaRPr lang="fr-CH" dirty="0"/>
+          </a:p>
+          <a:p>
             <a:endParaRPr lang="fr-CH" dirty="0"/>
           </a:p>
           <a:p>
@@ -19410,149 +19810,75 @@
           <a:p>
             <a:r>
               <a:rPr lang="fr-CH" dirty="0"/>
-              <a:t>Bilan </a:t>
+              <a:t>en tout perdu 3 semaines (1 semaine raccourcis par l’ETML / 1 semaine création et réalisation de la présentation / 1 semaine au début avec Laravel)</a:t>
+            </a:r>
+          </a:p>
+          <a:p>
+            <a:endParaRPr lang="fr-CH" dirty="0"/>
+          </a:p>
+          <a:p>
+            <a:r>
+              <a:rPr lang="fr-CH" dirty="0"/>
+              <a:t>la documentation toujours négliger niveau temps</a:t>
+            </a:r>
+          </a:p>
+          <a:p>
+            <a:endParaRPr lang="fr-CH" dirty="0"/>
+          </a:p>
+          <a:p>
+            <a:r>
+              <a:rPr lang="fr-CH" dirty="0"/>
+              <a:t>Absence imprévus = pas là + problème rattacher à rien + Lundi de rentrer</a:t>
+            </a:r>
+          </a:p>
+          <a:p>
+            <a:endParaRPr lang="fr-CH" dirty="0"/>
+          </a:p>
+          <a:p>
+            <a:r>
+              <a:rPr lang="fr-CH" dirty="0"/>
+              <a:t>Autre = discutions </a:t>
+            </a:r>
+            <a:r>
+              <a:rPr lang="fr-CH" baseline="0" dirty="0"/>
+              <a:t>TPI</a:t>
+            </a:r>
+            <a:r>
+              <a:rPr lang="fr-CH" dirty="0"/>
+              <a:t> + aide aux personne (</a:t>
             </a:r>
             <a:r>
               <a:rPr lang="fr-CH" dirty="0" err="1"/>
-              <a:t>fonct</a:t>
+              <a:t>flo</a:t>
             </a:r>
             <a:r>
               <a:rPr lang="fr-CH" dirty="0"/>
-              <a:t>.</a:t>
-            </a:r>
-          </a:p>
-          <a:p>
-            <a:r>
-              <a:rPr lang="fr-CH" dirty="0"/>
-              <a:t>	Tout a était réaliser </a:t>
-            </a:r>
-          </a:p>
-          <a:p>
-            <a:r>
-              <a:rPr lang="fr-CH" dirty="0"/>
-              <a:t>	Pas forcément optimisé </a:t>
-            </a:r>
-          </a:p>
-          <a:p>
-            <a:r>
-              <a:rPr lang="fr-CH" dirty="0"/>
-              <a:t>Bilan </a:t>
+              <a:t> / sylvain / </a:t>
             </a:r>
             <a:r>
               <a:rPr lang="fr-CH" dirty="0" err="1"/>
-              <a:t>planif</a:t>
+              <a:t>joca</a:t>
             </a:r>
             <a:r>
               <a:rPr lang="fr-CH" dirty="0"/>
-              <a:t>. </a:t>
+              <a:t> et </a:t>
             </a:r>
-          </a:p>
-          <a:p>
+            <a:r>
+              <a:rPr lang="fr-CH" dirty="0" err="1"/>
+              <a:t>nolan</a:t>
+            </a:r>
             <a:r>
               <a:rPr lang="fr-CH" dirty="0"/>
-              <a:t>	en tout perdu 3 semaines (1 semaine raccourcis par l’ETML / 1 semaine création et réalisation de la présentation / 1 semaine au début avec Laravel)</a:t>
+              <a:t>) +test mise en page rapport + préparation TPI + projet éco +présentation</a:t>
             </a:r>
+          </a:p>
+          <a:p>
+            <a:endParaRPr lang="fr-CH" dirty="0"/>
           </a:p>
           <a:p>
             <a:r>
               <a:rPr lang="fr-CH" dirty="0"/>
-              <a:t>	la documentation toujours négliger niveau temps</a:t>
-            </a:r>
-          </a:p>
-          <a:p>
-            <a:r>
-              <a:rPr lang="fr-CH" dirty="0"/>
-              <a:t>Si c’était à refaire</a:t>
-            </a:r>
-          </a:p>
-          <a:p>
-            <a:r>
-              <a:rPr lang="fr-CH" dirty="0"/>
-              <a:t>	Mettre en place la base de donnée améliorer </a:t>
-            </a:r>
-          </a:p>
-          <a:p>
-            <a:r>
-              <a:rPr lang="fr-CH" dirty="0"/>
-              <a:t>	prévoir plus de temps pour la documentation</a:t>
-            </a:r>
-          </a:p>
-          <a:p>
-            <a:r>
-              <a:rPr lang="fr-CH" dirty="0"/>
-              <a:t>	optimisé le code plus naturellement </a:t>
-            </a:r>
-          </a:p>
-          <a:p>
-            <a:r>
-              <a:rPr lang="fr-CH" dirty="0"/>
-              <a:t>Suite du projet </a:t>
-            </a:r>
-          </a:p>
-          <a:p>
-            <a:r>
-              <a:rPr lang="fr-CH" dirty="0"/>
-              <a:t>	Optimisé le code </a:t>
-            </a:r>
-          </a:p>
-          <a:p>
-            <a:r>
-              <a:rPr lang="fr-CH" dirty="0"/>
-              <a:t>	Rajout de fonctionnalité pour qu’un utilisateur puisse mieux gérer un club</a:t>
-            </a:r>
-          </a:p>
-          <a:p>
-            <a:r>
-              <a:rPr lang="fr-CH" dirty="0"/>
-              <a:t>	Améliorer le design</a:t>
-            </a:r>
-          </a:p>
-          <a:p>
-            <a:r>
-              <a:rPr lang="fr-CH" dirty="0"/>
-              <a:t>Mon impression </a:t>
-            </a:r>
-          </a:p>
-          <a:p>
-            <a:r>
-              <a:rPr lang="fr-CH" dirty="0"/>
-              <a:t>	projet sympathique </a:t>
-            </a:r>
-          </a:p>
-          <a:p>
-            <a:r>
-              <a:rPr lang="fr-CH" dirty="0"/>
-              <a:t>	Comment ça s’est déroulé</a:t>
-            </a:r>
-          </a:p>
-          <a:p>
-            <a:r>
-              <a:rPr lang="fr-CH" dirty="0"/>
-              <a:t>	projet écologie sympa</a:t>
-            </a:r>
-          </a:p>
-          <a:p>
-            <a:r>
-              <a:rPr lang="fr-CH" dirty="0"/>
-              <a:t>	auto-critique sur ce qui a été réaliser</a:t>
-            </a:r>
-          </a:p>
-          <a:p>
-            <a:r>
-              <a:rPr lang="fr-CH" dirty="0"/>
-              <a:t>	etc.</a:t>
-            </a:r>
-          </a:p>
-          <a:p>
-            <a:r>
-              <a:rPr lang="fr-CH" dirty="0"/>
-              <a:t>	</a:t>
-            </a:r>
-          </a:p>
-          <a:p>
-            <a:r>
-              <a:rPr lang="fr-CH" dirty="0"/>
-              <a:t>	</a:t>
+              <a:t>Décider est dans informer</a:t>
             </a:r>
           </a:p>
         </p:txBody>
@@ -19583,7 +19909,7 @@
     </p:spTree>
     <p:extLst>
       <p:ext uri="{BB962C8B-B14F-4D97-AF65-F5344CB8AC3E}">
-        <p14:creationId xmlns:p14="http://schemas.microsoft.com/office/powerpoint/2010/main" val="1636588035"/>
+        <p14:creationId xmlns:p14="http://schemas.microsoft.com/office/powerpoint/2010/main" val="3478615172"/>
       </p:ext>
     </p:extLst>
   </p:cSld>
@@ -20315,7 +20641,7 @@
           <a:p>
             <a:fld id="{1969978D-0A5A-4497-A958-FCCC5A73DDC6}" type="datetime1">
               <a:rPr lang="fr-CH" smtClean="0"/>
-              <a:t>15.03.2023</a:t>
+              <a:t>16.03.2023</a:t>
             </a:fld>
             <a:endParaRPr lang="fr-CH"/>
           </a:p>
@@ -20569,7 +20895,7 @@
           <a:p>
             <a:fld id="{D8B74FC1-25D1-4394-8829-EB089C831439}" type="datetime1">
               <a:rPr lang="fr-CH" smtClean="0"/>
-              <a:t>15.03.2023</a:t>
+              <a:t>16.03.2023</a:t>
             </a:fld>
             <a:endParaRPr lang="fr-CH"/>
           </a:p>
@@ -20886,7 +21212,7 @@
           <a:p>
             <a:fld id="{16016BB9-F1A4-4EB1-94AC-7D9D4EE36C61}" type="datetime1">
               <a:rPr lang="fr-CH" smtClean="0"/>
-              <a:t>15.03.2023</a:t>
+              <a:t>16.03.2023</a:t>
             </a:fld>
             <a:endParaRPr lang="fr-CH"/>
           </a:p>
@@ -21230,7 +21556,7 @@
           <a:p>
             <a:fld id="{DBED677C-E5A1-45DD-9CF6-A9476208AC74}" type="datetime1">
               <a:rPr lang="fr-CH" smtClean="0"/>
-              <a:t>15.03.2023</a:t>
+              <a:t>16.03.2023</a:t>
             </a:fld>
             <a:endParaRPr lang="fr-CH"/>
           </a:p>
@@ -21547,7 +21873,7 @@
           <a:p>
             <a:fld id="{F4AE0B25-41EC-4166-A90C-E05156CB8811}" type="datetime1">
               <a:rPr lang="fr-CH" smtClean="0"/>
-              <a:t>15.03.2023</a:t>
+              <a:t>16.03.2023</a:t>
             </a:fld>
             <a:endParaRPr lang="fr-CH"/>
           </a:p>
@@ -21943,7 +22269,7 @@
           <a:p>
             <a:fld id="{B4B0E103-7191-4930-AB27-60E693A32BCD}" type="datetime1">
               <a:rPr lang="fr-CH" smtClean="0"/>
-              <a:t>15.03.2023</a:t>
+              <a:t>16.03.2023</a:t>
             </a:fld>
             <a:endParaRPr lang="fr-CH"/>
           </a:p>
@@ -22116,7 +22442,7 @@
           <a:p>
             <a:fld id="{EB0E4D81-17C0-4C6E-A9C3-83ED0C7EA8B3}" type="datetime1">
               <a:rPr lang="fr-CH" smtClean="0"/>
-              <a:t>15.03.2023</a:t>
+              <a:t>16.03.2023</a:t>
             </a:fld>
             <a:endParaRPr lang="fr-CH"/>
           </a:p>
@@ -22299,7 +22625,7 @@
           <a:p>
             <a:fld id="{649BE27A-6712-45B3-AE6E-0766B5B3B8AB}" type="datetime1">
               <a:rPr lang="fr-CH" smtClean="0"/>
-              <a:t>15.03.2023</a:t>
+              <a:t>16.03.2023</a:t>
             </a:fld>
             <a:endParaRPr lang="fr-CH"/>
           </a:p>
@@ -22478,7 +22804,7 @@
           <a:p>
             <a:fld id="{17413E6C-07A2-4A0C-B63F-544F1AD2E7E7}" type="datetime1">
               <a:rPr lang="fr-CH" smtClean="0"/>
-              <a:t>15.03.2023</a:t>
+              <a:t>16.03.2023</a:t>
             </a:fld>
             <a:endParaRPr lang="fr-CH"/>
           </a:p>
@@ -22728,7 +23054,7 @@
           <a:p>
             <a:fld id="{39286500-4F9F-4985-8608-30F5AA398785}" type="datetime1">
               <a:rPr lang="fr-CH" smtClean="0"/>
-              <a:t>15.03.2023</a:t>
+              <a:t>16.03.2023</a:t>
             </a:fld>
             <a:endParaRPr lang="fr-CH"/>
           </a:p>
@@ -22963,7 +23289,7 @@
           <a:p>
             <a:fld id="{112F32FD-7794-417B-A897-B6529C1B6F9B}" type="datetime1">
               <a:rPr lang="fr-CH" smtClean="0"/>
-              <a:t>15.03.2023</a:t>
+              <a:t>16.03.2023</a:t>
             </a:fld>
             <a:endParaRPr lang="fr-CH"/>
           </a:p>
@@ -23340,7 +23666,7 @@
           <a:p>
             <a:fld id="{D2640BB2-7E0E-487B-9819-62CBFD72BAFD}" type="datetime1">
               <a:rPr lang="fr-CH" smtClean="0"/>
-              <a:t>15.03.2023</a:t>
+              <a:t>16.03.2023</a:t>
             </a:fld>
             <a:endParaRPr lang="fr-CH"/>
           </a:p>
@@ -23466,7 +23792,7 @@
           <a:p>
             <a:fld id="{5245D507-71B3-403B-98EA-FAC7B9CD0C6C}" type="datetime1">
               <a:rPr lang="fr-CH" smtClean="0"/>
-              <a:t>15.03.2023</a:t>
+              <a:t>16.03.2023</a:t>
             </a:fld>
             <a:endParaRPr lang="fr-CH"/>
           </a:p>
@@ -23564,7 +23890,7 @@
           <a:p>
             <a:fld id="{14790B78-5F46-4E99-87FE-2CAD22A88011}" type="datetime1">
               <a:rPr lang="fr-CH" smtClean="0"/>
-              <a:t>15.03.2023</a:t>
+              <a:t>16.03.2023</a:t>
             </a:fld>
             <a:endParaRPr lang="fr-CH"/>
           </a:p>
@@ -23822,7 +24148,7 @@
           <a:p>
             <a:fld id="{4B30269C-13E9-410B-95D5-F15E5BA981E9}" type="datetime1">
               <a:rPr lang="fr-CH" smtClean="0"/>
-              <a:t>15.03.2023</a:t>
+              <a:t>16.03.2023</a:t>
             </a:fld>
             <a:endParaRPr lang="fr-CH"/>
           </a:p>
@@ -24088,7 +24414,7 @@
           <a:p>
             <a:fld id="{A7776D2E-73F9-410E-A265-F3E0A7944292}" type="datetime1">
               <a:rPr lang="fr-CH" smtClean="0"/>
-              <a:t>15.03.2023</a:t>
+              <a:t>16.03.2023</a:t>
             </a:fld>
             <a:endParaRPr lang="fr-CH"/>
           </a:p>
@@ -24834,7 +25160,7 @@
           <a:p>
             <a:fld id="{50897415-FB9C-484E-9DD8-342443F26EA2}" type="datetime1">
               <a:rPr lang="fr-CH" smtClean="0"/>
-              <a:t>15.03.2023</a:t>
+              <a:t>16.03.2023</a:t>
             </a:fld>
             <a:endParaRPr lang="fr-CH"/>
           </a:p>
@@ -25569,7 +25895,7 @@
             </a:fld>
             <a:r>
               <a:rPr lang="fr-CH" sz="2000" dirty="0"/>
-              <a:t>/10</a:t>
+              <a:t>/11</a:t>
             </a:r>
           </a:p>
         </p:txBody>
@@ -25588,6 +25914,375 @@
 </file>
 
 <file path=ppt/slides/slide10.xml><?xml version="1.0" encoding="utf-8"?>
+<p:sld xmlns:a="http://schemas.openxmlformats.org/drawingml/2006/main" xmlns:r="http://schemas.openxmlformats.org/officeDocument/2006/relationships" xmlns:p="http://schemas.openxmlformats.org/presentationml/2006/main">
+  <p:cSld>
+    <p:bg>
+      <p:bgPr>
+        <a:solidFill>
+          <a:schemeClr val="bg1"/>
+        </a:solidFill>
+        <a:effectLst/>
+      </p:bgPr>
+    </p:bg>
+    <p:spTree>
+      <p:nvGrpSpPr>
+        <p:cNvPr id="1" name=""/>
+        <p:cNvGrpSpPr/>
+        <p:nvPr/>
+      </p:nvGrpSpPr>
+      <p:grpSpPr>
+        <a:xfrm>
+          <a:off x="0" y="0"/>
+          <a:ext cx="0" cy="0"/>
+          <a:chOff x="0" y="0"/>
+          <a:chExt cx="0" cy="0"/>
+        </a:xfrm>
+      </p:grpSpPr>
+      <p:sp useBgFill="1">
+        <p:nvSpPr>
+          <p:cNvPr id="12" name="Rectangle 11">
+            <a:extLst>
+              <a:ext uri="{FF2B5EF4-FFF2-40B4-BE49-F238E27FC236}">
+                <a16:creationId xmlns:a16="http://schemas.microsoft.com/office/drawing/2014/main" id="{9F4444CE-BC8D-4D61-B303-4C05614E62AB}"/>
+              </a:ext>
+              <a:ext uri="{C183D7F6-B498-43B3-948B-1728B52AA6E4}">
+                <adec:decorative xmlns:adec="http://schemas.microsoft.com/office/drawing/2017/decorative" val="1"/>
+              </a:ext>
+            </a:extLst>
+          </p:cNvPr>
+          <p:cNvSpPr>
+            <a:spLocks noGrp="1" noRot="1" noChangeAspect="1" noMove="1" noResize="1" noEditPoints="1" noAdjustHandles="1" noChangeArrowheads="1" noChangeShapeType="1" noTextEdit="1"/>
+          </p:cNvSpPr>
+          <p:nvPr>
+            <p:extLst>
+              <p:ext uri="{386F3935-93C4-4BCD-93E2-E3B085C9AB24}">
+                <p16:designElem xmlns:p16="http://schemas.microsoft.com/office/powerpoint/2015/main" val="1"/>
+              </p:ext>
+            </p:extLst>
+          </p:nvPr>
+        </p:nvSpPr>
+        <p:spPr>
+          <a:xfrm>
+            <a:off x="0" y="0"/>
+            <a:ext cx="12192000" cy="6858000"/>
+          </a:xfrm>
+          <a:prstGeom prst="rect">
+            <a:avLst/>
+          </a:prstGeom>
+          <a:ln>
+            <a:noFill/>
+          </a:ln>
+        </p:spPr>
+        <p:style>
+          <a:lnRef idx="2">
+            <a:schemeClr val="accent1">
+              <a:shade val="50000"/>
+            </a:schemeClr>
+          </a:lnRef>
+          <a:fillRef idx="1">
+            <a:schemeClr val="accent1"/>
+          </a:fillRef>
+          <a:effectRef idx="0">
+            <a:schemeClr val="accent1"/>
+          </a:effectRef>
+          <a:fontRef idx="minor">
+            <a:schemeClr val="lt1"/>
+          </a:fontRef>
+        </p:style>
+        <p:txBody>
+          <a:bodyPr rtlCol="0" anchor="ctr"/>
+          <a:lstStyle/>
+          <a:p>
+            <a:pPr algn="ctr"/>
+            <a:endParaRPr lang="en-US"/>
+          </a:p>
+        </p:txBody>
+      </p:sp>
+      <p:sp>
+        <p:nvSpPr>
+          <p:cNvPr id="2" name="Titre 1">
+            <a:extLst>
+              <a:ext uri="{FF2B5EF4-FFF2-40B4-BE49-F238E27FC236}">
+                <a16:creationId xmlns:a16="http://schemas.microsoft.com/office/drawing/2014/main" id="{A07A48EC-D024-4A48-90A7-37A08AB1F68E}"/>
+              </a:ext>
+            </a:extLst>
+          </p:cNvPr>
+          <p:cNvSpPr>
+            <a:spLocks noGrp="1"/>
+          </p:cNvSpPr>
+          <p:nvPr>
+            <p:ph type="title"/>
+          </p:nvPr>
+        </p:nvSpPr>
+        <p:spPr>
+          <a:xfrm>
+            <a:off x="1286933" y="609600"/>
+            <a:ext cx="10197494" cy="1099457"/>
+          </a:xfrm>
+        </p:spPr>
+        <p:txBody>
+          <a:bodyPr>
+            <a:normAutofit/>
+          </a:bodyPr>
+          <a:lstStyle/>
+          <a:p>
+            <a:r>
+              <a:rPr lang="fr-CH" dirty="0"/>
+              <a:t>Conclusion</a:t>
+            </a:r>
+          </a:p>
+        </p:txBody>
+      </p:sp>
+      <p:sp>
+        <p:nvSpPr>
+          <p:cNvPr id="14" name="Isosceles Triangle 13">
+            <a:extLst>
+              <a:ext uri="{FF2B5EF4-FFF2-40B4-BE49-F238E27FC236}">
+                <a16:creationId xmlns:a16="http://schemas.microsoft.com/office/drawing/2014/main" id="{73772B81-181F-48B7-8826-4D9686D15DF5}"/>
+              </a:ext>
+              <a:ext uri="{C183D7F6-B498-43B3-948B-1728B52AA6E4}">
+                <adec:decorative xmlns:adec="http://schemas.microsoft.com/office/drawing/2017/decorative" val="1"/>
+              </a:ext>
+            </a:extLst>
+          </p:cNvPr>
+          <p:cNvSpPr>
+            <a:spLocks noGrp="1" noRot="1" noChangeAspect="1" noMove="1" noResize="1" noEditPoints="1" noAdjustHandles="1" noChangeArrowheads="1" noChangeShapeType="1" noTextEdit="1"/>
+          </p:cNvSpPr>
+          <p:nvPr>
+            <p:extLst>
+              <p:ext uri="{386F3935-93C4-4BCD-93E2-E3B085C9AB24}">
+                <p16:designElem xmlns:p16="http://schemas.microsoft.com/office/powerpoint/2015/main" val="1"/>
+              </p:ext>
+            </p:extLst>
+          </p:nvPr>
+        </p:nvSpPr>
+        <p:spPr>
+          <a:xfrm rot="10800000">
+            <a:off x="0" y="0"/>
+            <a:ext cx="842596" cy="5666154"/>
+          </a:xfrm>
+          <a:prstGeom prst="triangle">
+            <a:avLst>
+              <a:gd name="adj" fmla="val 100000"/>
+            </a:avLst>
+          </a:prstGeom>
+          <a:solidFill>
+            <a:schemeClr val="accent1">
+              <a:alpha val="85000"/>
+            </a:schemeClr>
+          </a:solidFill>
+          <a:ln>
+            <a:noFill/>
+          </a:ln>
+          <a:effectLst/>
+        </p:spPr>
+        <p:style>
+          <a:lnRef idx="1">
+            <a:schemeClr val="accent1"/>
+          </a:lnRef>
+          <a:fillRef idx="3">
+            <a:schemeClr val="accent1"/>
+          </a:fillRef>
+          <a:effectRef idx="2">
+            <a:schemeClr val="accent1"/>
+          </a:effectRef>
+          <a:fontRef idx="minor">
+            <a:schemeClr val="lt1"/>
+          </a:fontRef>
+        </p:style>
+      </p:sp>
+      <p:sp>
+        <p:nvSpPr>
+          <p:cNvPr id="4" name="Espace réservé du pied de page 3">
+            <a:extLst>
+              <a:ext uri="{FF2B5EF4-FFF2-40B4-BE49-F238E27FC236}">
+                <a16:creationId xmlns:a16="http://schemas.microsoft.com/office/drawing/2014/main" id="{33676F19-8AD5-439D-9A9C-32AA913729E9}"/>
+              </a:ext>
+            </a:extLst>
+          </p:cNvPr>
+          <p:cNvSpPr>
+            <a:spLocks noGrp="1"/>
+          </p:cNvSpPr>
+          <p:nvPr>
+            <p:ph type="ftr" sz="quarter" idx="11"/>
+          </p:nvPr>
+        </p:nvSpPr>
+        <p:spPr>
+          <a:xfrm>
+            <a:off x="1981203" y="6182876"/>
+            <a:ext cx="6297612" cy="365125"/>
+          </a:xfrm>
+        </p:spPr>
+        <p:txBody>
+          <a:bodyPr>
+            <a:normAutofit/>
+          </a:bodyPr>
+          <a:lstStyle/>
+          <a:p>
+            <a:pPr>
+              <a:spcAft>
+                <a:spcPts val="600"/>
+              </a:spcAft>
+            </a:pPr>
+            <a:r>
+              <a:rPr lang="fr-CH"/>
+              <a:t>Gestion des membres d'un club d'échecs par Dorian Capelli</a:t>
+            </a:r>
+          </a:p>
+        </p:txBody>
+      </p:sp>
+      <p:sp>
+        <p:nvSpPr>
+          <p:cNvPr id="5" name="Espace réservé du numéro de diapositive 4">
+            <a:extLst>
+              <a:ext uri="{FF2B5EF4-FFF2-40B4-BE49-F238E27FC236}">
+                <a16:creationId xmlns:a16="http://schemas.microsoft.com/office/drawing/2014/main" id="{6C48046C-8D37-4DC2-9793-FBCF6BE57AAB}"/>
+              </a:ext>
+            </a:extLst>
+          </p:cNvPr>
+          <p:cNvSpPr>
+            <a:spLocks noGrp="1"/>
+          </p:cNvSpPr>
+          <p:nvPr>
+            <p:ph type="sldNum" sz="quarter" idx="12"/>
+          </p:nvPr>
+        </p:nvSpPr>
+        <p:spPr>
+          <a:xfrm>
+            <a:off x="9869127" y="6248400"/>
+            <a:ext cx="862373" cy="365125"/>
+          </a:xfrm>
+        </p:spPr>
+        <p:txBody>
+          <a:bodyPr>
+            <a:noAutofit/>
+          </a:bodyPr>
+          <a:lstStyle/>
+          <a:p>
+            <a:pPr>
+              <a:spcAft>
+                <a:spcPts val="600"/>
+              </a:spcAft>
+            </a:pPr>
+            <a:fld id="{D47A9B08-0F95-4E4C-ABCD-BDD69CBFE042}" type="slidenum">
+              <a:rPr lang="fr-CH" sz="2000" smtClean="0"/>
+              <a:pPr>
+                <a:spcAft>
+                  <a:spcPts val="600"/>
+                </a:spcAft>
+              </a:pPr>
+              <a:t>10</a:t>
+            </a:fld>
+            <a:r>
+              <a:rPr lang="fr-CH" sz="2000" dirty="0"/>
+              <a:t>/11</a:t>
+            </a:r>
+          </a:p>
+        </p:txBody>
+      </p:sp>
+      <p:sp>
+        <p:nvSpPr>
+          <p:cNvPr id="16" name="Isosceles Triangle 15">
+            <a:extLst>
+              <a:ext uri="{FF2B5EF4-FFF2-40B4-BE49-F238E27FC236}">
+                <a16:creationId xmlns:a16="http://schemas.microsoft.com/office/drawing/2014/main" id="{B2205F6E-03C6-4E92-877C-E2482F6599AA}"/>
+              </a:ext>
+              <a:ext uri="{C183D7F6-B498-43B3-948B-1728B52AA6E4}">
+                <adec:decorative xmlns:adec="http://schemas.microsoft.com/office/drawing/2017/decorative" val="1"/>
+              </a:ext>
+            </a:extLst>
+          </p:cNvPr>
+          <p:cNvSpPr>
+            <a:spLocks noGrp="1" noRot="1" noChangeAspect="1" noMove="1" noResize="1" noEditPoints="1" noAdjustHandles="1" noChangeArrowheads="1" noChangeShapeType="1" noTextEdit="1"/>
+          </p:cNvSpPr>
+          <p:nvPr>
+            <p:extLst>
+              <p:ext uri="{386F3935-93C4-4BCD-93E2-E3B085C9AB24}">
+                <p16:designElem xmlns:p16="http://schemas.microsoft.com/office/powerpoint/2015/main" val="1"/>
+              </p:ext>
+            </p:extLst>
+          </p:nvPr>
+        </p:nvSpPr>
+        <p:spPr>
+          <a:xfrm flipH="1">
+            <a:off x="11743267" y="4013200"/>
+            <a:ext cx="448733" cy="2844800"/>
+          </a:xfrm>
+          <a:prstGeom prst="triangle">
+            <a:avLst>
+              <a:gd name="adj" fmla="val 0"/>
+            </a:avLst>
+          </a:prstGeom>
+          <a:solidFill>
+            <a:schemeClr val="accent1">
+              <a:alpha val="85000"/>
+            </a:schemeClr>
+          </a:solidFill>
+          <a:ln>
+            <a:noFill/>
+          </a:ln>
+          <a:effectLst/>
+        </p:spPr>
+        <p:style>
+          <a:lnRef idx="1">
+            <a:schemeClr val="accent1"/>
+          </a:lnRef>
+          <a:fillRef idx="3">
+            <a:schemeClr val="accent1"/>
+          </a:fillRef>
+          <a:effectRef idx="2">
+            <a:schemeClr val="accent1"/>
+          </a:effectRef>
+          <a:fontRef idx="minor">
+            <a:schemeClr val="lt1"/>
+          </a:fontRef>
+        </p:style>
+      </p:sp>
+      <p:graphicFrame>
+        <p:nvGraphicFramePr>
+          <p:cNvPr id="8" name="Espace réservé du contenu 5">
+            <a:extLst>
+              <a:ext uri="{FF2B5EF4-FFF2-40B4-BE49-F238E27FC236}">
+                <a16:creationId xmlns:a16="http://schemas.microsoft.com/office/drawing/2014/main" id="{189E567F-18B8-5B82-3FA6-9D3217B0D615}"/>
+              </a:ext>
+            </a:extLst>
+          </p:cNvPr>
+          <p:cNvGraphicFramePr>
+            <a:graphicFrameLocks noGrp="1"/>
+          </p:cNvGraphicFramePr>
+          <p:nvPr>
+            <p:ph idx="1"/>
+            <p:extLst>
+              <p:ext uri="{D42A27DB-BD31-4B8C-83A1-F6EECF244321}">
+                <p14:modId xmlns:p14="http://schemas.microsoft.com/office/powerpoint/2010/main" val="3761227977"/>
+              </p:ext>
+            </p:extLst>
+          </p:nvPr>
+        </p:nvGraphicFramePr>
+        <p:xfrm>
+          <a:off x="1286933" y="1948543"/>
+          <a:ext cx="9618133" cy="4093482"/>
+        </p:xfrm>
+        <a:graphic>
+          <a:graphicData uri="http://schemas.openxmlformats.org/drawingml/2006/diagram">
+            <dgm:relIds xmlns:dgm="http://schemas.openxmlformats.org/drawingml/2006/diagram" xmlns:r="http://schemas.openxmlformats.org/officeDocument/2006/relationships" r:dm="rId3" r:lo="rId4" r:qs="rId5" r:cs="rId6"/>
+          </a:graphicData>
+        </a:graphic>
+      </p:graphicFrame>
+    </p:spTree>
+    <p:extLst>
+      <p:ext uri="{BB962C8B-B14F-4D97-AF65-F5344CB8AC3E}">
+        <p14:creationId xmlns:p14="http://schemas.microsoft.com/office/powerpoint/2010/main" val="1343722433"/>
+      </p:ext>
+    </p:extLst>
+  </p:cSld>
+  <p:clrMapOvr>
+    <a:masterClrMapping/>
+  </p:clrMapOvr>
+</p:sld>
+</file>
+
+<file path=ppt/slides/slide11.xml><?xml version="1.0" encoding="utf-8"?>
 <p:sld xmlns:a="http://schemas.openxmlformats.org/drawingml/2006/main" xmlns:r="http://schemas.openxmlformats.org/officeDocument/2006/relationships" xmlns:p="http://schemas.openxmlformats.org/presentationml/2006/main">
   <p:cSld>
     <p:spTree>
@@ -25714,11 +26409,11 @@
           <a:p>
             <a:fld id="{D47A9B08-0F95-4E4C-ABCD-BDD69CBFE042}" type="slidenum">
               <a:rPr lang="fr-CH" sz="2000" smtClean="0"/>
-              <a:t>10</a:t>
+              <a:t>11</a:t>
             </a:fld>
             <a:r>
               <a:rPr lang="fr-CH" sz="2000" dirty="0"/>
-              <a:t>/10</a:t>
+              <a:t>/11</a:t>
             </a:r>
           </a:p>
         </p:txBody>
@@ -25803,14 +26498,14 @@
             <p:ph idx="1"/>
             <p:extLst>
               <p:ext uri="{D42A27DB-BD31-4B8C-83A1-F6EECF244321}">
-                <p14:modId xmlns:p14="http://schemas.microsoft.com/office/powerpoint/2010/main" val="2628767054"/>
+                <p14:modId xmlns:p14="http://schemas.microsoft.com/office/powerpoint/2010/main" val="3901935303"/>
               </p:ext>
             </p:extLst>
           </p:nvPr>
         </p:nvGraphicFramePr>
         <p:xfrm>
-          <a:off x="677334" y="1835944"/>
-          <a:ext cx="8596668" cy="3880773"/>
+          <a:off x="677334" y="1511300"/>
+          <a:ext cx="8596668" cy="4205417"/>
         </p:xfrm>
         <a:graphic>
           <a:graphicData uri="http://schemas.openxmlformats.org/drawingml/2006/diagram">
@@ -25878,7 +26573,7 @@
             </a:fld>
             <a:r>
               <a:rPr lang="fr-CH" sz="2000" dirty="0"/>
-              <a:t>/10</a:t>
+              <a:t>/11</a:t>
             </a:r>
           </a:p>
         </p:txBody>
@@ -26769,7 +27464,7 @@
               </a:spcAft>
             </a:pPr>
             <a:fld id="{D47A9B08-0F95-4E4C-ABCD-BDD69CBFE042}" type="slidenum">
-              <a:rPr lang="fr-CH" sz="2000">
+              <a:rPr lang="fr-CH" sz="2000" smtClean="0">
                 <a:solidFill>
                   <a:srgbClr val="FFFFFF"/>
                 </a:solidFill>
@@ -26787,7 +27482,7 @@
                   <a:srgbClr val="FFFFFF"/>
                 </a:solidFill>
               </a:rPr>
-              <a:t>/10</a:t>
+              <a:t>/11</a:t>
             </a:r>
           </a:p>
         </p:txBody>
@@ -27067,7 +27762,7 @@
             </a:fld>
             <a:r>
               <a:rPr lang="fr-CH" sz="2000" dirty="0"/>
-              <a:t>/10</a:t>
+              <a:t>/11</a:t>
             </a:r>
           </a:p>
         </p:txBody>
@@ -27437,7 +28132,7 @@
             </a:fld>
             <a:r>
               <a:rPr lang="fr-CH" sz="2000" dirty="0"/>
-              <a:t>/10</a:t>
+              <a:t>/11</a:t>
             </a:r>
           </a:p>
         </p:txBody>
@@ -28036,7 +28731,7 @@
                   <a:schemeClr val="tx1"/>
                 </a:solidFill>
               </a:rPr>
-              <a:t>/10</a:t>
+              <a:t>/11</a:t>
             </a:r>
           </a:p>
         </p:txBody>
@@ -28260,7 +28955,7 @@
             </a:fld>
             <a:r>
               <a:rPr lang="fr-CH" sz="2000" dirty="0"/>
-              <a:t>/10</a:t>
+              <a:t>/11</a:t>
             </a:r>
           </a:p>
         </p:txBody>
@@ -28540,7 +29235,7 @@
             </a:fld>
             <a:r>
               <a:rPr lang="fr-CH" sz="2000" dirty="0"/>
-              <a:t>/10</a:t>
+              <a:t>/11</a:t>
             </a:r>
           </a:p>
         </p:txBody>
@@ -28650,14 +29345,6 @@
 <file path=ppt/slides/slide9.xml><?xml version="1.0" encoding="utf-8"?>
 <p:sld xmlns:a="http://schemas.openxmlformats.org/drawingml/2006/main" xmlns:r="http://schemas.openxmlformats.org/officeDocument/2006/relationships" xmlns:p="http://schemas.openxmlformats.org/presentationml/2006/main">
   <p:cSld>
-    <p:bg>
-      <p:bgPr>
-        <a:solidFill>
-          <a:schemeClr val="bg1"/>
-        </a:solidFill>
-        <a:effectLst/>
-      </p:bgPr>
-    </p:bg>
     <p:spTree>
       <p:nvGrpSpPr>
         <p:cNvPr id="1" name=""/>
@@ -28672,72 +29359,12 @@
           <a:chExt cx="0" cy="0"/>
         </a:xfrm>
       </p:grpSpPr>
-      <p:sp useBgFill="1">
-        <p:nvSpPr>
-          <p:cNvPr id="12" name="Rectangle 11">
-            <a:extLst>
-              <a:ext uri="{FF2B5EF4-FFF2-40B4-BE49-F238E27FC236}">
-                <a16:creationId xmlns:a16="http://schemas.microsoft.com/office/drawing/2014/main" id="{9F4444CE-BC8D-4D61-B303-4C05614E62AB}"/>
-              </a:ext>
-              <a:ext uri="{C183D7F6-B498-43B3-948B-1728B52AA6E4}">
-                <adec:decorative xmlns:adec="http://schemas.microsoft.com/office/drawing/2017/decorative" val="1"/>
-              </a:ext>
-            </a:extLst>
-          </p:cNvPr>
-          <p:cNvSpPr>
-            <a:spLocks noGrp="1" noRot="1" noChangeAspect="1" noMove="1" noResize="1" noEditPoints="1" noAdjustHandles="1" noChangeArrowheads="1" noChangeShapeType="1" noTextEdit="1"/>
-          </p:cNvSpPr>
-          <p:nvPr>
-            <p:extLst>
-              <p:ext uri="{386F3935-93C4-4BCD-93E2-E3B085C9AB24}">
-                <p16:designElem xmlns:p16="http://schemas.microsoft.com/office/powerpoint/2015/main" val="1"/>
-              </p:ext>
-            </p:extLst>
-          </p:nvPr>
-        </p:nvSpPr>
-        <p:spPr>
-          <a:xfrm>
-            <a:off x="0" y="0"/>
-            <a:ext cx="12192000" cy="6858000"/>
-          </a:xfrm>
-          <a:prstGeom prst="rect">
-            <a:avLst/>
-          </a:prstGeom>
-          <a:ln>
-            <a:noFill/>
-          </a:ln>
-        </p:spPr>
-        <p:style>
-          <a:lnRef idx="2">
-            <a:schemeClr val="accent1">
-              <a:shade val="50000"/>
-            </a:schemeClr>
-          </a:lnRef>
-          <a:fillRef idx="1">
-            <a:schemeClr val="accent1"/>
-          </a:fillRef>
-          <a:effectRef idx="0">
-            <a:schemeClr val="accent1"/>
-          </a:effectRef>
-          <a:fontRef idx="minor">
-            <a:schemeClr val="lt1"/>
-          </a:fontRef>
-        </p:style>
-        <p:txBody>
-          <a:bodyPr rtlCol="0" anchor="ctr"/>
-          <a:lstStyle/>
-          <a:p>
-            <a:pPr algn="ctr"/>
-            <a:endParaRPr lang="en-US"/>
-          </a:p>
-        </p:txBody>
-      </p:sp>
       <p:sp>
         <p:nvSpPr>
           <p:cNvPr id="2" name="Titre 1">
             <a:extLst>
               <a:ext uri="{FF2B5EF4-FFF2-40B4-BE49-F238E27FC236}">
-                <a16:creationId xmlns:a16="http://schemas.microsoft.com/office/drawing/2014/main" id="{A07A48EC-D024-4A48-90A7-37A08AB1F68E}"/>
+                <a16:creationId xmlns:a16="http://schemas.microsoft.com/office/drawing/2014/main" id="{2404C3E4-1B0C-4954-A2AB-7A3459EC1876}"/>
               </a:ext>
             </a:extLst>
           </p:cNvPr>
@@ -28750,87 +29377,52 @@
         </p:nvSpPr>
         <p:spPr>
           <a:xfrm>
-            <a:off x="1286933" y="609600"/>
-            <a:ext cx="10197494" cy="1099457"/>
+            <a:off x="677334" y="609600"/>
+            <a:ext cx="8596668" cy="673100"/>
           </a:xfrm>
         </p:spPr>
         <p:txBody>
-          <a:bodyPr>
-            <a:normAutofit/>
-          </a:bodyPr>
+          <a:bodyPr/>
           <a:lstStyle/>
           <a:p>
             <a:r>
               <a:rPr lang="fr-CH" dirty="0"/>
-              <a:t>Conclusion</a:t>
+              <a:t>Bilan de planification Graphique</a:t>
             </a:r>
           </a:p>
         </p:txBody>
       </p:sp>
       <p:sp>
         <p:nvSpPr>
-          <p:cNvPr id="14" name="Isosceles Triangle 13">
+          <p:cNvPr id="3" name="Espace réservé du contenu 2">
             <a:extLst>
               <a:ext uri="{FF2B5EF4-FFF2-40B4-BE49-F238E27FC236}">
-                <a16:creationId xmlns:a16="http://schemas.microsoft.com/office/drawing/2014/main" id="{73772B81-181F-48B7-8826-4D9686D15DF5}"/>
-              </a:ext>
-              <a:ext uri="{C183D7F6-B498-43B3-948B-1728B52AA6E4}">
-                <adec:decorative xmlns:adec="http://schemas.microsoft.com/office/drawing/2017/decorative" val="1"/>
+                <a16:creationId xmlns:a16="http://schemas.microsoft.com/office/drawing/2014/main" id="{3C495F7A-31C4-42D3-8107-46C79468C3C1}"/>
               </a:ext>
             </a:extLst>
           </p:cNvPr>
           <p:cNvSpPr>
-            <a:spLocks noGrp="1" noRot="1" noChangeAspect="1" noMove="1" noResize="1" noEditPoints="1" noAdjustHandles="1" noChangeArrowheads="1" noChangeShapeType="1" noTextEdit="1"/>
+            <a:spLocks noGrp="1"/>
           </p:cNvSpPr>
           <p:nvPr>
-            <p:extLst>
-              <p:ext uri="{386F3935-93C4-4BCD-93E2-E3B085C9AB24}">
-                <p16:designElem xmlns:p16="http://schemas.microsoft.com/office/powerpoint/2015/main" val="1"/>
-              </p:ext>
-            </p:extLst>
+            <p:ph idx="1"/>
           </p:nvPr>
         </p:nvSpPr>
-        <p:spPr>
-          <a:xfrm rot="10800000">
-            <a:off x="0" y="0"/>
-            <a:ext cx="842596" cy="5666154"/>
-          </a:xfrm>
-          <a:prstGeom prst="triangle">
-            <a:avLst>
-              <a:gd name="adj" fmla="val 100000"/>
-            </a:avLst>
-          </a:prstGeom>
-          <a:solidFill>
-            <a:schemeClr val="accent1">
-              <a:alpha val="85000"/>
-            </a:schemeClr>
-          </a:solidFill>
-          <a:ln>
-            <a:noFill/>
-          </a:ln>
-          <a:effectLst/>
-        </p:spPr>
-        <p:style>
-          <a:lnRef idx="1">
-            <a:schemeClr val="accent1"/>
-          </a:lnRef>
-          <a:fillRef idx="3">
-            <a:schemeClr val="accent1"/>
-          </a:fillRef>
-          <a:effectRef idx="2">
-            <a:schemeClr val="accent1"/>
-          </a:effectRef>
-          <a:fontRef idx="minor">
-            <a:schemeClr val="lt1"/>
-          </a:fontRef>
-        </p:style>
+        <p:spPr/>
+        <p:txBody>
+          <a:bodyPr/>
+          <a:lstStyle/>
+          <a:p>
+            <a:endParaRPr lang="fr-CH"/>
+          </a:p>
+        </p:txBody>
       </p:sp>
       <p:sp>
         <p:nvSpPr>
           <p:cNvPr id="4" name="Espace réservé du pied de page 3">
             <a:extLst>
               <a:ext uri="{FF2B5EF4-FFF2-40B4-BE49-F238E27FC236}">
-                <a16:creationId xmlns:a16="http://schemas.microsoft.com/office/drawing/2014/main" id="{33676F19-8AD5-439D-9A9C-32AA913729E9}"/>
+                <a16:creationId xmlns:a16="http://schemas.microsoft.com/office/drawing/2014/main" id="{C3763819-F3E9-4653-8425-5C8724D3C692}"/>
               </a:ext>
             </a:extLst>
           </p:cNvPr>
@@ -28841,23 +29433,11 @@
             <p:ph type="ftr" sz="quarter" idx="11"/>
           </p:nvPr>
         </p:nvSpPr>
-        <p:spPr>
-          <a:xfrm>
-            <a:off x="1981203" y="6182876"/>
-            <a:ext cx="6297612" cy="365125"/>
-          </a:xfrm>
-        </p:spPr>
+        <p:spPr/>
         <p:txBody>
-          <a:bodyPr>
-            <a:normAutofit/>
-          </a:bodyPr>
+          <a:bodyPr/>
           <a:lstStyle/>
           <a:p>
-            <a:pPr>
-              <a:spcAft>
-                <a:spcPts val="600"/>
-              </a:spcAft>
-            </a:pPr>
             <a:r>
               <a:rPr lang="fr-CH"/>
               <a:t>Gestion des membres d'un club d'échecs par Dorian Capelli</a:t>
@@ -28870,7 +29450,7 @@
           <p:cNvPr id="5" name="Espace réservé du numéro de diapositive 4">
             <a:extLst>
               <a:ext uri="{FF2B5EF4-FFF2-40B4-BE49-F238E27FC236}">
-                <a16:creationId xmlns:a16="http://schemas.microsoft.com/office/drawing/2014/main" id="{6C48046C-8D37-4DC2-9793-FBCF6BE57AAB}"/>
+                <a16:creationId xmlns:a16="http://schemas.microsoft.com/office/drawing/2014/main" id="{FE65E1CD-C5FB-45E6-9AF9-72BFA468CF07}"/>
               </a:ext>
             </a:extLst>
           </p:cNvPr>
@@ -28883,130 +29463,29 @@
         </p:nvSpPr>
         <p:spPr>
           <a:xfrm>
-            <a:off x="9869127" y="6248400"/>
-            <a:ext cx="862373" cy="365125"/>
+            <a:off x="8458201" y="6041362"/>
+            <a:ext cx="815802" cy="365125"/>
           </a:xfrm>
         </p:spPr>
         <p:txBody>
-          <a:bodyPr>
-            <a:noAutofit/>
-          </a:bodyPr>
+          <a:bodyPr/>
           <a:lstStyle/>
           <a:p>
-            <a:pPr>
-              <a:spcAft>
-                <a:spcPts val="600"/>
-              </a:spcAft>
-            </a:pPr>
             <a:fld id="{D47A9B08-0F95-4E4C-ABCD-BDD69CBFE042}" type="slidenum">
               <a:rPr lang="fr-CH" sz="2000" smtClean="0"/>
-              <a:pPr>
-                <a:spcAft>
-                  <a:spcPts val="600"/>
-                </a:spcAft>
-              </a:pPr>
               <a:t>9</a:t>
             </a:fld>
             <a:r>
               <a:rPr lang="fr-CH" sz="2000" dirty="0"/>
-              <a:t>/10</a:t>
+              <a:t>/11</a:t>
             </a:r>
           </a:p>
         </p:txBody>
       </p:sp>
-      <p:sp>
-        <p:nvSpPr>
-          <p:cNvPr id="16" name="Isosceles Triangle 15">
-            <a:extLst>
-              <a:ext uri="{FF2B5EF4-FFF2-40B4-BE49-F238E27FC236}">
-                <a16:creationId xmlns:a16="http://schemas.microsoft.com/office/drawing/2014/main" id="{B2205F6E-03C6-4E92-877C-E2482F6599AA}"/>
-              </a:ext>
-              <a:ext uri="{C183D7F6-B498-43B3-948B-1728B52AA6E4}">
-                <adec:decorative xmlns:adec="http://schemas.microsoft.com/office/drawing/2017/decorative" val="1"/>
-              </a:ext>
-            </a:extLst>
-          </p:cNvPr>
-          <p:cNvSpPr>
-            <a:spLocks noGrp="1" noRot="1" noChangeAspect="1" noMove="1" noResize="1" noEditPoints="1" noAdjustHandles="1" noChangeArrowheads="1" noChangeShapeType="1" noTextEdit="1"/>
-          </p:cNvSpPr>
-          <p:nvPr>
-            <p:extLst>
-              <p:ext uri="{386F3935-93C4-4BCD-93E2-E3B085C9AB24}">
-                <p16:designElem xmlns:p16="http://schemas.microsoft.com/office/powerpoint/2015/main" val="1"/>
-              </p:ext>
-            </p:extLst>
-          </p:nvPr>
-        </p:nvSpPr>
-        <p:spPr>
-          <a:xfrm flipH="1">
-            <a:off x="11743267" y="4013200"/>
-            <a:ext cx="448733" cy="2844800"/>
-          </a:xfrm>
-          <a:prstGeom prst="triangle">
-            <a:avLst>
-              <a:gd name="adj" fmla="val 0"/>
-            </a:avLst>
-          </a:prstGeom>
-          <a:solidFill>
-            <a:schemeClr val="accent1">
-              <a:alpha val="85000"/>
-            </a:schemeClr>
-          </a:solidFill>
-          <a:ln>
-            <a:noFill/>
-          </a:ln>
-          <a:effectLst/>
-        </p:spPr>
-        <p:style>
-          <a:lnRef idx="1">
-            <a:schemeClr val="accent1"/>
-          </a:lnRef>
-          <a:fillRef idx="3">
-            <a:schemeClr val="accent1"/>
-          </a:fillRef>
-          <a:effectRef idx="2">
-            <a:schemeClr val="accent1"/>
-          </a:effectRef>
-          <a:fontRef idx="minor">
-            <a:schemeClr val="lt1"/>
-          </a:fontRef>
-        </p:style>
-      </p:sp>
-      <p:graphicFrame>
-        <p:nvGraphicFramePr>
-          <p:cNvPr id="8" name="Espace réservé du contenu 5">
-            <a:extLst>
-              <a:ext uri="{FF2B5EF4-FFF2-40B4-BE49-F238E27FC236}">
-                <a16:creationId xmlns:a16="http://schemas.microsoft.com/office/drawing/2014/main" id="{189E567F-18B8-5B82-3FA6-9D3217B0D615}"/>
-              </a:ext>
-            </a:extLst>
-          </p:cNvPr>
-          <p:cNvGraphicFramePr>
-            <a:graphicFrameLocks noGrp="1"/>
-          </p:cNvGraphicFramePr>
-          <p:nvPr>
-            <p:ph idx="1"/>
-            <p:extLst>
-              <p:ext uri="{D42A27DB-BD31-4B8C-83A1-F6EECF244321}">
-                <p14:modId xmlns:p14="http://schemas.microsoft.com/office/powerpoint/2010/main" val="3761227977"/>
-              </p:ext>
-            </p:extLst>
-          </p:nvPr>
-        </p:nvGraphicFramePr>
-        <p:xfrm>
-          <a:off x="1286933" y="1948543"/>
-          <a:ext cx="9618133" cy="4093482"/>
-        </p:xfrm>
-        <a:graphic>
-          <a:graphicData uri="http://schemas.openxmlformats.org/drawingml/2006/diagram">
-            <dgm:relIds xmlns:dgm="http://schemas.openxmlformats.org/drawingml/2006/diagram" xmlns:r="http://schemas.openxmlformats.org/officeDocument/2006/relationships" r:dm="rId3" r:lo="rId4" r:qs="rId5" r:cs="rId6"/>
-          </a:graphicData>
-        </a:graphic>
-      </p:graphicFrame>
     </p:spTree>
     <p:extLst>
       <p:ext uri="{BB962C8B-B14F-4D97-AF65-F5344CB8AC3E}">
-        <p14:creationId xmlns:p14="http://schemas.microsoft.com/office/powerpoint/2010/main" val="1343722433"/>
+        <p14:creationId xmlns:p14="http://schemas.microsoft.com/office/powerpoint/2010/main" val="395059471"/>
       </p:ext>
     </p:extLst>
   </p:cSld>

--- a/4-Presentation/P-dorcapelli-gestion-des membres-d'un-club-echec.pptx
+++ b/4-Presentation/P-dorcapelli-gestion-des membres-d'un-club-echec.pptx
@@ -123,6 +123,1057 @@
     </p:ext>
   </p:extLst>
 </p:presentation>
+</file>
+
+<file path=ppt/charts/chart1.xml><?xml version="1.0" encoding="utf-8"?>
+<c:chartSpace xmlns:c="http://schemas.openxmlformats.org/drawingml/2006/chart" xmlns:a="http://schemas.openxmlformats.org/drawingml/2006/main" xmlns:r="http://schemas.openxmlformats.org/officeDocument/2006/relationships" xmlns:c16r2="http://schemas.microsoft.com/office/drawing/2015/06/chart">
+  <c:date1904 val="0"/>
+  <c:lang val="fr-FR"/>
+  <c:roundedCorners val="0"/>
+  <mc:AlternateContent xmlns:mc="http://schemas.openxmlformats.org/markup-compatibility/2006">
+    <mc:Choice xmlns:c14="http://schemas.microsoft.com/office/drawing/2007/8/2/chart" Requires="c14">
+      <c14:style val="102"/>
+    </mc:Choice>
+    <mc:Fallback>
+      <c:style val="2"/>
+    </mc:Fallback>
+  </mc:AlternateContent>
+  <c:chart>
+    <c:autoTitleDeleted val="1"/>
+    <c:plotArea>
+      <c:layout/>
+      <c:barChart>
+        <c:barDir val="col"/>
+        <c:grouping val="clustered"/>
+        <c:varyColors val="0"/>
+        <c:ser>
+          <c:idx val="0"/>
+          <c:order val="0"/>
+          <c:tx>
+            <c:strRef>
+              <c:f>Feuil1!$B$1</c:f>
+              <c:strCache>
+                <c:ptCount val="1"/>
+                <c:pt idx="0">
+                  <c:v>Planification</c:v>
+                </c:pt>
+              </c:strCache>
+            </c:strRef>
+          </c:tx>
+          <c:spPr>
+            <a:solidFill>
+              <a:schemeClr val="accent1"/>
+            </a:solidFill>
+            <a:ln>
+              <a:noFill/>
+            </a:ln>
+            <a:effectLst/>
+          </c:spPr>
+          <c:invertIfNegative val="0"/>
+          <c:cat>
+            <c:strRef>
+              <c:f>Feuil1!$A$2:$A$12</c:f>
+              <c:strCache>
+                <c:ptCount val="11"/>
+                <c:pt idx="0">
+                  <c:v>Absence - Imprévus</c:v>
+                </c:pt>
+                <c:pt idx="1">
+                  <c:v> JNLTRAV</c:v>
+                </c:pt>
+                <c:pt idx="2">
+                  <c:v>Rapport</c:v>
+                </c:pt>
+                <c:pt idx="3">
+                  <c:v>Présentation</c:v>
+                </c:pt>
+                <c:pt idx="4">
+                  <c:v>INFORMER</c:v>
+                </c:pt>
+                <c:pt idx="5">
+                  <c:v>PLANIFIER</c:v>
+                </c:pt>
+                <c:pt idx="6">
+                  <c:v>DECIDER</c:v>
+                </c:pt>
+                <c:pt idx="7">
+                  <c:v>REALISER </c:v>
+                </c:pt>
+                <c:pt idx="8">
+                  <c:v>TESTER</c:v>
+                </c:pt>
+                <c:pt idx="9">
+                  <c:v>EVALUER</c:v>
+                </c:pt>
+                <c:pt idx="10">
+                  <c:v>Autre</c:v>
+                </c:pt>
+              </c:strCache>
+            </c:strRef>
+          </c:cat>
+          <c:val>
+            <c:numRef>
+              <c:f>Feuil1!$B$2:$B$12</c:f>
+              <c:numCache>
+                <c:formatCode>General</c:formatCode>
+                <c:ptCount val="11"/>
+                <c:pt idx="0">
+                  <c:v>3.5</c:v>
+                </c:pt>
+                <c:pt idx="1">
+                  <c:v>14.75</c:v>
+                </c:pt>
+                <c:pt idx="2">
+                  <c:v>22.75</c:v>
+                </c:pt>
+                <c:pt idx="3">
+                  <c:v>4.5</c:v>
+                </c:pt>
+                <c:pt idx="4">
+                  <c:v>1.75</c:v>
+                </c:pt>
+                <c:pt idx="5">
+                  <c:v>2</c:v>
+                </c:pt>
+                <c:pt idx="6">
+                  <c:v>0</c:v>
+                </c:pt>
+                <c:pt idx="7">
+                  <c:v>29.75</c:v>
+                </c:pt>
+                <c:pt idx="8">
+                  <c:v>17.5</c:v>
+                </c:pt>
+                <c:pt idx="9">
+                  <c:v>2</c:v>
+                </c:pt>
+                <c:pt idx="10">
+                  <c:v>81.5</c:v>
+                </c:pt>
+              </c:numCache>
+            </c:numRef>
+          </c:val>
+          <c:extLst>
+            <c:ext xmlns:c16="http://schemas.microsoft.com/office/drawing/2014/chart" uri="{C3380CC4-5D6E-409C-BE32-E72D297353CC}">
+              <c16:uniqueId val="{00000000-EAF8-4AC2-872D-2C087F63D383}"/>
+            </c:ext>
+          </c:extLst>
+        </c:ser>
+        <c:ser>
+          <c:idx val="1"/>
+          <c:order val="1"/>
+          <c:tx>
+            <c:strRef>
+              <c:f>Feuil1!$C$1</c:f>
+              <c:strCache>
+                <c:ptCount val="1"/>
+                <c:pt idx="0">
+                  <c:v>JNLTRAV</c:v>
+                </c:pt>
+              </c:strCache>
+            </c:strRef>
+          </c:tx>
+          <c:spPr>
+            <a:solidFill>
+              <a:schemeClr val="accent2"/>
+            </a:solidFill>
+            <a:ln>
+              <a:noFill/>
+            </a:ln>
+            <a:effectLst/>
+          </c:spPr>
+          <c:invertIfNegative val="0"/>
+          <c:cat>
+            <c:strRef>
+              <c:f>Feuil1!$A$2:$A$12</c:f>
+              <c:strCache>
+                <c:ptCount val="11"/>
+                <c:pt idx="0">
+                  <c:v>Absence - Imprévus</c:v>
+                </c:pt>
+                <c:pt idx="1">
+                  <c:v> JNLTRAV</c:v>
+                </c:pt>
+                <c:pt idx="2">
+                  <c:v>Rapport</c:v>
+                </c:pt>
+                <c:pt idx="3">
+                  <c:v>Présentation</c:v>
+                </c:pt>
+                <c:pt idx="4">
+                  <c:v>INFORMER</c:v>
+                </c:pt>
+                <c:pt idx="5">
+                  <c:v>PLANIFIER</c:v>
+                </c:pt>
+                <c:pt idx="6">
+                  <c:v>DECIDER</c:v>
+                </c:pt>
+                <c:pt idx="7">
+                  <c:v>REALISER </c:v>
+                </c:pt>
+                <c:pt idx="8">
+                  <c:v>TESTER</c:v>
+                </c:pt>
+                <c:pt idx="9">
+                  <c:v>EVALUER</c:v>
+                </c:pt>
+                <c:pt idx="10">
+                  <c:v>Autre</c:v>
+                </c:pt>
+              </c:strCache>
+            </c:strRef>
+          </c:cat>
+          <c:val>
+            <c:numRef>
+              <c:f>Feuil1!$C$2:$C$12</c:f>
+              <c:numCache>
+                <c:formatCode>General</c:formatCode>
+                <c:ptCount val="11"/>
+                <c:pt idx="0">
+                  <c:v>51</c:v>
+                </c:pt>
+                <c:pt idx="1">
+                  <c:v>6.25</c:v>
+                </c:pt>
+                <c:pt idx="2">
+                  <c:v>40.75</c:v>
+                </c:pt>
+                <c:pt idx="3">
+                  <c:v>4.5</c:v>
+                </c:pt>
+                <c:pt idx="4">
+                  <c:v>1.75</c:v>
+                </c:pt>
+                <c:pt idx="5">
+                  <c:v>2</c:v>
+                </c:pt>
+                <c:pt idx="6">
+                  <c:v>0</c:v>
+                </c:pt>
+                <c:pt idx="7">
+                  <c:v>24.25</c:v>
+                </c:pt>
+                <c:pt idx="8">
+                  <c:v>5.75</c:v>
+                </c:pt>
+                <c:pt idx="9">
+                  <c:v>1.25</c:v>
+                </c:pt>
+                <c:pt idx="10">
+                  <c:v>41.75</c:v>
+                </c:pt>
+              </c:numCache>
+            </c:numRef>
+          </c:val>
+          <c:extLst>
+            <c:ext xmlns:c16="http://schemas.microsoft.com/office/drawing/2014/chart" uri="{C3380CC4-5D6E-409C-BE32-E72D297353CC}">
+              <c16:uniqueId val="{00000001-EAF8-4AC2-872D-2C087F63D383}"/>
+            </c:ext>
+          </c:extLst>
+        </c:ser>
+        <c:dLbls>
+          <c:showLegendKey val="0"/>
+          <c:showVal val="0"/>
+          <c:showCatName val="0"/>
+          <c:showSerName val="0"/>
+          <c:showPercent val="0"/>
+          <c:showBubbleSize val="0"/>
+        </c:dLbls>
+        <c:gapWidth val="219"/>
+        <c:overlap val="-27"/>
+        <c:axId val="761269264"/>
+        <c:axId val="994424352"/>
+      </c:barChart>
+      <c:catAx>
+        <c:axId val="761269264"/>
+        <c:scaling>
+          <c:orientation val="minMax"/>
+        </c:scaling>
+        <c:delete val="0"/>
+        <c:axPos val="b"/>
+        <c:numFmt formatCode="General" sourceLinked="1"/>
+        <c:majorTickMark val="none"/>
+        <c:minorTickMark val="none"/>
+        <c:tickLblPos val="nextTo"/>
+        <c:spPr>
+          <a:noFill/>
+          <a:ln w="9525" cap="flat" cmpd="sng" algn="ctr">
+            <a:solidFill>
+              <a:schemeClr val="tx1">
+                <a:lumMod val="15000"/>
+                <a:lumOff val="85000"/>
+              </a:schemeClr>
+            </a:solidFill>
+            <a:round/>
+          </a:ln>
+          <a:effectLst/>
+        </c:spPr>
+        <c:txPr>
+          <a:bodyPr rot="-60000000" spcFirstLastPara="1" vertOverflow="ellipsis" vert="horz" wrap="square" anchor="ctr" anchorCtr="1"/>
+          <a:lstStyle/>
+          <a:p>
+            <a:pPr>
+              <a:defRPr sz="1197" b="0" i="0" u="none" strike="noStrike" kern="1200" baseline="0">
+                <a:solidFill>
+                  <a:schemeClr val="tx1">
+                    <a:lumMod val="65000"/>
+                    <a:lumOff val="35000"/>
+                  </a:schemeClr>
+                </a:solidFill>
+                <a:latin typeface="+mn-lt"/>
+                <a:ea typeface="+mn-ea"/>
+                <a:cs typeface="+mn-cs"/>
+              </a:defRPr>
+            </a:pPr>
+            <a:endParaRPr lang="fr-FR"/>
+          </a:p>
+        </c:txPr>
+        <c:crossAx val="994424352"/>
+        <c:crosses val="autoZero"/>
+        <c:auto val="1"/>
+        <c:lblAlgn val="ctr"/>
+        <c:lblOffset val="100"/>
+        <c:noMultiLvlLbl val="0"/>
+      </c:catAx>
+      <c:valAx>
+        <c:axId val="994424352"/>
+        <c:scaling>
+          <c:orientation val="minMax"/>
+        </c:scaling>
+        <c:delete val="0"/>
+        <c:axPos val="l"/>
+        <c:majorGridlines>
+          <c:spPr>
+            <a:ln w="9525" cap="flat" cmpd="sng" algn="ctr">
+              <a:solidFill>
+                <a:schemeClr val="tx1">
+                  <a:lumMod val="15000"/>
+                  <a:lumOff val="85000"/>
+                </a:schemeClr>
+              </a:solidFill>
+              <a:round/>
+            </a:ln>
+            <a:effectLst/>
+          </c:spPr>
+        </c:majorGridlines>
+        <c:title>
+          <c:tx>
+            <c:rich>
+              <a:bodyPr rot="-5400000" spcFirstLastPara="1" vertOverflow="ellipsis" vert="horz" wrap="square" anchor="ctr" anchorCtr="1"/>
+              <a:lstStyle/>
+              <a:p>
+                <a:pPr>
+                  <a:defRPr sz="1330" b="0" i="0" u="none" strike="noStrike" kern="1200" baseline="0">
+                    <a:solidFill>
+                      <a:schemeClr val="tx1">
+                        <a:lumMod val="65000"/>
+                        <a:lumOff val="35000"/>
+                      </a:schemeClr>
+                    </a:solidFill>
+                    <a:latin typeface="+mn-lt"/>
+                    <a:ea typeface="+mn-ea"/>
+                    <a:cs typeface="+mn-cs"/>
+                  </a:defRPr>
+                </a:pPr>
+                <a:r>
+                  <a:rPr lang="fr-CH" dirty="0"/>
+                  <a:t>Temps</a:t>
+                </a:r>
+                <a:r>
+                  <a:rPr lang="fr-CH" baseline="0" dirty="0"/>
+                  <a:t> en heures</a:t>
+                </a:r>
+                <a:endParaRPr lang="fr-CH" dirty="0"/>
+              </a:p>
+            </c:rich>
+          </c:tx>
+          <c:layout>
+            <c:manualLayout>
+              <c:xMode val="edge"/>
+              <c:yMode val="edge"/>
+              <c:x val="1.0341217125195149E-2"/>
+              <c:y val="0.24196667482817119"/>
+            </c:manualLayout>
+          </c:layout>
+          <c:overlay val="0"/>
+          <c:spPr>
+            <a:noFill/>
+            <a:ln>
+              <a:noFill/>
+            </a:ln>
+            <a:effectLst/>
+          </c:spPr>
+          <c:txPr>
+            <a:bodyPr rot="-5400000" spcFirstLastPara="1" vertOverflow="ellipsis" vert="horz" wrap="square" anchor="ctr" anchorCtr="1"/>
+            <a:lstStyle/>
+            <a:p>
+              <a:pPr>
+                <a:defRPr sz="1330" b="0" i="0" u="none" strike="noStrike" kern="1200" baseline="0">
+                  <a:solidFill>
+                    <a:schemeClr val="tx1">
+                      <a:lumMod val="65000"/>
+                      <a:lumOff val="35000"/>
+                    </a:schemeClr>
+                  </a:solidFill>
+                  <a:latin typeface="+mn-lt"/>
+                  <a:ea typeface="+mn-ea"/>
+                  <a:cs typeface="+mn-cs"/>
+                </a:defRPr>
+              </a:pPr>
+              <a:endParaRPr lang="fr-FR"/>
+            </a:p>
+          </c:txPr>
+        </c:title>
+        <c:numFmt formatCode="General" sourceLinked="1"/>
+        <c:majorTickMark val="none"/>
+        <c:minorTickMark val="none"/>
+        <c:tickLblPos val="nextTo"/>
+        <c:spPr>
+          <a:noFill/>
+          <a:ln>
+            <a:noFill/>
+          </a:ln>
+          <a:effectLst/>
+        </c:spPr>
+        <c:txPr>
+          <a:bodyPr rot="-60000000" spcFirstLastPara="1" vertOverflow="ellipsis" vert="horz" wrap="square" anchor="ctr" anchorCtr="1"/>
+          <a:lstStyle/>
+          <a:p>
+            <a:pPr>
+              <a:defRPr sz="1197" b="0" i="0" u="none" strike="noStrike" kern="1200" baseline="0">
+                <a:solidFill>
+                  <a:schemeClr val="tx1">
+                    <a:lumMod val="65000"/>
+                    <a:lumOff val="35000"/>
+                  </a:schemeClr>
+                </a:solidFill>
+                <a:latin typeface="+mn-lt"/>
+                <a:ea typeface="+mn-ea"/>
+                <a:cs typeface="+mn-cs"/>
+              </a:defRPr>
+            </a:pPr>
+            <a:endParaRPr lang="fr-FR"/>
+          </a:p>
+        </c:txPr>
+        <c:crossAx val="761269264"/>
+        <c:crosses val="autoZero"/>
+        <c:crossBetween val="between"/>
+      </c:valAx>
+      <c:spPr>
+        <a:noFill/>
+        <a:ln>
+          <a:noFill/>
+        </a:ln>
+        <a:effectLst/>
+      </c:spPr>
+    </c:plotArea>
+    <c:legend>
+      <c:legendPos val="b"/>
+      <c:overlay val="0"/>
+      <c:spPr>
+        <a:noFill/>
+        <a:ln>
+          <a:noFill/>
+        </a:ln>
+        <a:effectLst/>
+      </c:spPr>
+      <c:txPr>
+        <a:bodyPr rot="0" spcFirstLastPara="1" vertOverflow="ellipsis" vert="horz" wrap="square" anchor="ctr" anchorCtr="1"/>
+        <a:lstStyle/>
+        <a:p>
+          <a:pPr>
+            <a:defRPr sz="1197" b="0" i="0" u="none" strike="noStrike" kern="1200" baseline="0">
+              <a:solidFill>
+                <a:schemeClr val="tx1">
+                  <a:lumMod val="65000"/>
+                  <a:lumOff val="35000"/>
+                </a:schemeClr>
+              </a:solidFill>
+              <a:latin typeface="+mn-lt"/>
+              <a:ea typeface="+mn-ea"/>
+              <a:cs typeface="+mn-cs"/>
+            </a:defRPr>
+          </a:pPr>
+          <a:endParaRPr lang="fr-FR"/>
+        </a:p>
+      </c:txPr>
+    </c:legend>
+    <c:plotVisOnly val="1"/>
+    <c:dispBlanksAs val="gap"/>
+    <c:extLst>
+      <c:ext xmlns:c16r3="http://schemas.microsoft.com/office/drawing/2017/03/chart" uri="{56B9EC1D-385E-4148-901F-78D8002777C0}">
+        <c16r3:dataDisplayOptions16>
+          <c16r3:dispNaAsBlank val="1"/>
+        </c16r3:dataDisplayOptions16>
+      </c:ext>
+    </c:extLst>
+    <c:showDLblsOverMax val="0"/>
+  </c:chart>
+  <c:spPr>
+    <a:noFill/>
+    <a:ln>
+      <a:noFill/>
+    </a:ln>
+    <a:effectLst/>
+  </c:spPr>
+  <c:txPr>
+    <a:bodyPr/>
+    <a:lstStyle/>
+    <a:p>
+      <a:pPr>
+        <a:defRPr/>
+      </a:pPr>
+      <a:endParaRPr lang="fr-FR"/>
+    </a:p>
+  </c:txPr>
+  <c:externalData r:id="rId3">
+    <c:autoUpdate val="0"/>
+  </c:externalData>
+</c:chartSpace>
+</file>
+
+<file path=ppt/charts/colors1.xml><?xml version="1.0" encoding="utf-8"?>
+<cs:colorStyle xmlns:cs="http://schemas.microsoft.com/office/drawing/2012/chartStyle" xmlns:a="http://schemas.openxmlformats.org/drawingml/2006/main" meth="cycle" id="10">
+  <a:schemeClr val="accent1"/>
+  <a:schemeClr val="accent2"/>
+  <a:schemeClr val="accent3"/>
+  <a:schemeClr val="accent4"/>
+  <a:schemeClr val="accent5"/>
+  <a:schemeClr val="accent6"/>
+  <cs:variation/>
+  <cs:variation>
+    <a:lumMod val="60000"/>
+  </cs:variation>
+  <cs:variation>
+    <a:lumMod val="80000"/>
+    <a:lumOff val="20000"/>
+  </cs:variation>
+  <cs:variation>
+    <a:lumMod val="80000"/>
+  </cs:variation>
+  <cs:variation>
+    <a:lumMod val="60000"/>
+    <a:lumOff val="40000"/>
+  </cs:variation>
+  <cs:variation>
+    <a:lumMod val="50000"/>
+  </cs:variation>
+  <cs:variation>
+    <a:lumMod val="70000"/>
+    <a:lumOff val="30000"/>
+  </cs:variation>
+  <cs:variation>
+    <a:lumMod val="70000"/>
+  </cs:variation>
+  <cs:variation>
+    <a:lumMod val="50000"/>
+    <a:lumOff val="50000"/>
+  </cs:variation>
+</cs:colorStyle>
+</file>
+
+<file path=ppt/charts/style1.xml><?xml version="1.0" encoding="utf-8"?>
+<cs:chartStyle xmlns:cs="http://schemas.microsoft.com/office/drawing/2012/chartStyle" xmlns:a="http://schemas.openxmlformats.org/drawingml/2006/main" id="201">
+  <cs:axisTitle>
+    <cs:lnRef idx="0"/>
+    <cs:fillRef idx="0"/>
+    <cs:effectRef idx="0"/>
+    <cs:fontRef idx="minor">
+      <a:schemeClr val="tx1">
+        <a:lumMod val="65000"/>
+        <a:lumOff val="35000"/>
+      </a:schemeClr>
+    </cs:fontRef>
+    <cs:defRPr sz="1330" kern="1200"/>
+  </cs:axisTitle>
+  <cs:categoryAxis>
+    <cs:lnRef idx="0"/>
+    <cs:fillRef idx="0"/>
+    <cs:effectRef idx="0"/>
+    <cs:fontRef idx="minor">
+      <a:schemeClr val="tx1">
+        <a:lumMod val="65000"/>
+        <a:lumOff val="35000"/>
+      </a:schemeClr>
+    </cs:fontRef>
+    <cs:spPr>
+      <a:ln w="9525" cap="flat" cmpd="sng" algn="ctr">
+        <a:solidFill>
+          <a:schemeClr val="tx1">
+            <a:lumMod val="15000"/>
+            <a:lumOff val="85000"/>
+          </a:schemeClr>
+        </a:solidFill>
+        <a:round/>
+      </a:ln>
+    </cs:spPr>
+    <cs:defRPr sz="1197" kern="1200"/>
+  </cs:categoryAxis>
+  <cs:chartArea mods="allowNoFillOverride allowNoLineOverride">
+    <cs:lnRef idx="0"/>
+    <cs:fillRef idx="0"/>
+    <cs:effectRef idx="0"/>
+    <cs:fontRef idx="minor">
+      <a:schemeClr val="tx1"/>
+    </cs:fontRef>
+    <cs:spPr>
+      <a:solidFill>
+        <a:schemeClr val="bg1"/>
+      </a:solidFill>
+      <a:ln w="9525" cap="flat" cmpd="sng" algn="ctr">
+        <a:solidFill>
+          <a:schemeClr val="tx1">
+            <a:lumMod val="15000"/>
+            <a:lumOff val="85000"/>
+          </a:schemeClr>
+        </a:solidFill>
+        <a:round/>
+      </a:ln>
+    </cs:spPr>
+    <cs:defRPr sz="1330" kern="1200"/>
+  </cs:chartArea>
+  <cs:dataLabel>
+    <cs:lnRef idx="0"/>
+    <cs:fillRef idx="0"/>
+    <cs:effectRef idx="0"/>
+    <cs:fontRef idx="minor">
+      <a:schemeClr val="tx1">
+        <a:lumMod val="75000"/>
+        <a:lumOff val="25000"/>
+      </a:schemeClr>
+    </cs:fontRef>
+    <cs:defRPr sz="1197" kern="1200"/>
+  </cs:dataLabel>
+  <cs:dataLabelCallout>
+    <cs:lnRef idx="0"/>
+    <cs:fillRef idx="0"/>
+    <cs:effectRef idx="0"/>
+    <cs:fontRef idx="minor">
+      <a:schemeClr val="dk1">
+        <a:lumMod val="65000"/>
+        <a:lumOff val="35000"/>
+      </a:schemeClr>
+    </cs:fontRef>
+    <cs:spPr>
+      <a:solidFill>
+        <a:schemeClr val="lt1"/>
+      </a:solidFill>
+      <a:ln>
+        <a:solidFill>
+          <a:schemeClr val="dk1">
+            <a:lumMod val="25000"/>
+            <a:lumOff val="75000"/>
+          </a:schemeClr>
+        </a:solidFill>
+      </a:ln>
+    </cs:spPr>
+    <cs:defRPr sz="1197" kern="1200"/>
+    <cs:bodyPr rot="0" spcFirstLastPara="1" vertOverflow="clip" horzOverflow="clip" vert="horz" wrap="square" lIns="36576" tIns="18288" rIns="36576" bIns="18288" anchor="ctr" anchorCtr="1">
+      <a:spAutoFit/>
+    </cs:bodyPr>
+  </cs:dataLabelCallout>
+  <cs:dataPoint>
+    <cs:lnRef idx="0"/>
+    <cs:fillRef idx="1">
+      <cs:styleClr val="auto"/>
+    </cs:fillRef>
+    <cs:effectRef idx="0"/>
+    <cs:fontRef idx="minor">
+      <a:schemeClr val="tx1"/>
+    </cs:fontRef>
+  </cs:dataPoint>
+  <cs:dataPoint3D>
+    <cs:lnRef idx="0"/>
+    <cs:fillRef idx="1">
+      <cs:styleClr val="auto"/>
+    </cs:fillRef>
+    <cs:effectRef idx="0"/>
+    <cs:fontRef idx="minor">
+      <a:schemeClr val="tx1"/>
+    </cs:fontRef>
+  </cs:dataPoint3D>
+  <cs:dataPointLine>
+    <cs:lnRef idx="0">
+      <cs:styleClr val="auto"/>
+    </cs:lnRef>
+    <cs:fillRef idx="1"/>
+    <cs:effectRef idx="0"/>
+    <cs:fontRef idx="minor">
+      <a:schemeClr val="tx1"/>
+    </cs:fontRef>
+    <cs:spPr>
+      <a:ln w="28575" cap="rnd">
+        <a:solidFill>
+          <a:schemeClr val="phClr"/>
+        </a:solidFill>
+        <a:round/>
+      </a:ln>
+    </cs:spPr>
+  </cs:dataPointLine>
+  <cs:dataPointMarker>
+    <cs:lnRef idx="0">
+      <cs:styleClr val="auto"/>
+    </cs:lnRef>
+    <cs:fillRef idx="1">
+      <cs:styleClr val="auto"/>
+    </cs:fillRef>
+    <cs:effectRef idx="0"/>
+    <cs:fontRef idx="minor">
+      <a:schemeClr val="tx1"/>
+    </cs:fontRef>
+    <cs:spPr>
+      <a:ln w="9525">
+        <a:solidFill>
+          <a:schemeClr val="phClr"/>
+        </a:solidFill>
+      </a:ln>
+    </cs:spPr>
+  </cs:dataPointMarker>
+  <cs:dataPointMarkerLayout symbol="circle" size="5"/>
+  <cs:dataPointWireframe>
+    <cs:lnRef idx="0">
+      <cs:styleClr val="auto"/>
+    </cs:lnRef>
+    <cs:fillRef idx="1"/>
+    <cs:effectRef idx="0"/>
+    <cs:fontRef idx="minor">
+      <a:schemeClr val="tx1"/>
+    </cs:fontRef>
+    <cs:spPr>
+      <a:ln w="9525" cap="rnd">
+        <a:solidFill>
+          <a:schemeClr val="phClr"/>
+        </a:solidFill>
+        <a:round/>
+      </a:ln>
+    </cs:spPr>
+  </cs:dataPointWireframe>
+  <cs:dataTable>
+    <cs:lnRef idx="0"/>
+    <cs:fillRef idx="0"/>
+    <cs:effectRef idx="0"/>
+    <cs:fontRef idx="minor">
+      <a:schemeClr val="tx1">
+        <a:lumMod val="65000"/>
+        <a:lumOff val="35000"/>
+      </a:schemeClr>
+    </cs:fontRef>
+    <cs:spPr>
+      <a:noFill/>
+      <a:ln w="9525" cap="flat" cmpd="sng" algn="ctr">
+        <a:solidFill>
+          <a:schemeClr val="tx1">
+            <a:lumMod val="15000"/>
+            <a:lumOff val="85000"/>
+          </a:schemeClr>
+        </a:solidFill>
+        <a:round/>
+      </a:ln>
+    </cs:spPr>
+    <cs:defRPr sz="1197" kern="1200"/>
+  </cs:dataTable>
+  <cs:downBar>
+    <cs:lnRef idx="0"/>
+    <cs:fillRef idx="0"/>
+    <cs:effectRef idx="0"/>
+    <cs:fontRef idx="minor">
+      <a:schemeClr val="dk1"/>
+    </cs:fontRef>
+    <cs:spPr>
+      <a:solidFill>
+        <a:schemeClr val="dk1">
+          <a:lumMod val="65000"/>
+          <a:lumOff val="35000"/>
+        </a:schemeClr>
+      </a:solidFill>
+      <a:ln w="9525">
+        <a:solidFill>
+          <a:schemeClr val="tx1">
+            <a:lumMod val="65000"/>
+            <a:lumOff val="35000"/>
+          </a:schemeClr>
+        </a:solidFill>
+      </a:ln>
+    </cs:spPr>
+  </cs:downBar>
+  <cs:dropLine>
+    <cs:lnRef idx="0"/>
+    <cs:fillRef idx="0"/>
+    <cs:effectRef idx="0"/>
+    <cs:fontRef idx="minor">
+      <a:schemeClr val="tx1"/>
+    </cs:fontRef>
+    <cs:spPr>
+      <a:ln w="9525" cap="flat" cmpd="sng" algn="ctr">
+        <a:solidFill>
+          <a:schemeClr val="tx1">
+            <a:lumMod val="35000"/>
+            <a:lumOff val="65000"/>
+          </a:schemeClr>
+        </a:solidFill>
+        <a:round/>
+      </a:ln>
+    </cs:spPr>
+  </cs:dropLine>
+  <cs:errorBar>
+    <cs:lnRef idx="0"/>
+    <cs:fillRef idx="0"/>
+    <cs:effectRef idx="0"/>
+    <cs:fontRef idx="minor">
+      <a:schemeClr val="tx1"/>
+    </cs:fontRef>
+    <cs:spPr>
+      <a:ln w="9525" cap="flat" cmpd="sng" algn="ctr">
+        <a:solidFill>
+          <a:schemeClr val="tx1">
+            <a:lumMod val="65000"/>
+            <a:lumOff val="35000"/>
+          </a:schemeClr>
+        </a:solidFill>
+        <a:round/>
+      </a:ln>
+    </cs:spPr>
+  </cs:errorBar>
+  <cs:floor>
+    <cs:lnRef idx="0"/>
+    <cs:fillRef idx="0"/>
+    <cs:effectRef idx="0"/>
+    <cs:fontRef idx="minor">
+      <a:schemeClr val="tx1"/>
+    </cs:fontRef>
+    <cs:spPr>
+      <a:noFill/>
+      <a:ln>
+        <a:noFill/>
+      </a:ln>
+    </cs:spPr>
+  </cs:floor>
+  <cs:gridlineMajor>
+    <cs:lnRef idx="0"/>
+    <cs:fillRef idx="0"/>
+    <cs:effectRef idx="0"/>
+    <cs:fontRef idx="minor">
+      <a:schemeClr val="tx1"/>
+    </cs:fontRef>
+    <cs:spPr>
+      <a:ln w="9525" cap="flat" cmpd="sng" algn="ctr">
+        <a:solidFill>
+          <a:schemeClr val="tx1">
+            <a:lumMod val="15000"/>
+            <a:lumOff val="85000"/>
+          </a:schemeClr>
+        </a:solidFill>
+        <a:round/>
+      </a:ln>
+    </cs:spPr>
+  </cs:gridlineMajor>
+  <cs:gridlineMinor>
+    <cs:lnRef idx="0"/>
+    <cs:fillRef idx="0"/>
+    <cs:effectRef idx="0"/>
+    <cs:fontRef idx="minor">
+      <a:schemeClr val="tx1"/>
+    </cs:fontRef>
+    <cs:spPr>
+      <a:ln w="9525" cap="flat" cmpd="sng" algn="ctr">
+        <a:solidFill>
+          <a:schemeClr val="tx1">
+            <a:lumMod val="5000"/>
+            <a:lumOff val="95000"/>
+          </a:schemeClr>
+        </a:solidFill>
+        <a:round/>
+      </a:ln>
+    </cs:spPr>
+  </cs:gridlineMinor>
+  <cs:hiLoLine>
+    <cs:lnRef idx="0"/>
+    <cs:fillRef idx="0"/>
+    <cs:effectRef idx="0"/>
+    <cs:fontRef idx="minor">
+      <a:schemeClr val="tx1"/>
+    </cs:fontRef>
+    <cs:spPr>
+      <a:ln w="9525" cap="flat" cmpd="sng" algn="ctr">
+        <a:solidFill>
+          <a:schemeClr val="tx1">
+            <a:lumMod val="75000"/>
+            <a:lumOff val="25000"/>
+          </a:schemeClr>
+        </a:solidFill>
+        <a:round/>
+      </a:ln>
+    </cs:spPr>
+  </cs:hiLoLine>
+  <cs:leaderLine>
+    <cs:lnRef idx="0"/>
+    <cs:fillRef idx="0"/>
+    <cs:effectRef idx="0"/>
+    <cs:fontRef idx="minor">
+      <a:schemeClr val="tx1"/>
+    </cs:fontRef>
+    <cs:spPr>
+      <a:ln w="9525" cap="flat" cmpd="sng" algn="ctr">
+        <a:solidFill>
+          <a:schemeClr val="tx1">
+            <a:lumMod val="35000"/>
+            <a:lumOff val="65000"/>
+          </a:schemeClr>
+        </a:solidFill>
+        <a:round/>
+      </a:ln>
+    </cs:spPr>
+  </cs:leaderLine>
+  <cs:legend>
+    <cs:lnRef idx="0"/>
+    <cs:fillRef idx="0"/>
+    <cs:effectRef idx="0"/>
+    <cs:fontRef idx="minor">
+      <a:schemeClr val="tx1">
+        <a:lumMod val="65000"/>
+        <a:lumOff val="35000"/>
+      </a:schemeClr>
+    </cs:fontRef>
+    <cs:defRPr sz="1197" kern="1200"/>
+  </cs:legend>
+  <cs:plotArea mods="allowNoFillOverride allowNoLineOverride">
+    <cs:lnRef idx="0"/>
+    <cs:fillRef idx="0"/>
+    <cs:effectRef idx="0"/>
+    <cs:fontRef idx="minor">
+      <a:schemeClr val="tx1"/>
+    </cs:fontRef>
+  </cs:plotArea>
+  <cs:plotArea3D mods="allowNoFillOverride allowNoLineOverride">
+    <cs:lnRef idx="0"/>
+    <cs:fillRef idx="0"/>
+    <cs:effectRef idx="0"/>
+    <cs:fontRef idx="minor">
+      <a:schemeClr val="tx1"/>
+    </cs:fontRef>
+  </cs:plotArea3D>
+  <cs:seriesAxis>
+    <cs:lnRef idx="0"/>
+    <cs:fillRef idx="0"/>
+    <cs:effectRef idx="0"/>
+    <cs:fontRef idx="minor">
+      <a:schemeClr val="tx1">
+        <a:lumMod val="65000"/>
+        <a:lumOff val="35000"/>
+      </a:schemeClr>
+    </cs:fontRef>
+    <cs:defRPr sz="1197" kern="1200"/>
+  </cs:seriesAxis>
+  <cs:seriesLine>
+    <cs:lnRef idx="0"/>
+    <cs:fillRef idx="0"/>
+    <cs:effectRef idx="0"/>
+    <cs:fontRef idx="minor">
+      <a:schemeClr val="tx1"/>
+    </cs:fontRef>
+    <cs:spPr>
+      <a:ln w="9525" cap="flat" cmpd="sng" algn="ctr">
+        <a:solidFill>
+          <a:schemeClr val="tx1">
+            <a:lumMod val="35000"/>
+            <a:lumOff val="65000"/>
+          </a:schemeClr>
+        </a:solidFill>
+        <a:round/>
+      </a:ln>
+    </cs:spPr>
+  </cs:seriesLine>
+  <cs:title>
+    <cs:lnRef idx="0"/>
+    <cs:fillRef idx="0"/>
+    <cs:effectRef idx="0"/>
+    <cs:fontRef idx="minor">
+      <a:schemeClr val="tx1">
+        <a:lumMod val="65000"/>
+        <a:lumOff val="35000"/>
+      </a:schemeClr>
+    </cs:fontRef>
+    <cs:defRPr sz="1862" b="0" kern="1200" spc="0" baseline="0"/>
+  </cs:title>
+  <cs:trendline>
+    <cs:lnRef idx="0">
+      <cs:styleClr val="auto"/>
+    </cs:lnRef>
+    <cs:fillRef idx="0"/>
+    <cs:effectRef idx="0"/>
+    <cs:fontRef idx="minor">
+      <a:schemeClr val="tx1"/>
+    </cs:fontRef>
+    <cs:spPr>
+      <a:ln w="19050" cap="rnd">
+        <a:solidFill>
+          <a:schemeClr val="phClr"/>
+        </a:solidFill>
+        <a:prstDash val="sysDot"/>
+      </a:ln>
+    </cs:spPr>
+  </cs:trendline>
+  <cs:trendlineLabel>
+    <cs:lnRef idx="0"/>
+    <cs:fillRef idx="0"/>
+    <cs:effectRef idx="0"/>
+    <cs:fontRef idx="minor">
+      <a:schemeClr val="tx1">
+        <a:lumMod val="65000"/>
+        <a:lumOff val="35000"/>
+      </a:schemeClr>
+    </cs:fontRef>
+    <cs:defRPr sz="1197" kern="1200"/>
+  </cs:trendlineLabel>
+  <cs:upBar>
+    <cs:lnRef idx="0"/>
+    <cs:fillRef idx="0"/>
+    <cs:effectRef idx="0"/>
+    <cs:fontRef idx="minor">
+      <a:schemeClr val="dk1"/>
+    </cs:fontRef>
+    <cs:spPr>
+      <a:solidFill>
+        <a:schemeClr val="lt1"/>
+      </a:solidFill>
+      <a:ln w="9525">
+        <a:solidFill>
+          <a:schemeClr val="tx1">
+            <a:lumMod val="15000"/>
+            <a:lumOff val="85000"/>
+          </a:schemeClr>
+        </a:solidFill>
+      </a:ln>
+    </cs:spPr>
+  </cs:upBar>
+  <cs:valueAxis>
+    <cs:lnRef idx="0"/>
+    <cs:fillRef idx="0"/>
+    <cs:effectRef idx="0"/>
+    <cs:fontRef idx="minor">
+      <a:schemeClr val="tx1">
+        <a:lumMod val="65000"/>
+        <a:lumOff val="35000"/>
+      </a:schemeClr>
+    </cs:fontRef>
+    <cs:defRPr sz="1197" kern="1200"/>
+  </cs:valueAxis>
+  <cs:wall>
+    <cs:lnRef idx="0"/>
+    <cs:fillRef idx="0"/>
+    <cs:effectRef idx="0"/>
+    <cs:fontRef idx="minor">
+      <a:schemeClr val="tx1"/>
+    </cs:fontRef>
+    <cs:spPr>
+      <a:noFill/>
+      <a:ln>
+        <a:noFill/>
+      </a:ln>
+    </cs:spPr>
+  </cs:wall>
+</cs:chartStyle>
 </file>
 
 <file path=ppt/diagrams/colors1.xml><?xml version="1.0" encoding="utf-8"?>
@@ -29377,7 +30428,7 @@
         </p:nvSpPr>
         <p:spPr>
           <a:xfrm>
-            <a:off x="677334" y="609600"/>
+            <a:off x="659750" y="583224"/>
             <a:ext cx="8596668" cy="673100"/>
           </a:xfrm>
         </p:spPr>
@@ -29389,31 +30440,6 @@
               <a:rPr lang="fr-CH" dirty="0"/>
               <a:t>Bilan de planification Graphique</a:t>
             </a:r>
-          </a:p>
-        </p:txBody>
-      </p:sp>
-      <p:sp>
-        <p:nvSpPr>
-          <p:cNvPr id="3" name="Espace réservé du contenu 2">
-            <a:extLst>
-              <a:ext uri="{FF2B5EF4-FFF2-40B4-BE49-F238E27FC236}">
-                <a16:creationId xmlns:a16="http://schemas.microsoft.com/office/drawing/2014/main" id="{3C495F7A-31C4-42D3-8107-46C79468C3C1}"/>
-              </a:ext>
-            </a:extLst>
-          </p:cNvPr>
-          <p:cNvSpPr>
-            <a:spLocks noGrp="1"/>
-          </p:cNvSpPr>
-          <p:nvPr>
-            <p:ph idx="1"/>
-          </p:nvPr>
-        </p:nvSpPr>
-        <p:spPr/>
-        <p:txBody>
-          <a:bodyPr/>
-          <a:lstStyle/>
-          <a:p>
-            <a:endParaRPr lang="fr-CH"/>
           </a:p>
         </p:txBody>
       </p:sp>
@@ -29482,6 +30508,37 @@
           </a:p>
         </p:txBody>
       </p:sp>
+      <p:graphicFrame>
+        <p:nvGraphicFramePr>
+          <p:cNvPr id="12" name="Espace réservé du contenu 11">
+            <a:extLst>
+              <a:ext uri="{FF2B5EF4-FFF2-40B4-BE49-F238E27FC236}">
+                <a16:creationId xmlns:a16="http://schemas.microsoft.com/office/drawing/2014/main" id="{5D0C674C-2B89-4706-84E1-B823781DA489}"/>
+              </a:ext>
+            </a:extLst>
+          </p:cNvPr>
+          <p:cNvGraphicFramePr>
+            <a:graphicFrameLocks noGrp="1"/>
+          </p:cNvGraphicFramePr>
+          <p:nvPr>
+            <p:ph idx="1"/>
+            <p:extLst>
+              <p:ext uri="{D42A27DB-BD31-4B8C-83A1-F6EECF244321}">
+                <p14:modId xmlns:p14="http://schemas.microsoft.com/office/powerpoint/2010/main" val="1086400355"/>
+              </p:ext>
+            </p:extLst>
+          </p:nvPr>
+        </p:nvGraphicFramePr>
+        <p:xfrm>
+          <a:off x="677335" y="1282700"/>
+          <a:ext cx="8596667" cy="4574320"/>
+        </p:xfrm>
+        <a:graphic>
+          <a:graphicData uri="http://schemas.openxmlformats.org/drawingml/2006/chart">
+            <c:chart xmlns:c="http://schemas.openxmlformats.org/drawingml/2006/chart" xmlns:r="http://schemas.openxmlformats.org/officeDocument/2006/relationships" r:id="rId3"/>
+          </a:graphicData>
+        </a:graphic>
+      </p:graphicFrame>
     </p:spTree>
     <p:extLst>
       <p:ext uri="{BB962C8B-B14F-4D97-AF65-F5344CB8AC3E}">
